--- a/Network/05. Network Internet Protocol (2).pptx
+++ b/Network/05. Network Internet Protocol (2).pptx
@@ -5,28 +5,35 @@
     <p:sldMasterId id="2147483648" r:id="rId1"/>
   </p:sldMasterIdLst>
   <p:notesMasterIdLst>
-    <p:notesMasterId r:id="rId21"/>
+    <p:notesMasterId r:id="rId28"/>
   </p:notesMasterIdLst>
   <p:sldIdLst>
     <p:sldId id="256" r:id="rId2"/>
     <p:sldId id="259" r:id="rId3"/>
-    <p:sldId id="404" r:id="rId4"/>
-    <p:sldId id="406" r:id="rId5"/>
-    <p:sldId id="408" r:id="rId6"/>
-    <p:sldId id="409" r:id="rId7"/>
-    <p:sldId id="410" r:id="rId8"/>
-    <p:sldId id="411" r:id="rId9"/>
-    <p:sldId id="412" r:id="rId10"/>
-    <p:sldId id="413" r:id="rId11"/>
-    <p:sldId id="414" r:id="rId12"/>
-    <p:sldId id="415" r:id="rId13"/>
-    <p:sldId id="416" r:id="rId14"/>
-    <p:sldId id="417" r:id="rId15"/>
-    <p:sldId id="418" r:id="rId16"/>
-    <p:sldId id="419" r:id="rId17"/>
-    <p:sldId id="420" r:id="rId18"/>
-    <p:sldId id="421" r:id="rId19"/>
-    <p:sldId id="422" r:id="rId20"/>
+    <p:sldId id="422" r:id="rId4"/>
+    <p:sldId id="423" r:id="rId5"/>
+    <p:sldId id="424" r:id="rId6"/>
+    <p:sldId id="425" r:id="rId7"/>
+    <p:sldId id="426" r:id="rId8"/>
+    <p:sldId id="427" r:id="rId9"/>
+    <p:sldId id="428" r:id="rId10"/>
+    <p:sldId id="429" r:id="rId11"/>
+    <p:sldId id="430" r:id="rId12"/>
+    <p:sldId id="431" r:id="rId13"/>
+    <p:sldId id="432" r:id="rId14"/>
+    <p:sldId id="433" r:id="rId15"/>
+    <p:sldId id="434" r:id="rId16"/>
+    <p:sldId id="435" r:id="rId17"/>
+    <p:sldId id="436" r:id="rId18"/>
+    <p:sldId id="437" r:id="rId19"/>
+    <p:sldId id="438" r:id="rId20"/>
+    <p:sldId id="439" r:id="rId21"/>
+    <p:sldId id="440" r:id="rId22"/>
+    <p:sldId id="441" r:id="rId23"/>
+    <p:sldId id="442" r:id="rId24"/>
+    <p:sldId id="443" r:id="rId25"/>
+    <p:sldId id="444" r:id="rId26"/>
+    <p:sldId id="445" r:id="rId27"/>
   </p:sldIdLst>
   <p:sldSz cx="12192000" cy="6858000"/>
   <p:notesSz cx="6858000" cy="9144000"/>
@@ -221,7 +228,7 @@
           <a:p>
             <a:fld id="{1BA909BF-503D-46EF-A7F0-824009663C50}" type="datetimeFigureOut">
               <a:rPr lang="ko-KR" altLang="en-US" smtClean="0"/>
-              <a:t>2023-01-21</a:t>
+              <a:t>2023-01-27</a:t>
             </a:fld>
             <a:endParaRPr lang="ko-KR" altLang="en-US"/>
           </a:p>
@@ -572,6 +579,510 @@
 </p:notes>
 </file>
 
+<file path=ppt/notesSlides/notesSlide10.xml><?xml version="1.0" encoding="utf-8"?>
+<p:notes xmlns:a="http://schemas.openxmlformats.org/drawingml/2006/main" xmlns:r="http://schemas.openxmlformats.org/officeDocument/2006/relationships" xmlns:p="http://schemas.openxmlformats.org/presentationml/2006/main">
+  <p:cSld>
+    <p:spTree>
+      <p:nvGrpSpPr>
+        <p:cNvPr id="1" name=""/>
+        <p:cNvGrpSpPr/>
+        <p:nvPr/>
+      </p:nvGrpSpPr>
+      <p:grpSpPr>
+        <a:xfrm>
+          <a:off x="0" y="0"/>
+          <a:ext cx="0" cy="0"/>
+          <a:chOff x="0" y="0"/>
+          <a:chExt cx="0" cy="0"/>
+        </a:xfrm>
+      </p:grpSpPr>
+      <p:sp>
+        <p:nvSpPr>
+          <p:cNvPr id="2" name="슬라이드 이미지 개체 틀 1"/>
+          <p:cNvSpPr>
+            <a:spLocks noGrp="1" noRot="1" noChangeAspect="1"/>
+          </p:cNvSpPr>
+          <p:nvPr>
+            <p:ph type="sldImg"/>
+          </p:nvPr>
+        </p:nvSpPr>
+        <p:spPr/>
+      </p:sp>
+      <p:sp>
+        <p:nvSpPr>
+          <p:cNvPr id="3" name="슬라이드 노트 개체 틀 2"/>
+          <p:cNvSpPr>
+            <a:spLocks noGrp="1"/>
+          </p:cNvSpPr>
+          <p:nvPr>
+            <p:ph type="body" idx="1"/>
+          </p:nvPr>
+        </p:nvSpPr>
+        <p:spPr/>
+        <p:txBody>
+          <a:bodyPr/>
+          <a:lstStyle/>
+          <a:p>
+            <a:endParaRPr lang="ko-KR" altLang="en-US" dirty="0"/>
+          </a:p>
+        </p:txBody>
+      </p:sp>
+      <p:sp>
+        <p:nvSpPr>
+          <p:cNvPr id="4" name="슬라이드 번호 개체 틀 3"/>
+          <p:cNvSpPr>
+            <a:spLocks noGrp="1"/>
+          </p:cNvSpPr>
+          <p:nvPr>
+            <p:ph type="sldNum" sz="quarter" idx="5"/>
+          </p:nvPr>
+        </p:nvSpPr>
+        <p:spPr/>
+        <p:txBody>
+          <a:bodyPr/>
+          <a:lstStyle/>
+          <a:p>
+            <a:fld id="{19F5C388-934A-4DC6-9185-7480E02DF183}" type="slidenum">
+              <a:rPr lang="ko-KR" altLang="en-US" smtClean="0"/>
+              <a:t>21</a:t>
+            </a:fld>
+            <a:endParaRPr lang="ko-KR" altLang="en-US"/>
+          </a:p>
+        </p:txBody>
+      </p:sp>
+    </p:spTree>
+    <p:extLst>
+      <p:ext uri="{BB962C8B-B14F-4D97-AF65-F5344CB8AC3E}">
+        <p14:creationId xmlns:p14="http://schemas.microsoft.com/office/powerpoint/2010/main" val="4095763773"/>
+      </p:ext>
+    </p:extLst>
+  </p:cSld>
+  <p:clrMapOvr>
+    <a:masterClrMapping/>
+  </p:clrMapOvr>
+</p:notes>
+</file>
+
+<file path=ppt/notesSlides/notesSlide11.xml><?xml version="1.0" encoding="utf-8"?>
+<p:notes xmlns:a="http://schemas.openxmlformats.org/drawingml/2006/main" xmlns:r="http://schemas.openxmlformats.org/officeDocument/2006/relationships" xmlns:p="http://schemas.openxmlformats.org/presentationml/2006/main">
+  <p:cSld>
+    <p:spTree>
+      <p:nvGrpSpPr>
+        <p:cNvPr id="1" name=""/>
+        <p:cNvGrpSpPr/>
+        <p:nvPr/>
+      </p:nvGrpSpPr>
+      <p:grpSpPr>
+        <a:xfrm>
+          <a:off x="0" y="0"/>
+          <a:ext cx="0" cy="0"/>
+          <a:chOff x="0" y="0"/>
+          <a:chExt cx="0" cy="0"/>
+        </a:xfrm>
+      </p:grpSpPr>
+      <p:sp>
+        <p:nvSpPr>
+          <p:cNvPr id="2" name="슬라이드 이미지 개체 틀 1"/>
+          <p:cNvSpPr>
+            <a:spLocks noGrp="1" noRot="1" noChangeAspect="1"/>
+          </p:cNvSpPr>
+          <p:nvPr>
+            <p:ph type="sldImg"/>
+          </p:nvPr>
+        </p:nvSpPr>
+        <p:spPr/>
+      </p:sp>
+      <p:sp>
+        <p:nvSpPr>
+          <p:cNvPr id="3" name="슬라이드 노트 개체 틀 2"/>
+          <p:cNvSpPr>
+            <a:spLocks noGrp="1"/>
+          </p:cNvSpPr>
+          <p:nvPr>
+            <p:ph type="body" idx="1"/>
+          </p:nvPr>
+        </p:nvSpPr>
+        <p:spPr/>
+        <p:txBody>
+          <a:bodyPr/>
+          <a:lstStyle/>
+          <a:p>
+            <a:endParaRPr lang="ko-KR" altLang="en-US" dirty="0"/>
+          </a:p>
+        </p:txBody>
+      </p:sp>
+      <p:sp>
+        <p:nvSpPr>
+          <p:cNvPr id="4" name="슬라이드 번호 개체 틀 3"/>
+          <p:cNvSpPr>
+            <a:spLocks noGrp="1"/>
+          </p:cNvSpPr>
+          <p:nvPr>
+            <p:ph type="sldNum" sz="quarter" idx="5"/>
+          </p:nvPr>
+        </p:nvSpPr>
+        <p:spPr/>
+        <p:txBody>
+          <a:bodyPr/>
+          <a:lstStyle/>
+          <a:p>
+            <a:fld id="{19F5C388-934A-4DC6-9185-7480E02DF183}" type="slidenum">
+              <a:rPr lang="ko-KR" altLang="en-US" smtClean="0"/>
+              <a:t>22</a:t>
+            </a:fld>
+            <a:endParaRPr lang="ko-KR" altLang="en-US"/>
+          </a:p>
+        </p:txBody>
+      </p:sp>
+    </p:spTree>
+    <p:extLst>
+      <p:ext uri="{BB962C8B-B14F-4D97-AF65-F5344CB8AC3E}">
+        <p14:creationId xmlns:p14="http://schemas.microsoft.com/office/powerpoint/2010/main" val="1098948143"/>
+      </p:ext>
+    </p:extLst>
+  </p:cSld>
+  <p:clrMapOvr>
+    <a:masterClrMapping/>
+  </p:clrMapOvr>
+</p:notes>
+</file>
+
+<file path=ppt/notesSlides/notesSlide12.xml><?xml version="1.0" encoding="utf-8"?>
+<p:notes xmlns:a="http://schemas.openxmlformats.org/drawingml/2006/main" xmlns:r="http://schemas.openxmlformats.org/officeDocument/2006/relationships" xmlns:p="http://schemas.openxmlformats.org/presentationml/2006/main">
+  <p:cSld>
+    <p:spTree>
+      <p:nvGrpSpPr>
+        <p:cNvPr id="1" name=""/>
+        <p:cNvGrpSpPr/>
+        <p:nvPr/>
+      </p:nvGrpSpPr>
+      <p:grpSpPr>
+        <a:xfrm>
+          <a:off x="0" y="0"/>
+          <a:ext cx="0" cy="0"/>
+          <a:chOff x="0" y="0"/>
+          <a:chExt cx="0" cy="0"/>
+        </a:xfrm>
+      </p:grpSpPr>
+      <p:sp>
+        <p:nvSpPr>
+          <p:cNvPr id="2" name="슬라이드 이미지 개체 틀 1"/>
+          <p:cNvSpPr>
+            <a:spLocks noGrp="1" noRot="1" noChangeAspect="1"/>
+          </p:cNvSpPr>
+          <p:nvPr>
+            <p:ph type="sldImg"/>
+          </p:nvPr>
+        </p:nvSpPr>
+        <p:spPr/>
+      </p:sp>
+      <p:sp>
+        <p:nvSpPr>
+          <p:cNvPr id="3" name="슬라이드 노트 개체 틀 2"/>
+          <p:cNvSpPr>
+            <a:spLocks noGrp="1"/>
+          </p:cNvSpPr>
+          <p:nvPr>
+            <p:ph type="body" idx="1"/>
+          </p:nvPr>
+        </p:nvSpPr>
+        <p:spPr/>
+        <p:txBody>
+          <a:bodyPr/>
+          <a:lstStyle/>
+          <a:p>
+            <a:endParaRPr lang="ko-KR" altLang="en-US" dirty="0"/>
+          </a:p>
+        </p:txBody>
+      </p:sp>
+      <p:sp>
+        <p:nvSpPr>
+          <p:cNvPr id="4" name="슬라이드 번호 개체 틀 3"/>
+          <p:cNvSpPr>
+            <a:spLocks noGrp="1"/>
+          </p:cNvSpPr>
+          <p:nvPr>
+            <p:ph type="sldNum" sz="quarter" idx="5"/>
+          </p:nvPr>
+        </p:nvSpPr>
+        <p:spPr/>
+        <p:txBody>
+          <a:bodyPr/>
+          <a:lstStyle/>
+          <a:p>
+            <a:fld id="{19F5C388-934A-4DC6-9185-7480E02DF183}" type="slidenum">
+              <a:rPr lang="ko-KR" altLang="en-US" smtClean="0"/>
+              <a:t>23</a:t>
+            </a:fld>
+            <a:endParaRPr lang="ko-KR" altLang="en-US"/>
+          </a:p>
+        </p:txBody>
+      </p:sp>
+    </p:spTree>
+    <p:extLst>
+      <p:ext uri="{BB962C8B-B14F-4D97-AF65-F5344CB8AC3E}">
+        <p14:creationId xmlns:p14="http://schemas.microsoft.com/office/powerpoint/2010/main" val="2440651579"/>
+      </p:ext>
+    </p:extLst>
+  </p:cSld>
+  <p:clrMapOvr>
+    <a:masterClrMapping/>
+  </p:clrMapOvr>
+</p:notes>
+</file>
+
+<file path=ppt/notesSlides/notesSlide13.xml><?xml version="1.0" encoding="utf-8"?>
+<p:notes xmlns:a="http://schemas.openxmlformats.org/drawingml/2006/main" xmlns:r="http://schemas.openxmlformats.org/officeDocument/2006/relationships" xmlns:p="http://schemas.openxmlformats.org/presentationml/2006/main">
+  <p:cSld>
+    <p:spTree>
+      <p:nvGrpSpPr>
+        <p:cNvPr id="1" name=""/>
+        <p:cNvGrpSpPr/>
+        <p:nvPr/>
+      </p:nvGrpSpPr>
+      <p:grpSpPr>
+        <a:xfrm>
+          <a:off x="0" y="0"/>
+          <a:ext cx="0" cy="0"/>
+          <a:chOff x="0" y="0"/>
+          <a:chExt cx="0" cy="0"/>
+        </a:xfrm>
+      </p:grpSpPr>
+      <p:sp>
+        <p:nvSpPr>
+          <p:cNvPr id="2" name="슬라이드 이미지 개체 틀 1"/>
+          <p:cNvSpPr>
+            <a:spLocks noGrp="1" noRot="1" noChangeAspect="1"/>
+          </p:cNvSpPr>
+          <p:nvPr>
+            <p:ph type="sldImg"/>
+          </p:nvPr>
+        </p:nvSpPr>
+        <p:spPr/>
+      </p:sp>
+      <p:sp>
+        <p:nvSpPr>
+          <p:cNvPr id="3" name="슬라이드 노트 개체 틀 2"/>
+          <p:cNvSpPr>
+            <a:spLocks noGrp="1"/>
+          </p:cNvSpPr>
+          <p:nvPr>
+            <p:ph type="body" idx="1"/>
+          </p:nvPr>
+        </p:nvSpPr>
+        <p:spPr/>
+        <p:txBody>
+          <a:bodyPr/>
+          <a:lstStyle/>
+          <a:p>
+            <a:endParaRPr lang="ko-KR" altLang="en-US" dirty="0"/>
+          </a:p>
+        </p:txBody>
+      </p:sp>
+      <p:sp>
+        <p:nvSpPr>
+          <p:cNvPr id="4" name="슬라이드 번호 개체 틀 3"/>
+          <p:cNvSpPr>
+            <a:spLocks noGrp="1"/>
+          </p:cNvSpPr>
+          <p:nvPr>
+            <p:ph type="sldNum" sz="quarter" idx="5"/>
+          </p:nvPr>
+        </p:nvSpPr>
+        <p:spPr/>
+        <p:txBody>
+          <a:bodyPr/>
+          <a:lstStyle/>
+          <a:p>
+            <a:fld id="{19F5C388-934A-4DC6-9185-7480E02DF183}" type="slidenum">
+              <a:rPr lang="ko-KR" altLang="en-US" smtClean="0"/>
+              <a:t>24</a:t>
+            </a:fld>
+            <a:endParaRPr lang="ko-KR" altLang="en-US"/>
+          </a:p>
+        </p:txBody>
+      </p:sp>
+    </p:spTree>
+    <p:extLst>
+      <p:ext uri="{BB962C8B-B14F-4D97-AF65-F5344CB8AC3E}">
+        <p14:creationId xmlns:p14="http://schemas.microsoft.com/office/powerpoint/2010/main" val="2816225322"/>
+      </p:ext>
+    </p:extLst>
+  </p:cSld>
+  <p:clrMapOvr>
+    <a:masterClrMapping/>
+  </p:clrMapOvr>
+</p:notes>
+</file>
+
+<file path=ppt/notesSlides/notesSlide14.xml><?xml version="1.0" encoding="utf-8"?>
+<p:notes xmlns:a="http://schemas.openxmlformats.org/drawingml/2006/main" xmlns:r="http://schemas.openxmlformats.org/officeDocument/2006/relationships" xmlns:p="http://schemas.openxmlformats.org/presentationml/2006/main">
+  <p:cSld>
+    <p:spTree>
+      <p:nvGrpSpPr>
+        <p:cNvPr id="1" name=""/>
+        <p:cNvGrpSpPr/>
+        <p:nvPr/>
+      </p:nvGrpSpPr>
+      <p:grpSpPr>
+        <a:xfrm>
+          <a:off x="0" y="0"/>
+          <a:ext cx="0" cy="0"/>
+          <a:chOff x="0" y="0"/>
+          <a:chExt cx="0" cy="0"/>
+        </a:xfrm>
+      </p:grpSpPr>
+      <p:sp>
+        <p:nvSpPr>
+          <p:cNvPr id="2" name="슬라이드 이미지 개체 틀 1"/>
+          <p:cNvSpPr>
+            <a:spLocks noGrp="1" noRot="1" noChangeAspect="1"/>
+          </p:cNvSpPr>
+          <p:nvPr>
+            <p:ph type="sldImg"/>
+          </p:nvPr>
+        </p:nvSpPr>
+        <p:spPr/>
+      </p:sp>
+      <p:sp>
+        <p:nvSpPr>
+          <p:cNvPr id="3" name="슬라이드 노트 개체 틀 2"/>
+          <p:cNvSpPr>
+            <a:spLocks noGrp="1"/>
+          </p:cNvSpPr>
+          <p:nvPr>
+            <p:ph type="body" idx="1"/>
+          </p:nvPr>
+        </p:nvSpPr>
+        <p:spPr/>
+        <p:txBody>
+          <a:bodyPr/>
+          <a:lstStyle/>
+          <a:p>
+            <a:endParaRPr lang="ko-KR" altLang="en-US" dirty="0"/>
+          </a:p>
+        </p:txBody>
+      </p:sp>
+      <p:sp>
+        <p:nvSpPr>
+          <p:cNvPr id="4" name="슬라이드 번호 개체 틀 3"/>
+          <p:cNvSpPr>
+            <a:spLocks noGrp="1"/>
+          </p:cNvSpPr>
+          <p:nvPr>
+            <p:ph type="sldNum" sz="quarter" idx="5"/>
+          </p:nvPr>
+        </p:nvSpPr>
+        <p:spPr/>
+        <p:txBody>
+          <a:bodyPr/>
+          <a:lstStyle/>
+          <a:p>
+            <a:fld id="{19F5C388-934A-4DC6-9185-7480E02DF183}" type="slidenum">
+              <a:rPr lang="ko-KR" altLang="en-US" smtClean="0"/>
+              <a:t>25</a:t>
+            </a:fld>
+            <a:endParaRPr lang="ko-KR" altLang="en-US"/>
+          </a:p>
+        </p:txBody>
+      </p:sp>
+    </p:spTree>
+    <p:extLst>
+      <p:ext uri="{BB962C8B-B14F-4D97-AF65-F5344CB8AC3E}">
+        <p14:creationId xmlns:p14="http://schemas.microsoft.com/office/powerpoint/2010/main" val="265182534"/>
+      </p:ext>
+    </p:extLst>
+  </p:cSld>
+  <p:clrMapOvr>
+    <a:masterClrMapping/>
+  </p:clrMapOvr>
+</p:notes>
+</file>
+
+<file path=ppt/notesSlides/notesSlide15.xml><?xml version="1.0" encoding="utf-8"?>
+<p:notes xmlns:a="http://schemas.openxmlformats.org/drawingml/2006/main" xmlns:r="http://schemas.openxmlformats.org/officeDocument/2006/relationships" xmlns:p="http://schemas.openxmlformats.org/presentationml/2006/main">
+  <p:cSld>
+    <p:spTree>
+      <p:nvGrpSpPr>
+        <p:cNvPr id="1" name=""/>
+        <p:cNvGrpSpPr/>
+        <p:nvPr/>
+      </p:nvGrpSpPr>
+      <p:grpSpPr>
+        <a:xfrm>
+          <a:off x="0" y="0"/>
+          <a:ext cx="0" cy="0"/>
+          <a:chOff x="0" y="0"/>
+          <a:chExt cx="0" cy="0"/>
+        </a:xfrm>
+      </p:grpSpPr>
+      <p:sp>
+        <p:nvSpPr>
+          <p:cNvPr id="2" name="슬라이드 이미지 개체 틀 1"/>
+          <p:cNvSpPr>
+            <a:spLocks noGrp="1" noRot="1" noChangeAspect="1"/>
+          </p:cNvSpPr>
+          <p:nvPr>
+            <p:ph type="sldImg"/>
+          </p:nvPr>
+        </p:nvSpPr>
+        <p:spPr/>
+      </p:sp>
+      <p:sp>
+        <p:nvSpPr>
+          <p:cNvPr id="3" name="슬라이드 노트 개체 틀 2"/>
+          <p:cNvSpPr>
+            <a:spLocks noGrp="1"/>
+          </p:cNvSpPr>
+          <p:nvPr>
+            <p:ph type="body" idx="1"/>
+          </p:nvPr>
+        </p:nvSpPr>
+        <p:spPr/>
+        <p:txBody>
+          <a:bodyPr/>
+          <a:lstStyle/>
+          <a:p>
+            <a:endParaRPr lang="ko-KR" altLang="en-US" dirty="0"/>
+          </a:p>
+        </p:txBody>
+      </p:sp>
+      <p:sp>
+        <p:nvSpPr>
+          <p:cNvPr id="4" name="슬라이드 번호 개체 틀 3"/>
+          <p:cNvSpPr>
+            <a:spLocks noGrp="1"/>
+          </p:cNvSpPr>
+          <p:nvPr>
+            <p:ph type="sldNum" sz="quarter" idx="5"/>
+          </p:nvPr>
+        </p:nvSpPr>
+        <p:spPr/>
+        <p:txBody>
+          <a:bodyPr/>
+          <a:lstStyle/>
+          <a:p>
+            <a:fld id="{19F5C388-934A-4DC6-9185-7480E02DF183}" type="slidenum">
+              <a:rPr lang="ko-KR" altLang="en-US" smtClean="0"/>
+              <a:t>26</a:t>
+            </a:fld>
+            <a:endParaRPr lang="ko-KR" altLang="en-US"/>
+          </a:p>
+        </p:txBody>
+      </p:sp>
+    </p:spTree>
+    <p:extLst>
+      <p:ext uri="{BB962C8B-B14F-4D97-AF65-F5344CB8AC3E}">
+        <p14:creationId xmlns:p14="http://schemas.microsoft.com/office/powerpoint/2010/main" val="3766065129"/>
+      </p:ext>
+    </p:extLst>
+  </p:cSld>
+  <p:clrMapOvr>
+    <a:masterClrMapping/>
+  </p:clrMapOvr>
+</p:notes>
+</file>
+
 <file path=ppt/notesSlides/notesSlide2.xml><?xml version="1.0" encoding="utf-8"?>
 <p:notes xmlns:a="http://schemas.openxmlformats.org/drawingml/2006/main" xmlns:r="http://schemas.openxmlformats.org/officeDocument/2006/relationships" xmlns:p="http://schemas.openxmlformats.org/presentationml/2006/main">
   <p:cSld>
@@ -647,6 +1158,594 @@
     <p:extLst>
       <p:ext uri="{BB962C8B-B14F-4D97-AF65-F5344CB8AC3E}">
         <p14:creationId xmlns:p14="http://schemas.microsoft.com/office/powerpoint/2010/main" val="1722818841"/>
+      </p:ext>
+    </p:extLst>
+  </p:cSld>
+  <p:clrMapOvr>
+    <a:masterClrMapping/>
+  </p:clrMapOvr>
+</p:notes>
+</file>
+
+<file path=ppt/notesSlides/notesSlide3.xml><?xml version="1.0" encoding="utf-8"?>
+<p:notes xmlns:a="http://schemas.openxmlformats.org/drawingml/2006/main" xmlns:r="http://schemas.openxmlformats.org/officeDocument/2006/relationships" xmlns:p="http://schemas.openxmlformats.org/presentationml/2006/main">
+  <p:cSld>
+    <p:spTree>
+      <p:nvGrpSpPr>
+        <p:cNvPr id="1" name=""/>
+        <p:cNvGrpSpPr/>
+        <p:nvPr/>
+      </p:nvGrpSpPr>
+      <p:grpSpPr>
+        <a:xfrm>
+          <a:off x="0" y="0"/>
+          <a:ext cx="0" cy="0"/>
+          <a:chOff x="0" y="0"/>
+          <a:chExt cx="0" cy="0"/>
+        </a:xfrm>
+      </p:grpSpPr>
+      <p:sp>
+        <p:nvSpPr>
+          <p:cNvPr id="2" name="슬라이드 이미지 개체 틀 1"/>
+          <p:cNvSpPr>
+            <a:spLocks noGrp="1" noRot="1" noChangeAspect="1"/>
+          </p:cNvSpPr>
+          <p:nvPr>
+            <p:ph type="sldImg"/>
+          </p:nvPr>
+        </p:nvSpPr>
+        <p:spPr/>
+      </p:sp>
+      <p:sp>
+        <p:nvSpPr>
+          <p:cNvPr id="3" name="슬라이드 노트 개체 틀 2"/>
+          <p:cNvSpPr>
+            <a:spLocks noGrp="1"/>
+          </p:cNvSpPr>
+          <p:nvPr>
+            <p:ph type="body" idx="1"/>
+          </p:nvPr>
+        </p:nvSpPr>
+        <p:spPr/>
+        <p:txBody>
+          <a:bodyPr/>
+          <a:lstStyle/>
+          <a:p>
+            <a:endParaRPr lang="ko-KR" altLang="en-US" dirty="0"/>
+          </a:p>
+        </p:txBody>
+      </p:sp>
+      <p:sp>
+        <p:nvSpPr>
+          <p:cNvPr id="4" name="슬라이드 번호 개체 틀 3"/>
+          <p:cNvSpPr>
+            <a:spLocks noGrp="1"/>
+          </p:cNvSpPr>
+          <p:nvPr>
+            <p:ph type="sldNum" sz="quarter" idx="5"/>
+          </p:nvPr>
+        </p:nvSpPr>
+        <p:spPr/>
+        <p:txBody>
+          <a:bodyPr/>
+          <a:lstStyle/>
+          <a:p>
+            <a:fld id="{19F5C388-934A-4DC6-9185-7480E02DF183}" type="slidenum">
+              <a:rPr lang="ko-KR" altLang="en-US" smtClean="0"/>
+              <a:t>14</a:t>
+            </a:fld>
+            <a:endParaRPr lang="ko-KR" altLang="en-US"/>
+          </a:p>
+        </p:txBody>
+      </p:sp>
+    </p:spTree>
+    <p:extLst>
+      <p:ext uri="{BB962C8B-B14F-4D97-AF65-F5344CB8AC3E}">
+        <p14:creationId xmlns:p14="http://schemas.microsoft.com/office/powerpoint/2010/main" val="2564467010"/>
+      </p:ext>
+    </p:extLst>
+  </p:cSld>
+  <p:clrMapOvr>
+    <a:masterClrMapping/>
+  </p:clrMapOvr>
+</p:notes>
+</file>
+
+<file path=ppt/notesSlides/notesSlide4.xml><?xml version="1.0" encoding="utf-8"?>
+<p:notes xmlns:a="http://schemas.openxmlformats.org/drawingml/2006/main" xmlns:r="http://schemas.openxmlformats.org/officeDocument/2006/relationships" xmlns:p="http://schemas.openxmlformats.org/presentationml/2006/main">
+  <p:cSld>
+    <p:spTree>
+      <p:nvGrpSpPr>
+        <p:cNvPr id="1" name=""/>
+        <p:cNvGrpSpPr/>
+        <p:nvPr/>
+      </p:nvGrpSpPr>
+      <p:grpSpPr>
+        <a:xfrm>
+          <a:off x="0" y="0"/>
+          <a:ext cx="0" cy="0"/>
+          <a:chOff x="0" y="0"/>
+          <a:chExt cx="0" cy="0"/>
+        </a:xfrm>
+      </p:grpSpPr>
+      <p:sp>
+        <p:nvSpPr>
+          <p:cNvPr id="2" name="슬라이드 이미지 개체 틀 1"/>
+          <p:cNvSpPr>
+            <a:spLocks noGrp="1" noRot="1" noChangeAspect="1"/>
+          </p:cNvSpPr>
+          <p:nvPr>
+            <p:ph type="sldImg"/>
+          </p:nvPr>
+        </p:nvSpPr>
+        <p:spPr/>
+      </p:sp>
+      <p:sp>
+        <p:nvSpPr>
+          <p:cNvPr id="3" name="슬라이드 노트 개체 틀 2"/>
+          <p:cNvSpPr>
+            <a:spLocks noGrp="1"/>
+          </p:cNvSpPr>
+          <p:nvPr>
+            <p:ph type="body" idx="1"/>
+          </p:nvPr>
+        </p:nvSpPr>
+        <p:spPr/>
+        <p:txBody>
+          <a:bodyPr/>
+          <a:lstStyle/>
+          <a:p>
+            <a:endParaRPr lang="ko-KR" altLang="en-US" dirty="0"/>
+          </a:p>
+        </p:txBody>
+      </p:sp>
+      <p:sp>
+        <p:nvSpPr>
+          <p:cNvPr id="4" name="슬라이드 번호 개체 틀 3"/>
+          <p:cNvSpPr>
+            <a:spLocks noGrp="1"/>
+          </p:cNvSpPr>
+          <p:nvPr>
+            <p:ph type="sldNum" sz="quarter" idx="5"/>
+          </p:nvPr>
+        </p:nvSpPr>
+        <p:spPr/>
+        <p:txBody>
+          <a:bodyPr/>
+          <a:lstStyle/>
+          <a:p>
+            <a:fld id="{19F5C388-934A-4DC6-9185-7480E02DF183}" type="slidenum">
+              <a:rPr lang="ko-KR" altLang="en-US" smtClean="0"/>
+              <a:t>15</a:t>
+            </a:fld>
+            <a:endParaRPr lang="ko-KR" altLang="en-US"/>
+          </a:p>
+        </p:txBody>
+      </p:sp>
+    </p:spTree>
+    <p:extLst>
+      <p:ext uri="{BB962C8B-B14F-4D97-AF65-F5344CB8AC3E}">
+        <p14:creationId xmlns:p14="http://schemas.microsoft.com/office/powerpoint/2010/main" val="764793886"/>
+      </p:ext>
+    </p:extLst>
+  </p:cSld>
+  <p:clrMapOvr>
+    <a:masterClrMapping/>
+  </p:clrMapOvr>
+</p:notes>
+</file>
+
+<file path=ppt/notesSlides/notesSlide5.xml><?xml version="1.0" encoding="utf-8"?>
+<p:notes xmlns:a="http://schemas.openxmlformats.org/drawingml/2006/main" xmlns:r="http://schemas.openxmlformats.org/officeDocument/2006/relationships" xmlns:p="http://schemas.openxmlformats.org/presentationml/2006/main">
+  <p:cSld>
+    <p:spTree>
+      <p:nvGrpSpPr>
+        <p:cNvPr id="1" name=""/>
+        <p:cNvGrpSpPr/>
+        <p:nvPr/>
+      </p:nvGrpSpPr>
+      <p:grpSpPr>
+        <a:xfrm>
+          <a:off x="0" y="0"/>
+          <a:ext cx="0" cy="0"/>
+          <a:chOff x="0" y="0"/>
+          <a:chExt cx="0" cy="0"/>
+        </a:xfrm>
+      </p:grpSpPr>
+      <p:sp>
+        <p:nvSpPr>
+          <p:cNvPr id="2" name="슬라이드 이미지 개체 틀 1"/>
+          <p:cNvSpPr>
+            <a:spLocks noGrp="1" noRot="1" noChangeAspect="1"/>
+          </p:cNvSpPr>
+          <p:nvPr>
+            <p:ph type="sldImg"/>
+          </p:nvPr>
+        </p:nvSpPr>
+        <p:spPr/>
+      </p:sp>
+      <p:sp>
+        <p:nvSpPr>
+          <p:cNvPr id="3" name="슬라이드 노트 개체 틀 2"/>
+          <p:cNvSpPr>
+            <a:spLocks noGrp="1"/>
+          </p:cNvSpPr>
+          <p:nvPr>
+            <p:ph type="body" idx="1"/>
+          </p:nvPr>
+        </p:nvSpPr>
+        <p:spPr/>
+        <p:txBody>
+          <a:bodyPr/>
+          <a:lstStyle/>
+          <a:p>
+            <a:endParaRPr lang="ko-KR" altLang="en-US" dirty="0"/>
+          </a:p>
+        </p:txBody>
+      </p:sp>
+      <p:sp>
+        <p:nvSpPr>
+          <p:cNvPr id="4" name="슬라이드 번호 개체 틀 3"/>
+          <p:cNvSpPr>
+            <a:spLocks noGrp="1"/>
+          </p:cNvSpPr>
+          <p:nvPr>
+            <p:ph type="sldNum" sz="quarter" idx="5"/>
+          </p:nvPr>
+        </p:nvSpPr>
+        <p:spPr/>
+        <p:txBody>
+          <a:bodyPr/>
+          <a:lstStyle/>
+          <a:p>
+            <a:fld id="{19F5C388-934A-4DC6-9185-7480E02DF183}" type="slidenum">
+              <a:rPr lang="ko-KR" altLang="en-US" smtClean="0"/>
+              <a:t>16</a:t>
+            </a:fld>
+            <a:endParaRPr lang="ko-KR" altLang="en-US"/>
+          </a:p>
+        </p:txBody>
+      </p:sp>
+    </p:spTree>
+    <p:extLst>
+      <p:ext uri="{BB962C8B-B14F-4D97-AF65-F5344CB8AC3E}">
+        <p14:creationId xmlns:p14="http://schemas.microsoft.com/office/powerpoint/2010/main" val="2899628570"/>
+      </p:ext>
+    </p:extLst>
+  </p:cSld>
+  <p:clrMapOvr>
+    <a:masterClrMapping/>
+  </p:clrMapOvr>
+</p:notes>
+</file>
+
+<file path=ppt/notesSlides/notesSlide6.xml><?xml version="1.0" encoding="utf-8"?>
+<p:notes xmlns:a="http://schemas.openxmlformats.org/drawingml/2006/main" xmlns:r="http://schemas.openxmlformats.org/officeDocument/2006/relationships" xmlns:p="http://schemas.openxmlformats.org/presentationml/2006/main">
+  <p:cSld>
+    <p:spTree>
+      <p:nvGrpSpPr>
+        <p:cNvPr id="1" name=""/>
+        <p:cNvGrpSpPr/>
+        <p:nvPr/>
+      </p:nvGrpSpPr>
+      <p:grpSpPr>
+        <a:xfrm>
+          <a:off x="0" y="0"/>
+          <a:ext cx="0" cy="0"/>
+          <a:chOff x="0" y="0"/>
+          <a:chExt cx="0" cy="0"/>
+        </a:xfrm>
+      </p:grpSpPr>
+      <p:sp>
+        <p:nvSpPr>
+          <p:cNvPr id="2" name="슬라이드 이미지 개체 틀 1"/>
+          <p:cNvSpPr>
+            <a:spLocks noGrp="1" noRot="1" noChangeAspect="1"/>
+          </p:cNvSpPr>
+          <p:nvPr>
+            <p:ph type="sldImg"/>
+          </p:nvPr>
+        </p:nvSpPr>
+        <p:spPr/>
+      </p:sp>
+      <p:sp>
+        <p:nvSpPr>
+          <p:cNvPr id="3" name="슬라이드 노트 개체 틀 2"/>
+          <p:cNvSpPr>
+            <a:spLocks noGrp="1"/>
+          </p:cNvSpPr>
+          <p:nvPr>
+            <p:ph type="body" idx="1"/>
+          </p:nvPr>
+        </p:nvSpPr>
+        <p:spPr/>
+        <p:txBody>
+          <a:bodyPr/>
+          <a:lstStyle/>
+          <a:p>
+            <a:endParaRPr lang="ko-KR" altLang="en-US" dirty="0"/>
+          </a:p>
+        </p:txBody>
+      </p:sp>
+      <p:sp>
+        <p:nvSpPr>
+          <p:cNvPr id="4" name="슬라이드 번호 개체 틀 3"/>
+          <p:cNvSpPr>
+            <a:spLocks noGrp="1"/>
+          </p:cNvSpPr>
+          <p:nvPr>
+            <p:ph type="sldNum" sz="quarter" idx="5"/>
+          </p:nvPr>
+        </p:nvSpPr>
+        <p:spPr/>
+        <p:txBody>
+          <a:bodyPr/>
+          <a:lstStyle/>
+          <a:p>
+            <a:fld id="{19F5C388-934A-4DC6-9185-7480E02DF183}" type="slidenum">
+              <a:rPr lang="ko-KR" altLang="en-US" smtClean="0"/>
+              <a:t>17</a:t>
+            </a:fld>
+            <a:endParaRPr lang="ko-KR" altLang="en-US"/>
+          </a:p>
+        </p:txBody>
+      </p:sp>
+    </p:spTree>
+    <p:extLst>
+      <p:ext uri="{BB962C8B-B14F-4D97-AF65-F5344CB8AC3E}">
+        <p14:creationId xmlns:p14="http://schemas.microsoft.com/office/powerpoint/2010/main" val="3832525454"/>
+      </p:ext>
+    </p:extLst>
+  </p:cSld>
+  <p:clrMapOvr>
+    <a:masterClrMapping/>
+  </p:clrMapOvr>
+</p:notes>
+</file>
+
+<file path=ppt/notesSlides/notesSlide7.xml><?xml version="1.0" encoding="utf-8"?>
+<p:notes xmlns:a="http://schemas.openxmlformats.org/drawingml/2006/main" xmlns:r="http://schemas.openxmlformats.org/officeDocument/2006/relationships" xmlns:p="http://schemas.openxmlformats.org/presentationml/2006/main">
+  <p:cSld>
+    <p:spTree>
+      <p:nvGrpSpPr>
+        <p:cNvPr id="1" name=""/>
+        <p:cNvGrpSpPr/>
+        <p:nvPr/>
+      </p:nvGrpSpPr>
+      <p:grpSpPr>
+        <a:xfrm>
+          <a:off x="0" y="0"/>
+          <a:ext cx="0" cy="0"/>
+          <a:chOff x="0" y="0"/>
+          <a:chExt cx="0" cy="0"/>
+        </a:xfrm>
+      </p:grpSpPr>
+      <p:sp>
+        <p:nvSpPr>
+          <p:cNvPr id="2" name="슬라이드 이미지 개체 틀 1"/>
+          <p:cNvSpPr>
+            <a:spLocks noGrp="1" noRot="1" noChangeAspect="1"/>
+          </p:cNvSpPr>
+          <p:nvPr>
+            <p:ph type="sldImg"/>
+          </p:nvPr>
+        </p:nvSpPr>
+        <p:spPr/>
+      </p:sp>
+      <p:sp>
+        <p:nvSpPr>
+          <p:cNvPr id="3" name="슬라이드 노트 개체 틀 2"/>
+          <p:cNvSpPr>
+            <a:spLocks noGrp="1"/>
+          </p:cNvSpPr>
+          <p:nvPr>
+            <p:ph type="body" idx="1"/>
+          </p:nvPr>
+        </p:nvSpPr>
+        <p:spPr/>
+        <p:txBody>
+          <a:bodyPr/>
+          <a:lstStyle/>
+          <a:p>
+            <a:endParaRPr lang="ko-KR" altLang="en-US" dirty="0"/>
+          </a:p>
+        </p:txBody>
+      </p:sp>
+      <p:sp>
+        <p:nvSpPr>
+          <p:cNvPr id="4" name="슬라이드 번호 개체 틀 3"/>
+          <p:cNvSpPr>
+            <a:spLocks noGrp="1"/>
+          </p:cNvSpPr>
+          <p:nvPr>
+            <p:ph type="sldNum" sz="quarter" idx="5"/>
+          </p:nvPr>
+        </p:nvSpPr>
+        <p:spPr/>
+        <p:txBody>
+          <a:bodyPr/>
+          <a:lstStyle/>
+          <a:p>
+            <a:fld id="{19F5C388-934A-4DC6-9185-7480E02DF183}" type="slidenum">
+              <a:rPr lang="ko-KR" altLang="en-US" smtClean="0"/>
+              <a:t>18</a:t>
+            </a:fld>
+            <a:endParaRPr lang="ko-KR" altLang="en-US"/>
+          </a:p>
+        </p:txBody>
+      </p:sp>
+    </p:spTree>
+    <p:extLst>
+      <p:ext uri="{BB962C8B-B14F-4D97-AF65-F5344CB8AC3E}">
+        <p14:creationId xmlns:p14="http://schemas.microsoft.com/office/powerpoint/2010/main" val="2718751913"/>
+      </p:ext>
+    </p:extLst>
+  </p:cSld>
+  <p:clrMapOvr>
+    <a:masterClrMapping/>
+  </p:clrMapOvr>
+</p:notes>
+</file>
+
+<file path=ppt/notesSlides/notesSlide8.xml><?xml version="1.0" encoding="utf-8"?>
+<p:notes xmlns:a="http://schemas.openxmlformats.org/drawingml/2006/main" xmlns:r="http://schemas.openxmlformats.org/officeDocument/2006/relationships" xmlns:p="http://schemas.openxmlformats.org/presentationml/2006/main">
+  <p:cSld>
+    <p:spTree>
+      <p:nvGrpSpPr>
+        <p:cNvPr id="1" name=""/>
+        <p:cNvGrpSpPr/>
+        <p:nvPr/>
+      </p:nvGrpSpPr>
+      <p:grpSpPr>
+        <a:xfrm>
+          <a:off x="0" y="0"/>
+          <a:ext cx="0" cy="0"/>
+          <a:chOff x="0" y="0"/>
+          <a:chExt cx="0" cy="0"/>
+        </a:xfrm>
+      </p:grpSpPr>
+      <p:sp>
+        <p:nvSpPr>
+          <p:cNvPr id="2" name="슬라이드 이미지 개체 틀 1"/>
+          <p:cNvSpPr>
+            <a:spLocks noGrp="1" noRot="1" noChangeAspect="1"/>
+          </p:cNvSpPr>
+          <p:nvPr>
+            <p:ph type="sldImg"/>
+          </p:nvPr>
+        </p:nvSpPr>
+        <p:spPr/>
+      </p:sp>
+      <p:sp>
+        <p:nvSpPr>
+          <p:cNvPr id="3" name="슬라이드 노트 개체 틀 2"/>
+          <p:cNvSpPr>
+            <a:spLocks noGrp="1"/>
+          </p:cNvSpPr>
+          <p:nvPr>
+            <p:ph type="body" idx="1"/>
+          </p:nvPr>
+        </p:nvSpPr>
+        <p:spPr/>
+        <p:txBody>
+          <a:bodyPr/>
+          <a:lstStyle/>
+          <a:p>
+            <a:endParaRPr lang="ko-KR" altLang="en-US" dirty="0"/>
+          </a:p>
+        </p:txBody>
+      </p:sp>
+      <p:sp>
+        <p:nvSpPr>
+          <p:cNvPr id="4" name="슬라이드 번호 개체 틀 3"/>
+          <p:cNvSpPr>
+            <a:spLocks noGrp="1"/>
+          </p:cNvSpPr>
+          <p:nvPr>
+            <p:ph type="sldNum" sz="quarter" idx="5"/>
+          </p:nvPr>
+        </p:nvSpPr>
+        <p:spPr/>
+        <p:txBody>
+          <a:bodyPr/>
+          <a:lstStyle/>
+          <a:p>
+            <a:fld id="{19F5C388-934A-4DC6-9185-7480E02DF183}" type="slidenum">
+              <a:rPr lang="ko-KR" altLang="en-US" smtClean="0"/>
+              <a:t>19</a:t>
+            </a:fld>
+            <a:endParaRPr lang="ko-KR" altLang="en-US"/>
+          </a:p>
+        </p:txBody>
+      </p:sp>
+    </p:spTree>
+    <p:extLst>
+      <p:ext uri="{BB962C8B-B14F-4D97-AF65-F5344CB8AC3E}">
+        <p14:creationId xmlns:p14="http://schemas.microsoft.com/office/powerpoint/2010/main" val="3460412007"/>
+      </p:ext>
+    </p:extLst>
+  </p:cSld>
+  <p:clrMapOvr>
+    <a:masterClrMapping/>
+  </p:clrMapOvr>
+</p:notes>
+</file>
+
+<file path=ppt/notesSlides/notesSlide9.xml><?xml version="1.0" encoding="utf-8"?>
+<p:notes xmlns:a="http://schemas.openxmlformats.org/drawingml/2006/main" xmlns:r="http://schemas.openxmlformats.org/officeDocument/2006/relationships" xmlns:p="http://schemas.openxmlformats.org/presentationml/2006/main">
+  <p:cSld>
+    <p:spTree>
+      <p:nvGrpSpPr>
+        <p:cNvPr id="1" name=""/>
+        <p:cNvGrpSpPr/>
+        <p:nvPr/>
+      </p:nvGrpSpPr>
+      <p:grpSpPr>
+        <a:xfrm>
+          <a:off x="0" y="0"/>
+          <a:ext cx="0" cy="0"/>
+          <a:chOff x="0" y="0"/>
+          <a:chExt cx="0" cy="0"/>
+        </a:xfrm>
+      </p:grpSpPr>
+      <p:sp>
+        <p:nvSpPr>
+          <p:cNvPr id="2" name="슬라이드 이미지 개체 틀 1"/>
+          <p:cNvSpPr>
+            <a:spLocks noGrp="1" noRot="1" noChangeAspect="1"/>
+          </p:cNvSpPr>
+          <p:nvPr>
+            <p:ph type="sldImg"/>
+          </p:nvPr>
+        </p:nvSpPr>
+        <p:spPr/>
+      </p:sp>
+      <p:sp>
+        <p:nvSpPr>
+          <p:cNvPr id="3" name="슬라이드 노트 개체 틀 2"/>
+          <p:cNvSpPr>
+            <a:spLocks noGrp="1"/>
+          </p:cNvSpPr>
+          <p:nvPr>
+            <p:ph type="body" idx="1"/>
+          </p:nvPr>
+        </p:nvSpPr>
+        <p:spPr/>
+        <p:txBody>
+          <a:bodyPr/>
+          <a:lstStyle/>
+          <a:p>
+            <a:endParaRPr lang="ko-KR" altLang="en-US" dirty="0"/>
+          </a:p>
+        </p:txBody>
+      </p:sp>
+      <p:sp>
+        <p:nvSpPr>
+          <p:cNvPr id="4" name="슬라이드 번호 개체 틀 3"/>
+          <p:cNvSpPr>
+            <a:spLocks noGrp="1"/>
+          </p:cNvSpPr>
+          <p:nvPr>
+            <p:ph type="sldNum" sz="quarter" idx="5"/>
+          </p:nvPr>
+        </p:nvSpPr>
+        <p:spPr/>
+        <p:txBody>
+          <a:bodyPr/>
+          <a:lstStyle/>
+          <a:p>
+            <a:fld id="{19F5C388-934A-4DC6-9185-7480E02DF183}" type="slidenum">
+              <a:rPr lang="ko-KR" altLang="en-US" smtClean="0"/>
+              <a:t>20</a:t>
+            </a:fld>
+            <a:endParaRPr lang="ko-KR" altLang="en-US"/>
+          </a:p>
+        </p:txBody>
+      </p:sp>
+    </p:spTree>
+    <p:extLst>
+      <p:ext uri="{BB962C8B-B14F-4D97-AF65-F5344CB8AC3E}">
+        <p14:creationId xmlns:p14="http://schemas.microsoft.com/office/powerpoint/2010/main" val="666941636"/>
       </p:ext>
     </p:extLst>
   </p:cSld>
@@ -803,7 +1902,7 @@
           <a:p>
             <a:fld id="{89B3C2D2-5A1C-4C7F-8B84-C4DC8EB1FF56}" type="datetimeFigureOut">
               <a:rPr lang="ko-KR" altLang="en-US" smtClean="0"/>
-              <a:t>2023-01-21</a:t>
+              <a:t>2023-01-27</a:t>
             </a:fld>
             <a:endParaRPr lang="ko-KR" altLang="en-US"/>
           </a:p>
@@ -1001,7 +2100,7 @@
           <a:p>
             <a:fld id="{89B3C2D2-5A1C-4C7F-8B84-C4DC8EB1FF56}" type="datetimeFigureOut">
               <a:rPr lang="ko-KR" altLang="en-US" smtClean="0"/>
-              <a:t>2023-01-21</a:t>
+              <a:t>2023-01-27</a:t>
             </a:fld>
             <a:endParaRPr lang="ko-KR" altLang="en-US"/>
           </a:p>
@@ -1209,7 +2308,7 @@
           <a:p>
             <a:fld id="{89B3C2D2-5A1C-4C7F-8B84-C4DC8EB1FF56}" type="datetimeFigureOut">
               <a:rPr lang="ko-KR" altLang="en-US" smtClean="0"/>
-              <a:t>2023-01-21</a:t>
+              <a:t>2023-01-27</a:t>
             </a:fld>
             <a:endParaRPr lang="ko-KR" altLang="en-US"/>
           </a:p>
@@ -1407,7 +2506,7 @@
           <a:p>
             <a:fld id="{89B3C2D2-5A1C-4C7F-8B84-C4DC8EB1FF56}" type="datetimeFigureOut">
               <a:rPr lang="ko-KR" altLang="en-US" smtClean="0"/>
-              <a:t>2023-01-21</a:t>
+              <a:t>2023-01-27</a:t>
             </a:fld>
             <a:endParaRPr lang="ko-KR" altLang="en-US"/>
           </a:p>
@@ -1682,7 +2781,7 @@
           <a:p>
             <a:fld id="{89B3C2D2-5A1C-4C7F-8B84-C4DC8EB1FF56}" type="datetimeFigureOut">
               <a:rPr lang="ko-KR" altLang="en-US" smtClean="0"/>
-              <a:t>2023-01-21</a:t>
+              <a:t>2023-01-27</a:t>
             </a:fld>
             <a:endParaRPr lang="ko-KR" altLang="en-US"/>
           </a:p>
@@ -1947,7 +3046,7 @@
           <a:p>
             <a:fld id="{89B3C2D2-5A1C-4C7F-8B84-C4DC8EB1FF56}" type="datetimeFigureOut">
               <a:rPr lang="ko-KR" altLang="en-US" smtClean="0"/>
-              <a:t>2023-01-21</a:t>
+              <a:t>2023-01-27</a:t>
             </a:fld>
             <a:endParaRPr lang="ko-KR" altLang="en-US"/>
           </a:p>
@@ -2359,7 +3458,7 @@
           <a:p>
             <a:fld id="{89B3C2D2-5A1C-4C7F-8B84-C4DC8EB1FF56}" type="datetimeFigureOut">
               <a:rPr lang="ko-KR" altLang="en-US" smtClean="0"/>
-              <a:t>2023-01-21</a:t>
+              <a:t>2023-01-27</a:t>
             </a:fld>
             <a:endParaRPr lang="ko-KR" altLang="en-US"/>
           </a:p>
@@ -2500,7 +3599,7 @@
           <a:p>
             <a:fld id="{89B3C2D2-5A1C-4C7F-8B84-C4DC8EB1FF56}" type="datetimeFigureOut">
               <a:rPr lang="ko-KR" altLang="en-US" smtClean="0"/>
-              <a:t>2023-01-21</a:t>
+              <a:t>2023-01-27</a:t>
             </a:fld>
             <a:endParaRPr lang="ko-KR" altLang="en-US"/>
           </a:p>
@@ -2613,7 +3712,7 @@
           <a:p>
             <a:fld id="{89B3C2D2-5A1C-4C7F-8B84-C4DC8EB1FF56}" type="datetimeFigureOut">
               <a:rPr lang="ko-KR" altLang="en-US" smtClean="0"/>
-              <a:t>2023-01-21</a:t>
+              <a:t>2023-01-27</a:t>
             </a:fld>
             <a:endParaRPr lang="ko-KR" altLang="en-US"/>
           </a:p>
@@ -2924,7 +4023,7 @@
           <a:p>
             <a:fld id="{89B3C2D2-5A1C-4C7F-8B84-C4DC8EB1FF56}" type="datetimeFigureOut">
               <a:rPr lang="ko-KR" altLang="en-US" smtClean="0"/>
-              <a:t>2023-01-21</a:t>
+              <a:t>2023-01-27</a:t>
             </a:fld>
             <a:endParaRPr lang="ko-KR" altLang="en-US"/>
           </a:p>
@@ -3212,7 +4311,7 @@
           <a:p>
             <a:fld id="{89B3C2D2-5A1C-4C7F-8B84-C4DC8EB1FF56}" type="datetimeFigureOut">
               <a:rPr lang="ko-KR" altLang="en-US" smtClean="0"/>
-              <a:t>2023-01-21</a:t>
+              <a:t>2023-01-27</a:t>
             </a:fld>
             <a:endParaRPr lang="ko-KR" altLang="en-US"/>
           </a:p>
@@ -3453,7 +4552,7 @@
           <a:p>
             <a:fld id="{89B3C2D2-5A1C-4C7F-8B84-C4DC8EB1FF56}" type="datetimeFigureOut">
               <a:rPr lang="ko-KR" altLang="en-US" smtClean="0"/>
-              <a:t>2023-01-21</a:t>
+              <a:t>2023-01-27</a:t>
             </a:fld>
             <a:endParaRPr lang="ko-KR" altLang="en-US"/>
           </a:p>
@@ -4241,7 +5340,7 @@
           <a:p>
             <a:r>
               <a:rPr lang="en-US" altLang="ko-KR" sz="4000" b="1" dirty="0"/>
-              <a:t>Fragmentation and Re-assembly (1)</a:t>
+              <a:t>Routing Protocols in IPv4</a:t>
             </a:r>
             <a:endParaRPr lang="ko-KR" altLang="en-US" sz="4000" b="1" dirty="0"/>
           </a:p>
@@ -4320,7 +5419,7 @@
         <p:spPr>
           <a:xfrm>
             <a:off x="512472" y="1517119"/>
-            <a:ext cx="10515600" cy="4874537"/>
+            <a:ext cx="10515600" cy="5249441"/>
           </a:xfrm>
         </p:spPr>
         <p:txBody>
@@ -4336,7 +5435,40 @@
             </a:pPr>
             <a:r>
               <a:rPr lang="en-US" altLang="ko-KR" sz="2000" dirty="0"/>
-              <a:t>Lower-level protocols may need to break data up into smaller blocks, called fragmentation</a:t>
+              <a:t>IP routing is based on the destination network ID alone?</a:t>
+            </a:r>
+          </a:p>
+          <a:p>
+            <a:pPr lvl="1">
+              <a:lnSpc>
+                <a:spcPct val="150000"/>
+              </a:lnSpc>
+            </a:pPr>
+            <a:r>
+              <a:rPr lang="en-US" altLang="ko-KR" sz="1600" dirty="0"/>
+              <a:t>All IP traffic for a given network tales the same path regardless to the delay or throughput of physical network</a:t>
+            </a:r>
+          </a:p>
+          <a:p>
+            <a:pPr lvl="1">
+              <a:lnSpc>
+                <a:spcPct val="150000"/>
+              </a:lnSpc>
+            </a:pPr>
+            <a:r>
+              <a:rPr lang="en-US" altLang="ko-KR" sz="1600" dirty="0"/>
+              <a:t>Only the final router can determine if the destination exists or is operational, the router only can report the delivery to the sender</a:t>
+            </a:r>
+          </a:p>
+          <a:p>
+            <a:pPr lvl="1">
+              <a:lnSpc>
+                <a:spcPct val="150000"/>
+              </a:lnSpc>
+            </a:pPr>
+            <a:r>
+              <a:rPr lang="en-US" altLang="ko-KR" sz="1600" dirty="0"/>
+              <a:t>Each router routes traffic independently – someone should find out if two-way communication is always possible</a:t>
             </a:r>
           </a:p>
           <a:p>
@@ -4347,7 +5479,7 @@
             </a:pPr>
             <a:r>
               <a:rPr lang="en-US" altLang="ko-KR" sz="2000" dirty="0"/>
-              <a:t>Reasons for fragmentation</a:t>
+              <a:t>IP routing selects the next hop to be sent the datagram</a:t>
             </a:r>
           </a:p>
           <a:p>
@@ -4358,7 +5490,7 @@
             </a:pPr>
             <a:r>
               <a:rPr lang="en-US" altLang="ko-KR" sz="1600" dirty="0"/>
-              <a:t>Network only accepts blocks of a certain size</a:t>
+              <a:t>IP simply passes the datagram and the next hop IP address to the network interface software (so-called network driver)</a:t>
             </a:r>
           </a:p>
           <a:p>
@@ -4369,29 +5501,7 @@
             </a:pPr>
             <a:r>
               <a:rPr lang="en-US" altLang="ko-KR" sz="1600" dirty="0"/>
-              <a:t>More efficient error control &amp; smaller retransmission units</a:t>
-            </a:r>
-          </a:p>
-          <a:p>
-            <a:pPr lvl="1">
-              <a:lnSpc>
-                <a:spcPct val="150000"/>
-              </a:lnSpc>
-            </a:pPr>
-            <a:r>
-              <a:rPr lang="en-US" altLang="ko-KR" sz="1600" dirty="0"/>
-              <a:t>Fairer access to shared facilities</a:t>
-            </a:r>
-          </a:p>
-          <a:p>
-            <a:pPr lvl="1">
-              <a:lnSpc>
-                <a:spcPct val="150000"/>
-              </a:lnSpc>
-            </a:pPr>
-            <a:r>
-              <a:rPr lang="en-US" altLang="ko-KR" sz="1600" dirty="0"/>
-              <a:t>Smaller buffers</a:t>
+              <a:t>The driver software responsible to bind the next hop IP address to a physical address, forms a frame, and sends it</a:t>
             </a:r>
           </a:p>
           <a:p>
@@ -4400,32 +5510,7 @@
                 <a:spcPct val="150000"/>
               </a:lnSpc>
             </a:pPr>
-            <a:r>
-              <a:rPr lang="en-US" altLang="ko-KR" sz="2000" dirty="0"/>
-              <a:t>Disadvantages</a:t>
-            </a:r>
-          </a:p>
-          <a:p>
-            <a:pPr lvl="1">
-              <a:lnSpc>
-                <a:spcPct val="150000"/>
-              </a:lnSpc>
-            </a:pPr>
-            <a:r>
-              <a:rPr lang="en-US" altLang="ko-KR" sz="1600" dirty="0"/>
-              <a:t>Greater overhead with more percentage of control information</a:t>
-            </a:r>
-          </a:p>
-          <a:p>
-            <a:pPr lvl="1">
-              <a:lnSpc>
-                <a:spcPct val="150000"/>
-              </a:lnSpc>
-            </a:pPr>
-            <a:r>
-              <a:rPr lang="en-US" altLang="ko-KR" sz="1600" dirty="0"/>
-              <a:t>More interrupts &amp; processing time</a:t>
-            </a:r>
+            <a:endParaRPr lang="en-US" altLang="ko-KR" sz="1600" dirty="0"/>
           </a:p>
           <a:p>
             <a:pPr>
@@ -4473,7 +5558,7 @@
     </p:spTree>
     <p:extLst>
       <p:ext uri="{BB962C8B-B14F-4D97-AF65-F5344CB8AC3E}">
-        <p14:creationId xmlns:p14="http://schemas.microsoft.com/office/powerpoint/2010/main" val="3931510726"/>
+        <p14:creationId xmlns:p14="http://schemas.microsoft.com/office/powerpoint/2010/main" val="4170471290"/>
       </p:ext>
     </p:extLst>
   </p:cSld>
@@ -4530,7 +5615,7 @@
           <a:p>
             <a:r>
               <a:rPr lang="en-US" altLang="ko-KR" sz="4000" b="1" dirty="0"/>
-              <a:t>Fragmentation and Re-assembly (2)</a:t>
+              <a:t>Internet Control Message Protocol (ICMP)</a:t>
             </a:r>
             <a:endParaRPr lang="ko-KR" altLang="en-US" sz="4000" b="1" dirty="0"/>
           </a:p>
@@ -4609,7 +5694,7 @@
         <p:spPr>
           <a:xfrm>
             <a:off x="512472" y="1517119"/>
-            <a:ext cx="10515600" cy="4874537"/>
+            <a:ext cx="10515600" cy="5249441"/>
           </a:xfrm>
         </p:spPr>
         <p:txBody>
@@ -4625,7 +5710,29 @@
             </a:pPr>
             <a:r>
               <a:rPr lang="en-US" altLang="ko-KR" sz="2000" dirty="0"/>
-              <a:t>Issue of when to re-assemble</a:t>
+              <a:t>RFC 792</a:t>
+            </a:r>
+          </a:p>
+          <a:p>
+            <a:pPr>
+              <a:lnSpc>
+                <a:spcPct val="150000"/>
+              </a:lnSpc>
+            </a:pPr>
+            <a:r>
+              <a:rPr lang="en-US" altLang="ko-KR" sz="2000" dirty="0"/>
+              <a:t>Provides a means for transferring message from routers and other hosts to a host</a:t>
+            </a:r>
+          </a:p>
+          <a:p>
+            <a:pPr>
+              <a:lnSpc>
+                <a:spcPct val="150000"/>
+              </a:lnSpc>
+            </a:pPr>
+            <a:r>
+              <a:rPr lang="en-US" altLang="ko-KR" sz="2000" dirty="0"/>
+              <a:t>Mainly provides feedback about problems</a:t>
             </a:r>
           </a:p>
           <a:p>
@@ -4636,7 +5743,7 @@
             </a:pPr>
             <a:r>
               <a:rPr lang="en-US" altLang="ko-KR" sz="1600" dirty="0"/>
-              <a:t>At destination : packet get smaller ad data traverses Internet</a:t>
+              <a:t>Datagram cannot reach its destination</a:t>
             </a:r>
           </a:p>
           <a:p>
@@ -4647,8 +5754,49 @@
             </a:pPr>
             <a:r>
               <a:rPr lang="en-US" altLang="ko-KR" sz="1600" dirty="0"/>
-              <a:t>At intermediate node (router) : need large buffers at routers, buffer may fill with fragments, all fragments must go through same router</a:t>
-            </a:r>
+              <a:t>Router does not have buffer capacity to forward</a:t>
+            </a:r>
+          </a:p>
+          <a:p>
+            <a:pPr lvl="1">
+              <a:lnSpc>
+                <a:spcPct val="150000"/>
+              </a:lnSpc>
+            </a:pPr>
+            <a:r>
+              <a:rPr lang="en-US" altLang="ko-KR" sz="1600" dirty="0"/>
+              <a:t>Router can send traffic on a shorter route</a:t>
+            </a:r>
+          </a:p>
+          <a:p>
+            <a:pPr>
+              <a:lnSpc>
+                <a:spcPct val="150000"/>
+              </a:lnSpc>
+            </a:pPr>
+            <a:r>
+              <a:rPr lang="en-US" altLang="ko-KR" sz="2000" dirty="0"/>
+              <a:t>Encapsulated in IP datagram</a:t>
+            </a:r>
+          </a:p>
+          <a:p>
+            <a:pPr lvl="1">
+              <a:lnSpc>
+                <a:spcPct val="150000"/>
+              </a:lnSpc>
+            </a:pPr>
+            <a:r>
+              <a:rPr lang="en-US" altLang="ko-KR" sz="1600" dirty="0"/>
+              <a:t>Hence net reliable</a:t>
+            </a:r>
+          </a:p>
+          <a:p>
+            <a:pPr>
+              <a:lnSpc>
+                <a:spcPct val="150000"/>
+              </a:lnSpc>
+            </a:pPr>
+            <a:endParaRPr lang="en-US" altLang="ko-KR" sz="1600" dirty="0"/>
           </a:p>
           <a:p>
             <a:pPr>
@@ -4696,7 +5844,7 @@
     </p:spTree>
     <p:extLst>
       <p:ext uri="{BB962C8B-B14F-4D97-AF65-F5344CB8AC3E}">
-        <p14:creationId xmlns:p14="http://schemas.microsoft.com/office/powerpoint/2010/main" val="2067049778"/>
+        <p14:creationId xmlns:p14="http://schemas.microsoft.com/office/powerpoint/2010/main" val="2678429143"/>
       </p:ext>
     </p:extLst>
   </p:cSld>
@@ -4753,15 +5901,7 @@
           <a:p>
             <a:r>
               <a:rPr lang="en-US" altLang="ko-KR" sz="4000" b="1" dirty="0"/>
-              <a:t>IP</a:t>
-            </a:r>
-            <a:r>
-              <a:rPr lang="ko-KR" altLang="en-US" sz="4000" b="1" dirty="0"/>
-              <a:t> </a:t>
-            </a:r>
-            <a:r>
-              <a:rPr lang="en-US" altLang="ko-KR" sz="4000" b="1" dirty="0"/>
-              <a:t>Fragmentation</a:t>
+              <a:t>ICMP Message Format</a:t>
             </a:r>
             <a:endParaRPr lang="ko-KR" altLang="en-US" sz="4000" b="1" dirty="0"/>
           </a:p>
@@ -4821,146 +5961,40 @@
           </a:p>
         </p:txBody>
       </p:sp>
-      <p:sp>
-        <p:nvSpPr>
-          <p:cNvPr id="7" name="내용 개체 틀 2">
-            <a:extLst>
-              <a:ext uri="{FF2B5EF4-FFF2-40B4-BE49-F238E27FC236}">
-                <a16:creationId xmlns:a16="http://schemas.microsoft.com/office/drawing/2014/main" id="{256D84BD-AEA0-00CE-BBC0-D05C86704D00}"/>
-              </a:ext>
-            </a:extLst>
-          </p:cNvPr>
-          <p:cNvSpPr>
-            <a:spLocks noGrp="1"/>
-          </p:cNvSpPr>
-          <p:nvPr>
-            <p:ph idx="1"/>
-          </p:nvPr>
-        </p:nvSpPr>
+      <p:pic>
+        <p:nvPicPr>
+          <p:cNvPr id="8" name="그림 7">
+            <a:extLst>
+              <a:ext uri="{FF2B5EF4-FFF2-40B4-BE49-F238E27FC236}">
+                <a16:creationId xmlns:a16="http://schemas.microsoft.com/office/drawing/2014/main" id="{3ED49FF0-C89A-3A65-1F61-3CD35DE6D551}"/>
+              </a:ext>
+            </a:extLst>
+          </p:cNvPr>
+          <p:cNvPicPr>
+            <a:picLocks noChangeAspect="1"/>
+          </p:cNvPicPr>
+          <p:nvPr/>
+        </p:nvPicPr>
+        <p:blipFill>
+          <a:blip r:embed="rId2"/>
+          <a:stretch>
+            <a:fillRect/>
+          </a:stretch>
+        </p:blipFill>
         <p:spPr>
           <a:xfrm>
-            <a:off x="512472" y="1517119"/>
-            <a:ext cx="10515600" cy="4874537"/>
+            <a:off x="2039529" y="1381213"/>
+            <a:ext cx="7461486" cy="5373722"/>
           </a:xfrm>
+          <a:prstGeom prst="rect">
+            <a:avLst/>
+          </a:prstGeom>
         </p:spPr>
-        <p:txBody>
-          <a:bodyPr>
-            <a:normAutofit/>
-          </a:bodyPr>
-          <a:lstStyle/>
-          <a:p>
-            <a:pPr>
-              <a:lnSpc>
-                <a:spcPct val="150000"/>
-              </a:lnSpc>
-            </a:pPr>
-            <a:r>
-              <a:rPr lang="en-US" altLang="ko-KR" sz="2000" dirty="0"/>
-              <a:t>IP re-assembles at destination only</a:t>
-            </a:r>
-          </a:p>
-          <a:p>
-            <a:pPr>
-              <a:lnSpc>
-                <a:spcPct val="150000"/>
-              </a:lnSpc>
-            </a:pPr>
-            <a:r>
-              <a:rPr lang="en-US" altLang="ko-KR" sz="2000" dirty="0"/>
-              <a:t>Make use of fields in header</a:t>
-            </a:r>
-          </a:p>
-          <a:p>
-            <a:pPr lvl="1">
-              <a:lnSpc>
-                <a:spcPct val="150000"/>
-              </a:lnSpc>
-            </a:pPr>
-            <a:r>
-              <a:rPr lang="en-US" altLang="ko-KR" sz="1600" dirty="0"/>
-              <a:t>Data unit identifier (ID) : identifies end system originated datagram</a:t>
-            </a:r>
-          </a:p>
-          <a:p>
-            <a:pPr lvl="1">
-              <a:lnSpc>
-                <a:spcPct val="150000"/>
-              </a:lnSpc>
-            </a:pPr>
-            <a:r>
-              <a:rPr lang="en-US" altLang="ko-KR" sz="1600" dirty="0"/>
-              <a:t>Data length : length of user data in octets</a:t>
-            </a:r>
-          </a:p>
-          <a:p>
-            <a:pPr lvl="1">
-              <a:lnSpc>
-                <a:spcPct val="150000"/>
-              </a:lnSpc>
-            </a:pPr>
-            <a:r>
-              <a:rPr lang="en-US" altLang="ko-KR" sz="1600" dirty="0"/>
-              <a:t>Offset : position of fragment of user data in original datagram</a:t>
-            </a:r>
-          </a:p>
-          <a:p>
-            <a:pPr lvl="1">
-              <a:lnSpc>
-                <a:spcPct val="150000"/>
-              </a:lnSpc>
-            </a:pPr>
-            <a:r>
-              <a:rPr lang="en-US" altLang="ko-KR" sz="1600" dirty="0"/>
-              <a:t>More flag : indicates that this is not the last fragment</a:t>
-            </a:r>
-          </a:p>
-          <a:p>
-            <a:pPr>
-              <a:lnSpc>
-                <a:spcPct val="150000"/>
-              </a:lnSpc>
-            </a:pPr>
-            <a:endParaRPr lang="en-US" altLang="ko-KR" sz="1600" dirty="0"/>
-          </a:p>
-          <a:p>
-            <a:pPr>
-              <a:lnSpc>
-                <a:spcPct val="150000"/>
-              </a:lnSpc>
-            </a:pPr>
-            <a:endParaRPr lang="en-US" altLang="ko-KR" sz="2000" dirty="0"/>
-          </a:p>
-          <a:p>
-            <a:pPr marL="0" indent="0">
-              <a:lnSpc>
-                <a:spcPct val="150000"/>
-              </a:lnSpc>
-              <a:buNone/>
-            </a:pPr>
-            <a:endParaRPr lang="en-US" altLang="ko-KR" sz="100" dirty="0"/>
-          </a:p>
-          <a:p>
-            <a:pPr lvl="1">
-              <a:lnSpc>
-                <a:spcPct val="150000"/>
-              </a:lnSpc>
-            </a:pPr>
-            <a:endParaRPr lang="en-US" altLang="ko-KR" sz="1600" dirty="0"/>
-          </a:p>
-          <a:p>
-            <a:pPr>
-              <a:lnSpc>
-                <a:spcPct val="150000"/>
-              </a:lnSpc>
-            </a:pPr>
-            <a:endParaRPr lang="en-US" altLang="ko-KR" sz="2000" dirty="0"/>
-          </a:p>
-        </p:txBody>
-      </p:sp>
+      </p:pic>
     </p:spTree>
     <p:extLst>
       <p:ext uri="{BB962C8B-B14F-4D97-AF65-F5344CB8AC3E}">
-        <p14:creationId xmlns:p14="http://schemas.microsoft.com/office/powerpoint/2010/main" val="2218997321"/>
+        <p14:creationId xmlns:p14="http://schemas.microsoft.com/office/powerpoint/2010/main" val="3541249992"/>
       </p:ext>
     </p:extLst>
   </p:cSld>
@@ -5017,7 +6051,7 @@
           <a:p>
             <a:r>
               <a:rPr lang="en-US" altLang="ko-KR" sz="4000" b="1" dirty="0"/>
-              <a:t>Fragmentation Example</a:t>
+              <a:t>Why Change IP?</a:t>
             </a:r>
             <a:endParaRPr lang="ko-KR" altLang="en-US" sz="4000" b="1" dirty="0"/>
           </a:p>
@@ -5077,40 +6111,210 @@
           </a:p>
         </p:txBody>
       </p:sp>
-      <p:pic>
-        <p:nvPicPr>
-          <p:cNvPr id="8" name="그림 7">
-            <a:extLst>
-              <a:ext uri="{FF2B5EF4-FFF2-40B4-BE49-F238E27FC236}">
-                <a16:creationId xmlns:a16="http://schemas.microsoft.com/office/drawing/2014/main" id="{B32DF876-847F-E357-314A-1A647ADE4323}"/>
-              </a:ext>
-            </a:extLst>
-          </p:cNvPr>
-          <p:cNvPicPr>
-            <a:picLocks noChangeAspect="1"/>
-          </p:cNvPicPr>
-          <p:nvPr/>
-        </p:nvPicPr>
-        <p:blipFill>
-          <a:blip r:embed="rId2"/>
-          <a:stretch>
-            <a:fillRect/>
-          </a:stretch>
-        </p:blipFill>
+      <p:sp>
+        <p:nvSpPr>
+          <p:cNvPr id="7" name="내용 개체 틀 2">
+            <a:extLst>
+              <a:ext uri="{FF2B5EF4-FFF2-40B4-BE49-F238E27FC236}">
+                <a16:creationId xmlns:a16="http://schemas.microsoft.com/office/drawing/2014/main" id="{256D84BD-AEA0-00CE-BBC0-D05C86704D00}"/>
+              </a:ext>
+            </a:extLst>
+          </p:cNvPr>
+          <p:cNvSpPr>
+            <a:spLocks noGrp="1"/>
+          </p:cNvSpPr>
+          <p:nvPr>
+            <p:ph idx="1"/>
+          </p:nvPr>
+        </p:nvSpPr>
         <p:spPr>
           <a:xfrm>
-            <a:off x="2207521" y="1582905"/>
-            <a:ext cx="6712169" cy="5083539"/>
+            <a:off x="512472" y="1517119"/>
+            <a:ext cx="10515600" cy="5249441"/>
           </a:xfrm>
-          <a:prstGeom prst="rect">
-            <a:avLst/>
-          </a:prstGeom>
         </p:spPr>
-      </p:pic>
+        <p:txBody>
+          <a:bodyPr>
+            <a:normAutofit lnSpcReduction="10000"/>
+          </a:bodyPr>
+          <a:lstStyle/>
+          <a:p>
+            <a:pPr>
+              <a:lnSpc>
+                <a:spcPct val="150000"/>
+              </a:lnSpc>
+            </a:pPr>
+            <a:r>
+              <a:rPr lang="en-US" altLang="ko-KR" sz="2000" dirty="0"/>
+              <a:t>Address space exhaustion</a:t>
+            </a:r>
+          </a:p>
+          <a:p>
+            <a:pPr lvl="1">
+              <a:lnSpc>
+                <a:spcPct val="150000"/>
+              </a:lnSpc>
+            </a:pPr>
+            <a:r>
+              <a:rPr lang="en-US" altLang="ko-KR" sz="1600" dirty="0"/>
+              <a:t>Two level addressing (network and host) wastes space</a:t>
+            </a:r>
+          </a:p>
+          <a:p>
+            <a:pPr lvl="1">
+              <a:lnSpc>
+                <a:spcPct val="150000"/>
+              </a:lnSpc>
+            </a:pPr>
+            <a:r>
+              <a:rPr lang="en-US" altLang="ko-KR" sz="1600" dirty="0"/>
+              <a:t>Network addresses used  even if not connected to Internet</a:t>
+            </a:r>
+          </a:p>
+          <a:p>
+            <a:pPr lvl="1">
+              <a:lnSpc>
+                <a:spcPct val="150000"/>
+              </a:lnSpc>
+            </a:pPr>
+            <a:r>
+              <a:rPr lang="en-US" altLang="ko-KR" sz="1600" dirty="0"/>
+              <a:t>Growth of networks and the Internet</a:t>
+            </a:r>
+          </a:p>
+          <a:p>
+            <a:pPr lvl="1">
+              <a:lnSpc>
+                <a:spcPct val="150000"/>
+              </a:lnSpc>
+            </a:pPr>
+            <a:r>
+              <a:rPr lang="en-US" altLang="ko-KR" sz="1600" dirty="0"/>
+              <a:t>Single address per host</a:t>
+            </a:r>
+          </a:p>
+          <a:p>
+            <a:pPr>
+              <a:lnSpc>
+                <a:spcPct val="150000"/>
+              </a:lnSpc>
+            </a:pPr>
+            <a:r>
+              <a:rPr lang="en-US" altLang="ko-KR" sz="2000" dirty="0"/>
+              <a:t>Requirement for new types of service</a:t>
+            </a:r>
+          </a:p>
+          <a:p>
+            <a:pPr lvl="1">
+              <a:lnSpc>
+                <a:spcPct val="150000"/>
+              </a:lnSpc>
+            </a:pPr>
+            <a:r>
+              <a:rPr lang="en-US" altLang="ko-KR" sz="1600" dirty="0"/>
+              <a:t>Address configuration</a:t>
+            </a:r>
+          </a:p>
+          <a:p>
+            <a:pPr lvl="1">
+              <a:lnSpc>
+                <a:spcPct val="150000"/>
+              </a:lnSpc>
+            </a:pPr>
+            <a:r>
+              <a:rPr lang="en-US" altLang="ko-KR" sz="1600" dirty="0"/>
+              <a:t>Routing flexibility</a:t>
+            </a:r>
+          </a:p>
+          <a:p>
+            <a:pPr lvl="1">
+              <a:lnSpc>
+                <a:spcPct val="150000"/>
+              </a:lnSpc>
+            </a:pPr>
+            <a:r>
+              <a:rPr lang="en-US" altLang="ko-KR" sz="1600" dirty="0"/>
+              <a:t>Traffic support</a:t>
+            </a:r>
+          </a:p>
+          <a:p>
+            <a:pPr>
+              <a:lnSpc>
+                <a:spcPct val="150000"/>
+              </a:lnSpc>
+            </a:pPr>
+            <a:r>
+              <a:rPr lang="en-US" altLang="ko-KR" sz="2000" dirty="0"/>
+              <a:t>Security</a:t>
+            </a:r>
+          </a:p>
+          <a:p>
+            <a:pPr>
+              <a:lnSpc>
+                <a:spcPct val="150000"/>
+              </a:lnSpc>
+            </a:pPr>
+            <a:r>
+              <a:rPr lang="en-US" altLang="ko-KR" sz="2000" dirty="0"/>
+              <a:t>mobility</a:t>
+            </a:r>
+            <a:endParaRPr lang="en-US" altLang="ko-KR" sz="1600" dirty="0"/>
+          </a:p>
+          <a:p>
+            <a:pPr>
+              <a:lnSpc>
+                <a:spcPct val="150000"/>
+              </a:lnSpc>
+            </a:pPr>
+            <a:endParaRPr lang="en-US" altLang="ko-KR" sz="1600" dirty="0"/>
+          </a:p>
+          <a:p>
+            <a:pPr>
+              <a:lnSpc>
+                <a:spcPct val="150000"/>
+              </a:lnSpc>
+            </a:pPr>
+            <a:endParaRPr lang="en-US" altLang="ko-KR" sz="1600" dirty="0"/>
+          </a:p>
+          <a:p>
+            <a:pPr>
+              <a:lnSpc>
+                <a:spcPct val="150000"/>
+              </a:lnSpc>
+            </a:pPr>
+            <a:endParaRPr lang="en-US" altLang="ko-KR" sz="2000" dirty="0"/>
+          </a:p>
+          <a:p>
+            <a:pPr marL="0" indent="0">
+              <a:lnSpc>
+                <a:spcPct val="150000"/>
+              </a:lnSpc>
+              <a:buNone/>
+            </a:pPr>
+            <a:endParaRPr lang="en-US" altLang="ko-KR" sz="100" dirty="0"/>
+          </a:p>
+          <a:p>
+            <a:pPr lvl="1">
+              <a:lnSpc>
+                <a:spcPct val="150000"/>
+              </a:lnSpc>
+            </a:pPr>
+            <a:endParaRPr lang="en-US" altLang="ko-KR" sz="1600" dirty="0"/>
+          </a:p>
+          <a:p>
+            <a:pPr>
+              <a:lnSpc>
+                <a:spcPct val="150000"/>
+              </a:lnSpc>
+            </a:pPr>
+            <a:endParaRPr lang="en-US" altLang="ko-KR" sz="2000" dirty="0"/>
+          </a:p>
+        </p:txBody>
+      </p:sp>
     </p:spTree>
     <p:extLst>
       <p:ext uri="{BB962C8B-B14F-4D97-AF65-F5344CB8AC3E}">
-        <p14:creationId xmlns:p14="http://schemas.microsoft.com/office/powerpoint/2010/main" val="3605133120"/>
+        <p14:creationId xmlns:p14="http://schemas.microsoft.com/office/powerpoint/2010/main" val="3082070387"/>
       </p:ext>
     </p:extLst>
   </p:cSld>
@@ -5167,7 +6371,7 @@
           <a:p>
             <a:r>
               <a:rPr lang="en-US" altLang="ko-KR" sz="4000" b="1" dirty="0"/>
-              <a:t>Error and Flow Control</a:t>
+              <a:t>IPv6 RFCs</a:t>
             </a:r>
             <a:endParaRPr lang="ko-KR" altLang="en-US" sz="4000" b="1" dirty="0"/>
           </a:p>
@@ -5246,7 +6450,7 @@
         <p:spPr>
           <a:xfrm>
             <a:off x="512472" y="1517119"/>
-            <a:ext cx="10515600" cy="4874537"/>
+            <a:ext cx="10515600" cy="5031165"/>
           </a:xfrm>
         </p:spPr>
         <p:txBody>
@@ -5262,7 +6466,7 @@
             </a:pPr>
             <a:r>
               <a:rPr lang="en-US" altLang="ko-KR" sz="2000" dirty="0"/>
-              <a:t>Error control</a:t>
+              <a:t>IP versions</a:t>
             </a:r>
           </a:p>
           <a:p>
@@ -5273,7 +6477,7 @@
             </a:pPr>
             <a:r>
               <a:rPr lang="en-US" altLang="ko-KR" sz="1600" dirty="0"/>
-              <a:t>Discarded datagram</a:t>
+              <a:t>IP v1-3 defined and replaced</a:t>
             </a:r>
           </a:p>
           <a:p>
@@ -5284,7 +6488,7 @@
             </a:pPr>
             <a:r>
               <a:rPr lang="en-US" altLang="ko-KR" sz="1600" dirty="0"/>
-              <a:t>So, identification is needed</a:t>
+              <a:t>IP v4 - current version</a:t>
             </a:r>
           </a:p>
           <a:p>
@@ -5295,7 +6499,26 @@
             </a:pPr>
             <a:r>
               <a:rPr lang="en-US" altLang="ko-KR" sz="1600" dirty="0"/>
-              <a:t>Reasons for discarded datagrams include : lifetime expiration, congestion, FCS error</a:t>
+              <a:t>IP v5 - streams protocol</a:t>
+            </a:r>
+          </a:p>
+          <a:p>
+            <a:pPr lvl="1">
+              <a:lnSpc>
+                <a:spcPct val="150000"/>
+              </a:lnSpc>
+            </a:pPr>
+            <a:r>
+              <a:rPr lang="en-US" altLang="ko-KR" sz="1600" dirty="0"/>
+              <a:t>IP v6 - replacement for IP v4 : during development it was called </a:t>
+            </a:r>
+            <a:r>
+              <a:rPr lang="en-US" altLang="ko-KR" sz="1600" dirty="0" err="1"/>
+              <a:t>IPng</a:t>
+            </a:r>
+            <a:r>
+              <a:rPr lang="en-US" altLang="ko-KR" sz="1600" dirty="0"/>
+              <a:t>(IP Next Generation)</a:t>
             </a:r>
           </a:p>
           <a:p>
@@ -5306,8 +6529,13 @@
             </a:pPr>
             <a:r>
               <a:rPr lang="en-US" altLang="ko-KR" sz="2000" dirty="0"/>
-              <a:t>Flow control</a:t>
-            </a:r>
+              <a:t>RFC 1752 – recommendations for the </a:t>
+            </a:r>
+            <a:r>
+              <a:rPr lang="en-US" altLang="ko-KR" sz="2000" dirty="0" err="1"/>
+              <a:t>IPng</a:t>
+            </a:r>
+            <a:endParaRPr lang="en-US" altLang="ko-KR" sz="2000" dirty="0"/>
           </a:p>
           <a:p>
             <a:pPr lvl="1">
@@ -5317,7 +6545,7 @@
             </a:pPr>
             <a:r>
               <a:rPr lang="en-US" altLang="ko-KR" sz="1600" dirty="0"/>
-              <a:t>Allows routers to limit the rate they receive data</a:t>
+              <a:t>Requirements</a:t>
             </a:r>
           </a:p>
           <a:p>
@@ -5328,7 +6556,7 @@
             </a:pPr>
             <a:r>
               <a:rPr lang="en-US" altLang="ko-KR" sz="1600" dirty="0"/>
-              <a:t>Send flow control packets requesting reduced data flow</a:t>
+              <a:t>Addressing, routing security issues</a:t>
             </a:r>
           </a:p>
           <a:p>
@@ -5339,18 +6567,7 @@
             </a:pPr>
             <a:r>
               <a:rPr lang="en-US" altLang="ko-KR" sz="2000" dirty="0"/>
-              <a:t>Error and flow control takes place in station to station</a:t>
-            </a:r>
-          </a:p>
-          <a:p>
-            <a:pPr lvl="1">
-              <a:lnSpc>
-                <a:spcPct val="150000"/>
-              </a:lnSpc>
-            </a:pPr>
-            <a:r>
-              <a:rPr lang="en-US" altLang="ko-KR" sz="1600" dirty="0"/>
-              <a:t>That is, TCP have the role</a:t>
+              <a:t>RFC 2460 – overall specification</a:t>
             </a:r>
           </a:p>
           <a:p>
@@ -5359,21 +6576,17 @@
                 <a:spcPct val="150000"/>
               </a:lnSpc>
             </a:pPr>
-            <a:endParaRPr lang="en-US" altLang="ko-KR" sz="1600" dirty="0"/>
-          </a:p>
-          <a:p>
-            <a:pPr>
-              <a:lnSpc>
-                <a:spcPct val="150000"/>
-              </a:lnSpc>
-            </a:pPr>
-            <a:endParaRPr lang="en-US" altLang="ko-KR" sz="1600" dirty="0"/>
-          </a:p>
-          <a:p>
-            <a:pPr>
-              <a:lnSpc>
-                <a:spcPct val="150000"/>
-              </a:lnSpc>
+            <a:r>
+              <a:rPr lang="en-US" altLang="ko-KR" sz="2000" dirty="0"/>
+              <a:t>RFC 4291 – addressing structure</a:t>
+            </a:r>
+          </a:p>
+          <a:p>
+            <a:pPr marL="0" indent="0">
+              <a:lnSpc>
+                <a:spcPct val="150000"/>
+              </a:lnSpc>
+              <a:buNone/>
             </a:pPr>
             <a:endParaRPr lang="en-US" altLang="ko-KR" sz="2000" dirty="0"/>
           </a:p>
@@ -5407,7 +6620,7 @@
     </p:spTree>
     <p:extLst>
       <p:ext uri="{BB962C8B-B14F-4D97-AF65-F5344CB8AC3E}">
-        <p14:creationId xmlns:p14="http://schemas.microsoft.com/office/powerpoint/2010/main" val="1475302255"/>
+        <p14:creationId xmlns:p14="http://schemas.microsoft.com/office/powerpoint/2010/main" val="183736500"/>
       </p:ext>
     </p:extLst>
   </p:cSld>
@@ -5464,7 +6677,7 @@
           <a:p>
             <a:r>
               <a:rPr lang="en-US" altLang="ko-KR" sz="4000" b="1" dirty="0"/>
-              <a:t>Internet Protocol (IP) v4</a:t>
+              <a:t>IPv6 Enhancements</a:t>
             </a:r>
             <a:endParaRPr lang="ko-KR" altLang="en-US" sz="4000" b="1" dirty="0"/>
           </a:p>
@@ -5543,7 +6756,7 @@
         <p:spPr>
           <a:xfrm>
             <a:off x="512472" y="1517119"/>
-            <a:ext cx="10515600" cy="4874537"/>
+            <a:ext cx="10515600" cy="5031165"/>
           </a:xfrm>
         </p:spPr>
         <p:txBody>
@@ -5559,7 +6772,18 @@
             </a:pPr>
             <a:r>
               <a:rPr lang="en-US" altLang="ko-KR" sz="2000" dirty="0"/>
-              <a:t>IPv4 is defined in RFC 791 as a part of TCP/IP suite</a:t>
+              <a:t>Expanded address space</a:t>
+            </a:r>
+          </a:p>
+          <a:p>
+            <a:pPr lvl="1">
+              <a:lnSpc>
+                <a:spcPct val="150000"/>
+              </a:lnSpc>
+            </a:pPr>
+            <a:r>
+              <a:rPr lang="en-US" altLang="ko-KR" sz="1600" dirty="0"/>
+              <a:t>128 bit</a:t>
             </a:r>
           </a:p>
           <a:p>
@@ -5570,7 +6794,7 @@
             </a:pPr>
             <a:r>
               <a:rPr lang="en-US" altLang="ko-KR" sz="2000" dirty="0"/>
-              <a:t>It consists of two parts</a:t>
+              <a:t>Improved option mechanism</a:t>
             </a:r>
           </a:p>
           <a:p>
@@ -5581,7 +6805,30 @@
             </a:pPr>
             <a:r>
               <a:rPr lang="en-US" altLang="ko-KR" sz="1600" dirty="0"/>
-              <a:t>Specification of interface with a higher layer</a:t>
+              <a:t>Separate optional headers between IPv6 header and transport layer header (most are not examined by intermediate routes)</a:t>
+            </a:r>
+          </a:p>
+          <a:p>
+            <a:pPr>
+              <a:lnSpc>
+                <a:spcPct val="150000"/>
+              </a:lnSpc>
+            </a:pPr>
+            <a:r>
+              <a:rPr lang="en-US" altLang="ko-KR" sz="2000" dirty="0"/>
+              <a:t>Dynamic address assignment</a:t>
+            </a:r>
+            <a:endParaRPr lang="en-US" altLang="ko-KR" sz="1600" dirty="0"/>
+          </a:p>
+          <a:p>
+            <a:pPr>
+              <a:lnSpc>
+                <a:spcPct val="150000"/>
+              </a:lnSpc>
+            </a:pPr>
+            <a:r>
+              <a:rPr lang="en-US" altLang="ko-KR" sz="2000" dirty="0"/>
+              <a:t>Increased addressing flexibility</a:t>
             </a:r>
           </a:p>
           <a:p>
@@ -5592,7 +6839,7 @@
             </a:pPr>
             <a:r>
               <a:rPr lang="en-US" altLang="ko-KR" sz="1600" dirty="0"/>
-              <a:t>Specification of actual protocol format and mechanisms</a:t>
+              <a:t>Anycast – delivered to one of a set of nodes</a:t>
             </a:r>
           </a:p>
           <a:p>
@@ -5603,7 +6850,7 @@
             </a:pPr>
             <a:r>
               <a:rPr lang="en-US" altLang="ko-KR" sz="2000" dirty="0"/>
-              <a:t>IP services</a:t>
+              <a:t>Support for resource allocation</a:t>
             </a:r>
           </a:p>
           <a:p>
@@ -5614,44 +6861,8 @@
             </a:pPr>
             <a:r>
               <a:rPr lang="en-US" altLang="ko-KR" sz="1600" dirty="0"/>
-              <a:t>Primitives : specifies functions to be performed, the actual form of a primitive is implementation dependent</a:t>
-            </a:r>
-            <a:endParaRPr lang="en-US" altLang="ko-KR" sz="1200" dirty="0"/>
-          </a:p>
-          <a:p>
-            <a:pPr lvl="1">
-              <a:lnSpc>
-                <a:spcPct val="150000"/>
-              </a:lnSpc>
-            </a:pPr>
-            <a:r>
-              <a:rPr lang="en-US" altLang="ko-KR" sz="1600" dirty="0"/>
-              <a:t>Parameters : used to pass data and control information</a:t>
-            </a:r>
-          </a:p>
-          <a:p>
-            <a:pPr>
-              <a:lnSpc>
-                <a:spcPct val="150000"/>
-              </a:lnSpc>
-            </a:pPr>
-            <a:endParaRPr lang="en-US" altLang="ko-KR" sz="1600" dirty="0"/>
-          </a:p>
-          <a:p>
-            <a:pPr>
-              <a:lnSpc>
-                <a:spcPct val="150000"/>
-              </a:lnSpc>
-            </a:pPr>
-            <a:endParaRPr lang="en-US" altLang="ko-KR" sz="1600" dirty="0"/>
-          </a:p>
-          <a:p>
-            <a:pPr>
-              <a:lnSpc>
-                <a:spcPct val="150000"/>
-              </a:lnSpc>
-            </a:pPr>
-            <a:endParaRPr lang="en-US" altLang="ko-KR" sz="2000" dirty="0"/>
+              <a:t>Labeling of packets to particular traffic flow</a:t>
+            </a:r>
           </a:p>
           <a:p>
             <a:pPr marL="0" indent="0">
@@ -5683,7 +6894,7 @@
     </p:spTree>
     <p:extLst>
       <p:ext uri="{BB962C8B-B14F-4D97-AF65-F5344CB8AC3E}">
-        <p14:creationId xmlns:p14="http://schemas.microsoft.com/office/powerpoint/2010/main" val="2056738691"/>
+        <p14:creationId xmlns:p14="http://schemas.microsoft.com/office/powerpoint/2010/main" val="1976363835"/>
       </p:ext>
     </p:extLst>
   </p:cSld>
@@ -5740,7 +6951,7 @@
           <a:p>
             <a:r>
               <a:rPr lang="en-US" altLang="ko-KR" sz="4000" b="1" dirty="0"/>
-              <a:t>IP Parameters</a:t>
+              <a:t>IPv6 Packet with Extension Headers</a:t>
             </a:r>
             <a:endParaRPr lang="ko-KR" altLang="en-US" sz="4000" b="1" dirty="0"/>
           </a:p>
@@ -5800,195 +7011,40 @@
           </a:p>
         </p:txBody>
       </p:sp>
-      <p:sp>
-        <p:nvSpPr>
-          <p:cNvPr id="7" name="내용 개체 틀 2">
-            <a:extLst>
-              <a:ext uri="{FF2B5EF4-FFF2-40B4-BE49-F238E27FC236}">
-                <a16:creationId xmlns:a16="http://schemas.microsoft.com/office/drawing/2014/main" id="{256D84BD-AEA0-00CE-BBC0-D05C86704D00}"/>
-              </a:ext>
-            </a:extLst>
-          </p:cNvPr>
-          <p:cNvSpPr>
-            <a:spLocks noGrp="1"/>
-          </p:cNvSpPr>
-          <p:nvPr>
-            <p:ph idx="1"/>
-          </p:nvPr>
-        </p:nvSpPr>
+      <p:pic>
+        <p:nvPicPr>
+          <p:cNvPr id="8" name="그림 7">
+            <a:extLst>
+              <a:ext uri="{FF2B5EF4-FFF2-40B4-BE49-F238E27FC236}">
+                <a16:creationId xmlns:a16="http://schemas.microsoft.com/office/drawing/2014/main" id="{B33D8B42-073D-1EDD-C06C-1C7485F79035}"/>
+              </a:ext>
+            </a:extLst>
+          </p:cNvPr>
+          <p:cNvPicPr>
+            <a:picLocks noChangeAspect="1"/>
+          </p:cNvPicPr>
+          <p:nvPr/>
+        </p:nvPicPr>
+        <p:blipFill>
+          <a:blip r:embed="rId3"/>
+          <a:stretch>
+            <a:fillRect/>
+          </a:stretch>
+        </p:blipFill>
         <p:spPr>
           <a:xfrm>
-            <a:off x="512472" y="1517119"/>
-            <a:ext cx="10515600" cy="5249441"/>
+            <a:off x="3660602" y="1373763"/>
+            <a:ext cx="4219340" cy="5292681"/>
           </a:xfrm>
+          <a:prstGeom prst="rect">
+            <a:avLst/>
+          </a:prstGeom>
         </p:spPr>
-        <p:txBody>
-          <a:bodyPr>
-            <a:normAutofit/>
-          </a:bodyPr>
-          <a:lstStyle/>
-          <a:p>
-            <a:pPr>
-              <a:lnSpc>
-                <a:spcPct val="150000"/>
-              </a:lnSpc>
-            </a:pPr>
-            <a:r>
-              <a:rPr lang="en-US" altLang="ko-KR" sz="2000" dirty="0"/>
-              <a:t>Source address and destination address</a:t>
-            </a:r>
-          </a:p>
-          <a:p>
-            <a:pPr>
-              <a:lnSpc>
-                <a:spcPct val="150000"/>
-              </a:lnSpc>
-            </a:pPr>
-            <a:r>
-              <a:rPr lang="en-US" altLang="ko-KR" sz="2000" dirty="0"/>
-              <a:t>Protocol</a:t>
-            </a:r>
-          </a:p>
-          <a:p>
-            <a:pPr>
-              <a:lnSpc>
-                <a:spcPct val="150000"/>
-              </a:lnSpc>
-            </a:pPr>
-            <a:r>
-              <a:rPr lang="en-US" altLang="ko-KR" sz="2000" dirty="0"/>
-              <a:t>Type of Service</a:t>
-            </a:r>
-          </a:p>
-          <a:p>
-            <a:pPr>
-              <a:lnSpc>
-                <a:spcPct val="150000"/>
-              </a:lnSpc>
-            </a:pPr>
-            <a:r>
-              <a:rPr lang="en-US" altLang="ko-KR" sz="2000" dirty="0"/>
-              <a:t>Identification</a:t>
-            </a:r>
-          </a:p>
-          <a:p>
-            <a:pPr>
-              <a:lnSpc>
-                <a:spcPct val="150000"/>
-              </a:lnSpc>
-            </a:pPr>
-            <a:r>
-              <a:rPr lang="en-US" altLang="ko-KR" sz="2000" dirty="0"/>
-              <a:t>Fragment indicator {More bit | Don’t fragment bit}</a:t>
-            </a:r>
-          </a:p>
-          <a:p>
-            <a:pPr>
-              <a:lnSpc>
-                <a:spcPct val="150000"/>
-              </a:lnSpc>
-            </a:pPr>
-            <a:r>
-              <a:rPr lang="en-US" altLang="ko-KR" sz="2000" dirty="0"/>
-              <a:t>Time to live</a:t>
-            </a:r>
-          </a:p>
-          <a:p>
-            <a:pPr>
-              <a:lnSpc>
-                <a:spcPct val="150000"/>
-              </a:lnSpc>
-            </a:pPr>
-            <a:r>
-              <a:rPr lang="en-US" altLang="ko-KR" sz="2000" dirty="0"/>
-              <a:t>Data length</a:t>
-            </a:r>
-          </a:p>
-          <a:p>
-            <a:pPr>
-              <a:lnSpc>
-                <a:spcPct val="150000"/>
-              </a:lnSpc>
-            </a:pPr>
-            <a:r>
-              <a:rPr lang="en-US" altLang="ko-KR" sz="2000" dirty="0"/>
-              <a:t>Option data (security, source routing, route recording, stream identification..)</a:t>
-            </a:r>
-          </a:p>
-          <a:p>
-            <a:pPr>
-              <a:lnSpc>
-                <a:spcPct val="150000"/>
-              </a:lnSpc>
-            </a:pPr>
-            <a:r>
-              <a:rPr lang="en-US" altLang="ko-KR" sz="2000" dirty="0"/>
-              <a:t>User data</a:t>
-            </a:r>
-          </a:p>
-          <a:p>
-            <a:pPr>
-              <a:lnSpc>
-                <a:spcPct val="150000"/>
-              </a:lnSpc>
-            </a:pPr>
-            <a:endParaRPr lang="en-US" altLang="ko-KR" sz="1600" dirty="0"/>
-          </a:p>
-          <a:p>
-            <a:pPr>
-              <a:lnSpc>
-                <a:spcPct val="150000"/>
-              </a:lnSpc>
-            </a:pPr>
-            <a:endParaRPr lang="en-US" altLang="ko-KR" sz="1600" dirty="0"/>
-          </a:p>
-          <a:p>
-            <a:pPr>
-              <a:lnSpc>
-                <a:spcPct val="150000"/>
-              </a:lnSpc>
-            </a:pPr>
-            <a:endParaRPr lang="en-US" altLang="ko-KR" sz="1600" dirty="0"/>
-          </a:p>
-          <a:p>
-            <a:pPr>
-              <a:lnSpc>
-                <a:spcPct val="150000"/>
-              </a:lnSpc>
-            </a:pPr>
-            <a:endParaRPr lang="en-US" altLang="ko-KR" sz="2000" dirty="0"/>
-          </a:p>
-          <a:p>
-            <a:pPr marL="0" indent="0">
-              <a:lnSpc>
-                <a:spcPct val="150000"/>
-              </a:lnSpc>
-              <a:buNone/>
-            </a:pPr>
-            <a:endParaRPr lang="en-US" altLang="ko-KR" sz="100" dirty="0"/>
-          </a:p>
-          <a:p>
-            <a:pPr lvl="1">
-              <a:lnSpc>
-                <a:spcPct val="150000"/>
-              </a:lnSpc>
-            </a:pPr>
-            <a:endParaRPr lang="en-US" altLang="ko-KR" sz="1600" dirty="0"/>
-          </a:p>
-          <a:p>
-            <a:pPr>
-              <a:lnSpc>
-                <a:spcPct val="150000"/>
-              </a:lnSpc>
-            </a:pPr>
-            <a:endParaRPr lang="en-US" altLang="ko-KR" sz="2000" dirty="0"/>
-          </a:p>
-        </p:txBody>
-      </p:sp>
+      </p:pic>
     </p:spTree>
     <p:extLst>
       <p:ext uri="{BB962C8B-B14F-4D97-AF65-F5344CB8AC3E}">
-        <p14:creationId xmlns:p14="http://schemas.microsoft.com/office/powerpoint/2010/main" val="105625017"/>
+        <p14:creationId xmlns:p14="http://schemas.microsoft.com/office/powerpoint/2010/main" val="1506824434"/>
       </p:ext>
     </p:extLst>
   </p:cSld>
@@ -6045,7 +7101,7 @@
           <a:p>
             <a:r>
               <a:rPr lang="en-US" altLang="ko-KR" sz="4000" b="1" dirty="0"/>
-              <a:t>IPv4 Header</a:t>
+              <a:t>IPv6 Header</a:t>
             </a:r>
             <a:endParaRPr lang="ko-KR" altLang="en-US" sz="4000" b="1" dirty="0"/>
           </a:p>
@@ -6107,10 +7163,10 @@
       </p:sp>
       <p:pic>
         <p:nvPicPr>
-          <p:cNvPr id="8" name="그림 7">
-            <a:extLst>
-              <a:ext uri="{FF2B5EF4-FFF2-40B4-BE49-F238E27FC236}">
-                <a16:creationId xmlns:a16="http://schemas.microsoft.com/office/drawing/2014/main" id="{96991183-599F-F099-C6D2-5B867B8EB6B0}"/>
+          <p:cNvPr id="5" name="그림 4">
+            <a:extLst>
+              <a:ext uri="{FF2B5EF4-FFF2-40B4-BE49-F238E27FC236}">
+                <a16:creationId xmlns:a16="http://schemas.microsoft.com/office/drawing/2014/main" id="{AA1EC0B3-B580-B9C5-3B6F-8D9E9B09E87A}"/>
               </a:ext>
             </a:extLst>
           </p:cNvPr>
@@ -6120,15 +7176,15 @@
           <p:nvPr/>
         </p:nvPicPr>
         <p:blipFill>
-          <a:blip r:embed="rId2"/>
+          <a:blip r:embed="rId3"/>
           <a:stretch>
             <a:fillRect/>
           </a:stretch>
         </p:blipFill>
         <p:spPr>
           <a:xfrm>
-            <a:off x="1890125" y="1517119"/>
-            <a:ext cx="8411749" cy="4953691"/>
+            <a:off x="2220173" y="1517119"/>
+            <a:ext cx="7751653" cy="5023799"/>
           </a:xfrm>
           <a:prstGeom prst="rect">
             <a:avLst/>
@@ -6138,7 +7194,7 @@
     </p:spTree>
     <p:extLst>
       <p:ext uri="{BB962C8B-B14F-4D97-AF65-F5344CB8AC3E}">
-        <p14:creationId xmlns:p14="http://schemas.microsoft.com/office/powerpoint/2010/main" val="2047119988"/>
+        <p14:creationId xmlns:p14="http://schemas.microsoft.com/office/powerpoint/2010/main" val="2616986658"/>
       </p:ext>
     </p:extLst>
   </p:cSld>
@@ -6195,7 +7251,7 @@
           <a:p>
             <a:r>
               <a:rPr lang="en-US" altLang="ko-KR" sz="4000" b="1" dirty="0"/>
-              <a:t>IPv4 Address Formats</a:t>
+              <a:t>IPv6 Flow Label</a:t>
             </a:r>
             <a:endParaRPr lang="ko-KR" altLang="en-US" sz="4000" b="1" dirty="0"/>
           </a:p>
@@ -6255,40 +7311,163 @@
           </a:p>
         </p:txBody>
       </p:sp>
-      <p:pic>
-        <p:nvPicPr>
-          <p:cNvPr id="10" name="그림 9">
-            <a:extLst>
-              <a:ext uri="{FF2B5EF4-FFF2-40B4-BE49-F238E27FC236}">
-                <a16:creationId xmlns:a16="http://schemas.microsoft.com/office/drawing/2014/main" id="{74F133A9-2F97-E5E6-8EB4-6C6C55005CE2}"/>
-              </a:ext>
-            </a:extLst>
-          </p:cNvPr>
-          <p:cNvPicPr>
-            <a:picLocks noChangeAspect="1"/>
-          </p:cNvPicPr>
-          <p:nvPr/>
-        </p:nvPicPr>
-        <p:blipFill>
-          <a:blip r:embed="rId2"/>
-          <a:stretch>
-            <a:fillRect/>
-          </a:stretch>
-        </p:blipFill>
+      <p:sp>
+        <p:nvSpPr>
+          <p:cNvPr id="7" name="내용 개체 틀 2">
+            <a:extLst>
+              <a:ext uri="{FF2B5EF4-FFF2-40B4-BE49-F238E27FC236}">
+                <a16:creationId xmlns:a16="http://schemas.microsoft.com/office/drawing/2014/main" id="{256D84BD-AEA0-00CE-BBC0-D05C86704D00}"/>
+              </a:ext>
+            </a:extLst>
+          </p:cNvPr>
+          <p:cNvSpPr>
+            <a:spLocks noGrp="1"/>
+          </p:cNvSpPr>
+          <p:nvPr>
+            <p:ph idx="1"/>
+          </p:nvPr>
+        </p:nvSpPr>
         <p:spPr>
           <a:xfrm>
-            <a:off x="1923410" y="1633751"/>
-            <a:ext cx="7693723" cy="4813902"/>
+            <a:off x="512472" y="1517119"/>
+            <a:ext cx="10515600" cy="5031165"/>
           </a:xfrm>
-          <a:prstGeom prst="rect">
-            <a:avLst/>
-          </a:prstGeom>
         </p:spPr>
-      </p:pic>
+        <p:txBody>
+          <a:bodyPr>
+            <a:normAutofit/>
+          </a:bodyPr>
+          <a:lstStyle/>
+          <a:p>
+            <a:pPr>
+              <a:lnSpc>
+                <a:spcPct val="150000"/>
+              </a:lnSpc>
+            </a:pPr>
+            <a:r>
+              <a:rPr lang="en-US" altLang="ko-KR" sz="2000" dirty="0"/>
+              <a:t>Related sequence of packets</a:t>
+            </a:r>
+          </a:p>
+          <a:p>
+            <a:pPr lvl="1">
+              <a:lnSpc>
+                <a:spcPct val="150000"/>
+              </a:lnSpc>
+            </a:pPr>
+            <a:r>
+              <a:rPr lang="en-US" altLang="ko-KR" sz="1600" dirty="0"/>
+              <a:t>Needs a special handling for a specific packet </a:t>
+            </a:r>
+          </a:p>
+          <a:p>
+            <a:pPr lvl="1">
+              <a:lnSpc>
+                <a:spcPct val="150000"/>
+              </a:lnSpc>
+            </a:pPr>
+            <a:r>
+              <a:rPr lang="en-US" altLang="ko-KR" sz="1600" dirty="0"/>
+              <a:t>Identified by source and destination address + flow label</a:t>
+            </a:r>
+          </a:p>
+          <a:p>
+            <a:pPr>
+              <a:lnSpc>
+                <a:spcPct val="150000"/>
+              </a:lnSpc>
+            </a:pPr>
+            <a:r>
+              <a:rPr lang="en-US" altLang="ko-KR" sz="2000" dirty="0"/>
+              <a:t>Router treats flow as sharing attributes</a:t>
+            </a:r>
+          </a:p>
+          <a:p>
+            <a:pPr lvl="1">
+              <a:lnSpc>
+                <a:spcPct val="150000"/>
+              </a:lnSpc>
+            </a:pPr>
+            <a:r>
+              <a:rPr lang="en-US" altLang="ko-KR" sz="1600" dirty="0"/>
+              <a:t>E.g. path, resource allocation, discard requirements, security</a:t>
+            </a:r>
+          </a:p>
+          <a:p>
+            <a:pPr>
+              <a:lnSpc>
+                <a:spcPct val="150000"/>
+              </a:lnSpc>
+            </a:pPr>
+            <a:r>
+              <a:rPr lang="en-US" altLang="ko-KR" sz="2000" dirty="0"/>
+              <a:t>May treat flows differently</a:t>
+            </a:r>
+          </a:p>
+          <a:p>
+            <a:pPr lvl="1">
+              <a:lnSpc>
+                <a:spcPct val="150000"/>
+              </a:lnSpc>
+            </a:pPr>
+            <a:r>
+              <a:rPr lang="en-US" altLang="ko-KR" sz="1600" dirty="0"/>
+              <a:t>Buffer sizes, different forwarding precedence, different QoS</a:t>
+            </a:r>
+          </a:p>
+          <a:p>
+            <a:pPr>
+              <a:lnSpc>
+                <a:spcPct val="150000"/>
+              </a:lnSpc>
+            </a:pPr>
+            <a:r>
+              <a:rPr lang="en-US" altLang="ko-KR" sz="2000" dirty="0"/>
+              <a:t>Flow requirements are defined prior to flow start and a unique flow level is assigned to the flow</a:t>
+            </a:r>
+          </a:p>
+          <a:p>
+            <a:pPr lvl="1">
+              <a:lnSpc>
+                <a:spcPct val="150000"/>
+              </a:lnSpc>
+            </a:pPr>
+            <a:r>
+              <a:rPr lang="en-US" altLang="ko-KR" sz="1600" dirty="0"/>
+              <a:t>Alternative to including all info in every header</a:t>
+            </a:r>
+          </a:p>
+          <a:p>
+            <a:pPr marL="0" indent="0">
+              <a:lnSpc>
+                <a:spcPct val="150000"/>
+              </a:lnSpc>
+              <a:buNone/>
+            </a:pPr>
+            <a:endParaRPr lang="en-US" altLang="ko-KR" sz="100" dirty="0"/>
+          </a:p>
+          <a:p>
+            <a:pPr lvl="1">
+              <a:lnSpc>
+                <a:spcPct val="150000"/>
+              </a:lnSpc>
+            </a:pPr>
+            <a:endParaRPr lang="en-US" altLang="ko-KR" sz="1600" dirty="0"/>
+          </a:p>
+          <a:p>
+            <a:pPr>
+              <a:lnSpc>
+                <a:spcPct val="150000"/>
+              </a:lnSpc>
+            </a:pPr>
+            <a:endParaRPr lang="en-US" altLang="ko-KR" sz="2000" dirty="0"/>
+          </a:p>
+        </p:txBody>
+      </p:sp>
     </p:spTree>
     <p:extLst>
       <p:ext uri="{BB962C8B-B14F-4D97-AF65-F5344CB8AC3E}">
-        <p14:creationId xmlns:p14="http://schemas.microsoft.com/office/powerpoint/2010/main" val="1232873387"/>
+        <p14:creationId xmlns:p14="http://schemas.microsoft.com/office/powerpoint/2010/main" val="4092542247"/>
       </p:ext>
     </p:extLst>
   </p:cSld>
@@ -6345,7 +7524,7 @@
           <a:p>
             <a:r>
               <a:rPr lang="en-US" altLang="ko-KR" sz="4000" b="1" dirty="0"/>
-              <a:t>IP Addresses</a:t>
+              <a:t>Next Header</a:t>
             </a:r>
             <a:endParaRPr lang="ko-KR" altLang="en-US" sz="4000" b="1" dirty="0"/>
           </a:p>
@@ -6405,206 +7584,40 @@
           </a:p>
         </p:txBody>
       </p:sp>
-      <p:sp>
-        <p:nvSpPr>
-          <p:cNvPr id="7" name="내용 개체 틀 2">
-            <a:extLst>
-              <a:ext uri="{FF2B5EF4-FFF2-40B4-BE49-F238E27FC236}">
-                <a16:creationId xmlns:a16="http://schemas.microsoft.com/office/drawing/2014/main" id="{256D84BD-AEA0-00CE-BBC0-D05C86704D00}"/>
-              </a:ext>
-            </a:extLst>
-          </p:cNvPr>
-          <p:cNvSpPr>
-            <a:spLocks noGrp="1"/>
-          </p:cNvSpPr>
-          <p:nvPr>
-            <p:ph idx="1"/>
-          </p:nvPr>
-        </p:nvSpPr>
+      <p:pic>
+        <p:nvPicPr>
+          <p:cNvPr id="8" name="그림 7">
+            <a:extLst>
+              <a:ext uri="{FF2B5EF4-FFF2-40B4-BE49-F238E27FC236}">
+                <a16:creationId xmlns:a16="http://schemas.microsoft.com/office/drawing/2014/main" id="{5102AD59-4670-CB2D-BFDB-8408ADF1CF60}"/>
+              </a:ext>
+            </a:extLst>
+          </p:cNvPr>
+          <p:cNvPicPr>
+            <a:picLocks noChangeAspect="1"/>
+          </p:cNvPicPr>
+          <p:nvPr/>
+        </p:nvPicPr>
+        <p:blipFill>
+          <a:blip r:embed="rId3"/>
+          <a:stretch>
+            <a:fillRect/>
+          </a:stretch>
+        </p:blipFill>
         <p:spPr>
           <a:xfrm>
-            <a:off x="512472" y="1517119"/>
-            <a:ext cx="10515600" cy="5249441"/>
+            <a:off x="1747273" y="1517119"/>
+            <a:ext cx="8859291" cy="5280096"/>
           </a:xfrm>
+          <a:prstGeom prst="rect">
+            <a:avLst/>
+          </a:prstGeom>
         </p:spPr>
-        <p:txBody>
-          <a:bodyPr>
-            <a:normAutofit/>
-          </a:bodyPr>
-          <a:lstStyle/>
-          <a:p>
-            <a:pPr>
-              <a:lnSpc>
-                <a:spcPct val="150000"/>
-              </a:lnSpc>
-            </a:pPr>
-            <a:r>
-              <a:rPr lang="en-US" altLang="ko-KR" sz="2000" dirty="0"/>
-              <a:t>Class A</a:t>
-            </a:r>
-          </a:p>
-          <a:p>
-            <a:pPr lvl="1">
-              <a:lnSpc>
-                <a:spcPct val="150000"/>
-              </a:lnSpc>
-            </a:pPr>
-            <a:r>
-              <a:rPr lang="en-US" altLang="ko-KR" sz="1600" dirty="0"/>
-              <a:t>Start with binary 0, range 1.x.x.x to 126.x.x.x</a:t>
-            </a:r>
-          </a:p>
-          <a:p>
-            <a:pPr lvl="1">
-              <a:lnSpc>
-                <a:spcPct val="150000"/>
-              </a:lnSpc>
-            </a:pPr>
-            <a:r>
-              <a:rPr lang="en-US" altLang="ko-KR" sz="1600" dirty="0"/>
-              <a:t>All 0 reserved, 01111111 (127) reserved for loopback</a:t>
-            </a:r>
-          </a:p>
-          <a:p>
-            <a:pPr>
-              <a:lnSpc>
-                <a:spcPct val="150000"/>
-              </a:lnSpc>
-            </a:pPr>
-            <a:r>
-              <a:rPr lang="en-US" altLang="ko-KR" sz="2000" dirty="0"/>
-              <a:t>Class B</a:t>
-            </a:r>
-          </a:p>
-          <a:p>
-            <a:pPr lvl="1">
-              <a:lnSpc>
-                <a:spcPct val="150000"/>
-              </a:lnSpc>
-            </a:pPr>
-            <a:r>
-              <a:rPr lang="en-US" altLang="ko-KR" sz="1600" dirty="0"/>
-              <a:t>Start with binary 10, range 128.x.x.x to 191.x.x.x</a:t>
-            </a:r>
-          </a:p>
-          <a:p>
-            <a:pPr>
-              <a:lnSpc>
-                <a:spcPct val="150000"/>
-              </a:lnSpc>
-            </a:pPr>
-            <a:r>
-              <a:rPr lang="en-US" altLang="ko-KR" sz="2000" dirty="0"/>
-              <a:t>Class C</a:t>
-            </a:r>
-          </a:p>
-          <a:p>
-            <a:pPr lvl="1">
-              <a:lnSpc>
-                <a:spcPct val="150000"/>
-              </a:lnSpc>
-            </a:pPr>
-            <a:r>
-              <a:rPr lang="en-US" altLang="ko-KR" sz="1600" dirty="0"/>
-              <a:t>Start with binary 110, range 192.x.x.x to 223.x.x.x</a:t>
-            </a:r>
-          </a:p>
-          <a:p>
-            <a:pPr>
-              <a:lnSpc>
-                <a:spcPct val="150000"/>
-              </a:lnSpc>
-            </a:pPr>
-            <a:r>
-              <a:rPr lang="en-US" altLang="ko-KR" sz="2000" dirty="0"/>
-              <a:t>Private address (vs. public address)</a:t>
-            </a:r>
-          </a:p>
-          <a:p>
-            <a:pPr lvl="1">
-              <a:lnSpc>
-                <a:spcPct val="150000"/>
-              </a:lnSpc>
-            </a:pPr>
-            <a:r>
-              <a:rPr lang="en-US" altLang="ko-KR" sz="1600" dirty="0"/>
-              <a:t>Range as 10.x.x.x, 172.16.x.x, 192.168.x.x</a:t>
-            </a:r>
-          </a:p>
-          <a:p>
-            <a:pPr lvl="1">
-              <a:lnSpc>
-                <a:spcPct val="150000"/>
-              </a:lnSpc>
-            </a:pPr>
-            <a:r>
-              <a:rPr lang="en-US" altLang="ko-KR" sz="1600" dirty="0"/>
-              <a:t>Mapped by a Network Address Translation (NAT) box</a:t>
-            </a:r>
-          </a:p>
-          <a:p>
-            <a:pPr>
-              <a:lnSpc>
-                <a:spcPct val="150000"/>
-              </a:lnSpc>
-            </a:pPr>
-            <a:endParaRPr lang="en-US" altLang="ko-KR" sz="1600" dirty="0"/>
-          </a:p>
-          <a:p>
-            <a:pPr>
-              <a:lnSpc>
-                <a:spcPct val="150000"/>
-              </a:lnSpc>
-            </a:pPr>
-            <a:endParaRPr lang="en-US" altLang="ko-KR" sz="1600" dirty="0"/>
-          </a:p>
-          <a:p>
-            <a:pPr>
-              <a:lnSpc>
-                <a:spcPct val="150000"/>
-              </a:lnSpc>
-            </a:pPr>
-            <a:endParaRPr lang="en-US" altLang="ko-KR" sz="1600" dirty="0"/>
-          </a:p>
-          <a:p>
-            <a:pPr>
-              <a:lnSpc>
-                <a:spcPct val="150000"/>
-              </a:lnSpc>
-            </a:pPr>
-            <a:endParaRPr lang="en-US" altLang="ko-KR" sz="2000" dirty="0"/>
-          </a:p>
-          <a:p>
-            <a:pPr marL="0" indent="0">
-              <a:lnSpc>
-                <a:spcPct val="150000"/>
-              </a:lnSpc>
-              <a:buNone/>
-            </a:pPr>
-            <a:endParaRPr lang="en-US" altLang="ko-KR" sz="100" dirty="0"/>
-          </a:p>
-          <a:p>
-            <a:pPr lvl="1">
-              <a:lnSpc>
-                <a:spcPct val="150000"/>
-              </a:lnSpc>
-            </a:pPr>
-            <a:endParaRPr lang="en-US" altLang="ko-KR" sz="1600" dirty="0"/>
-          </a:p>
-          <a:p>
-            <a:pPr>
-              <a:lnSpc>
-                <a:spcPct val="150000"/>
-              </a:lnSpc>
-            </a:pPr>
-            <a:endParaRPr lang="en-US" altLang="ko-KR" sz="2000" dirty="0"/>
-          </a:p>
-        </p:txBody>
-      </p:sp>
+      </p:pic>
     </p:spTree>
     <p:extLst>
       <p:ext uri="{BB962C8B-B14F-4D97-AF65-F5344CB8AC3E}">
-        <p14:creationId xmlns:p14="http://schemas.microsoft.com/office/powerpoint/2010/main" val="3592794578"/>
+        <p14:creationId xmlns:p14="http://schemas.microsoft.com/office/powerpoint/2010/main" val="3707594734"/>
       </p:ext>
     </p:extLst>
   </p:cSld>
@@ -6794,7 +7807,7 @@
 </p:sld>
 </file>
 
-<file path=ppt/slides/slide3.xml><?xml version="1.0" encoding="utf-8"?>
+<file path=ppt/slides/slide20.xml><?xml version="1.0" encoding="utf-8"?>
 <p:sld xmlns:a="http://schemas.openxmlformats.org/drawingml/2006/main" xmlns:r="http://schemas.openxmlformats.org/officeDocument/2006/relationships" xmlns:p="http://schemas.openxmlformats.org/presentationml/2006/main">
   <p:cSld>
     <p:spTree>
@@ -6840,8 +7853,8 @@
           <a:lstStyle/>
           <a:p>
             <a:r>
-              <a:rPr lang="en-US" altLang="ko-KR" sz="4000" b="1"/>
-              <a:t>Internet Protocol</a:t>
+              <a:rPr lang="en-US" altLang="ko-KR" sz="4000" b="1" dirty="0"/>
+              <a:t>IPv6 Addresses</a:t>
             </a:r>
             <a:endParaRPr lang="ko-KR" altLang="en-US" sz="4000" b="1" dirty="0"/>
           </a:p>
@@ -6901,39 +7914,141 @@
           </a:p>
         </p:txBody>
       </p:sp>
-      <p:pic>
-        <p:nvPicPr>
-          <p:cNvPr id="8" name="그림 7">
-            <a:extLst>
-              <a:ext uri="{FF2B5EF4-FFF2-40B4-BE49-F238E27FC236}">
-                <a16:creationId xmlns:a16="http://schemas.microsoft.com/office/drawing/2014/main" id="{1E08ABAB-EF2B-FAC4-7F13-A31966154469}"/>
-              </a:ext>
-            </a:extLst>
-          </p:cNvPr>
-          <p:cNvPicPr>
-            <a:picLocks noChangeAspect="1"/>
-          </p:cNvPicPr>
-          <p:nvPr/>
-        </p:nvPicPr>
-        <p:blipFill rotWithShape="1">
-          <a:blip r:embed="rId2"/>
-          <a:srcRect r="297"/>
-          <a:stretch/>
-        </p:blipFill>
+      <p:sp>
+        <p:nvSpPr>
+          <p:cNvPr id="7" name="내용 개체 틀 2">
+            <a:extLst>
+              <a:ext uri="{FF2B5EF4-FFF2-40B4-BE49-F238E27FC236}">
+                <a16:creationId xmlns:a16="http://schemas.microsoft.com/office/drawing/2014/main" id="{256D84BD-AEA0-00CE-BBC0-D05C86704D00}"/>
+              </a:ext>
+            </a:extLst>
+          </p:cNvPr>
+          <p:cNvSpPr>
+            <a:spLocks noGrp="1"/>
+          </p:cNvSpPr>
+          <p:nvPr>
+            <p:ph idx="1"/>
+          </p:nvPr>
+        </p:nvSpPr>
         <p:spPr>
           <a:xfrm>
-            <a:off x="5295841" y="406353"/>
-            <a:ext cx="6083471" cy="6260091"/>
+            <a:off x="512472" y="1517119"/>
+            <a:ext cx="10515600" cy="5031165"/>
           </a:xfrm>
-          <a:prstGeom prst="rect">
-            <a:avLst/>
-          </a:prstGeom>
         </p:spPr>
-      </p:pic>
+        <p:txBody>
+          <a:bodyPr>
+            <a:normAutofit/>
+          </a:bodyPr>
+          <a:lstStyle/>
+          <a:p>
+            <a:pPr>
+              <a:lnSpc>
+                <a:spcPct val="150000"/>
+              </a:lnSpc>
+            </a:pPr>
+            <a:r>
+              <a:rPr lang="en-US" altLang="ko-KR" sz="2000" dirty="0"/>
+              <a:t>128 bits long</a:t>
+            </a:r>
+          </a:p>
+          <a:p>
+            <a:pPr>
+              <a:lnSpc>
+                <a:spcPct val="150000"/>
+              </a:lnSpc>
+            </a:pPr>
+            <a:r>
+              <a:rPr lang="en-US" altLang="ko-KR" sz="2000" dirty="0"/>
+              <a:t>Assigned to an interface rather than a host</a:t>
+            </a:r>
+          </a:p>
+          <a:p>
+            <a:pPr lvl="1">
+              <a:lnSpc>
+                <a:spcPct val="150000"/>
+              </a:lnSpc>
+            </a:pPr>
+            <a:r>
+              <a:rPr lang="en-US" altLang="ko-KR" sz="1600" dirty="0"/>
+              <a:t>Single interface may have multiple unicast addresses</a:t>
+            </a:r>
+          </a:p>
+          <a:p>
+            <a:pPr>
+              <a:lnSpc>
+                <a:spcPct val="150000"/>
+              </a:lnSpc>
+            </a:pPr>
+            <a:r>
+              <a:rPr lang="en-US" altLang="ko-KR" sz="2000" dirty="0"/>
+              <a:t>Three types of address</a:t>
+            </a:r>
+          </a:p>
+          <a:p>
+            <a:pPr lvl="1">
+              <a:lnSpc>
+                <a:spcPct val="150000"/>
+              </a:lnSpc>
+            </a:pPr>
+            <a:r>
+              <a:rPr lang="en-US" altLang="ko-KR" sz="1600" dirty="0"/>
+              <a:t>Unicast : single interface</a:t>
+            </a:r>
+          </a:p>
+          <a:p>
+            <a:pPr lvl="1">
+              <a:lnSpc>
+                <a:spcPct val="150000"/>
+              </a:lnSpc>
+            </a:pPr>
+            <a:r>
+              <a:rPr lang="en-US" altLang="ko-KR" sz="1600" dirty="0"/>
+              <a:t>Anycast : set of interfaces (typically different nodes), delivered to any one interface, usually the “nearest”</a:t>
+            </a:r>
+          </a:p>
+          <a:p>
+            <a:pPr lvl="1">
+              <a:lnSpc>
+                <a:spcPct val="150000"/>
+              </a:lnSpc>
+            </a:pPr>
+            <a:r>
+              <a:rPr lang="en-US" altLang="ko-KR" sz="1600" dirty="0"/>
+              <a:t>Multicast : set of interfaces, delivered to all interfaces identified</a:t>
+            </a:r>
+          </a:p>
+          <a:p>
+            <a:pPr marL="0" indent="0">
+              <a:lnSpc>
+                <a:spcPct val="150000"/>
+              </a:lnSpc>
+              <a:buNone/>
+            </a:pPr>
+            <a:endParaRPr lang="en-US" altLang="ko-KR" sz="100" dirty="0"/>
+          </a:p>
+          <a:p>
+            <a:pPr lvl="1">
+              <a:lnSpc>
+                <a:spcPct val="150000"/>
+              </a:lnSpc>
+            </a:pPr>
+            <a:endParaRPr lang="en-US" altLang="ko-KR" sz="1600" dirty="0"/>
+          </a:p>
+          <a:p>
+            <a:pPr>
+              <a:lnSpc>
+                <a:spcPct val="150000"/>
+              </a:lnSpc>
+            </a:pPr>
+            <a:endParaRPr lang="en-US" altLang="ko-KR" sz="2000" dirty="0"/>
+          </a:p>
+        </p:txBody>
+      </p:sp>
     </p:spTree>
     <p:extLst>
       <p:ext uri="{BB962C8B-B14F-4D97-AF65-F5344CB8AC3E}">
-        <p14:creationId xmlns:p14="http://schemas.microsoft.com/office/powerpoint/2010/main" val="1710080078"/>
+        <p14:creationId xmlns:p14="http://schemas.microsoft.com/office/powerpoint/2010/main" val="3852686310"/>
       </p:ext>
     </p:extLst>
   </p:cSld>
@@ -6943,7 +8058,7 @@
 </p:sld>
 </file>
 
-<file path=ppt/slides/slide4.xml><?xml version="1.0" encoding="utf-8"?>
+<file path=ppt/slides/slide21.xml><?xml version="1.0" encoding="utf-8"?>
 <p:sld xmlns:a="http://schemas.openxmlformats.org/drawingml/2006/main" xmlns:r="http://schemas.openxmlformats.org/officeDocument/2006/relationships" xmlns:p="http://schemas.openxmlformats.org/presentationml/2006/main">
   <p:cSld>
     <p:spTree>
@@ -6990,7 +8105,7 @@
           <a:p>
             <a:r>
               <a:rPr lang="en-US" altLang="ko-KR" sz="4000" b="1" dirty="0"/>
-              <a:t>TCP/IP Concepts</a:t>
+              <a:t>Extension Headers</a:t>
             </a:r>
             <a:endParaRPr lang="ko-KR" altLang="en-US" sz="4000" b="1" dirty="0"/>
           </a:p>
@@ -7050,40 +8165,174 @@
           </a:p>
         </p:txBody>
       </p:sp>
-      <p:pic>
-        <p:nvPicPr>
-          <p:cNvPr id="8" name="그림 7">
-            <a:extLst>
-              <a:ext uri="{FF2B5EF4-FFF2-40B4-BE49-F238E27FC236}">
-                <a16:creationId xmlns:a16="http://schemas.microsoft.com/office/drawing/2014/main" id="{5F3CDB9B-ACD0-0C39-91EC-D4AE9A5B3BF6}"/>
-              </a:ext>
-            </a:extLst>
-          </p:cNvPr>
-          <p:cNvPicPr>
-            <a:picLocks noChangeAspect="1"/>
-          </p:cNvPicPr>
-          <p:nvPr/>
-        </p:nvPicPr>
-        <p:blipFill>
-          <a:blip r:embed="rId2"/>
-          <a:stretch>
-            <a:fillRect/>
-          </a:stretch>
-        </p:blipFill>
+      <p:sp>
+        <p:nvSpPr>
+          <p:cNvPr id="7" name="내용 개체 틀 2">
+            <a:extLst>
+              <a:ext uri="{FF2B5EF4-FFF2-40B4-BE49-F238E27FC236}">
+                <a16:creationId xmlns:a16="http://schemas.microsoft.com/office/drawing/2014/main" id="{256D84BD-AEA0-00CE-BBC0-D05C86704D00}"/>
+              </a:ext>
+            </a:extLst>
+          </p:cNvPr>
+          <p:cNvSpPr>
+            <a:spLocks noGrp="1"/>
+          </p:cNvSpPr>
+          <p:nvPr>
+            <p:ph idx="1"/>
+          </p:nvPr>
+        </p:nvSpPr>
         <p:spPr>
           <a:xfrm>
-            <a:off x="2258194" y="1558357"/>
-            <a:ext cx="7298475" cy="5108087"/>
+            <a:off x="512472" y="1517119"/>
+            <a:ext cx="10515600" cy="5031165"/>
           </a:xfrm>
-          <a:prstGeom prst="rect">
-            <a:avLst/>
-          </a:prstGeom>
         </p:spPr>
-      </p:pic>
+        <p:txBody>
+          <a:bodyPr>
+            <a:normAutofit lnSpcReduction="10000"/>
+          </a:bodyPr>
+          <a:lstStyle/>
+          <a:p>
+            <a:pPr>
+              <a:lnSpc>
+                <a:spcPct val="150000"/>
+              </a:lnSpc>
+            </a:pPr>
+            <a:r>
+              <a:rPr lang="en-US" altLang="ko-KR" sz="2000" dirty="0"/>
+              <a:t>Hop-by-hop options</a:t>
+            </a:r>
+          </a:p>
+          <a:p>
+            <a:pPr lvl="1">
+              <a:lnSpc>
+                <a:spcPct val="150000"/>
+              </a:lnSpc>
+            </a:pPr>
+            <a:r>
+              <a:rPr lang="en-US" altLang="ko-KR" sz="1600" dirty="0"/>
+              <a:t>Require processing at each router</a:t>
+            </a:r>
+          </a:p>
+          <a:p>
+            <a:pPr>
+              <a:lnSpc>
+                <a:spcPct val="150000"/>
+              </a:lnSpc>
+            </a:pPr>
+            <a:r>
+              <a:rPr lang="en-US" altLang="ko-KR" sz="2000" dirty="0"/>
+              <a:t>Routing options</a:t>
+            </a:r>
+          </a:p>
+          <a:p>
+            <a:pPr lvl="1">
+              <a:lnSpc>
+                <a:spcPct val="150000"/>
+              </a:lnSpc>
+            </a:pPr>
+            <a:r>
+              <a:rPr lang="en-US" altLang="ko-KR" sz="1600" dirty="0"/>
+              <a:t>Similar to v4 source routing</a:t>
+            </a:r>
+          </a:p>
+          <a:p>
+            <a:pPr>
+              <a:lnSpc>
+                <a:spcPct val="150000"/>
+              </a:lnSpc>
+            </a:pPr>
+            <a:r>
+              <a:rPr lang="en-US" altLang="ko-KR" sz="2000" dirty="0"/>
+              <a:t>Fragmentation options</a:t>
+            </a:r>
+          </a:p>
+          <a:p>
+            <a:pPr lvl="1">
+              <a:lnSpc>
+                <a:spcPct val="150000"/>
+              </a:lnSpc>
+            </a:pPr>
+            <a:r>
+              <a:rPr lang="en-US" altLang="ko-KR" sz="1600" dirty="0"/>
+              <a:t>Only allowed at source, no fragmentation at intermediate routers</a:t>
+            </a:r>
+          </a:p>
+          <a:p>
+            <a:pPr>
+              <a:lnSpc>
+                <a:spcPct val="150000"/>
+              </a:lnSpc>
+            </a:pPr>
+            <a:r>
+              <a:rPr lang="en-US" altLang="ko-KR" sz="2000" dirty="0"/>
+              <a:t>Authentication options</a:t>
+            </a:r>
+          </a:p>
+          <a:p>
+            <a:pPr lvl="1">
+              <a:lnSpc>
+                <a:spcPct val="150000"/>
+              </a:lnSpc>
+            </a:pPr>
+            <a:r>
+              <a:rPr lang="en-US" altLang="ko-KR" sz="1600" dirty="0"/>
+              <a:t>Encapsulating security payload</a:t>
+            </a:r>
+          </a:p>
+          <a:p>
+            <a:pPr>
+              <a:lnSpc>
+                <a:spcPct val="150000"/>
+              </a:lnSpc>
+            </a:pPr>
+            <a:r>
+              <a:rPr lang="en-US" altLang="ko-KR" sz="2000" dirty="0"/>
+              <a:t>Destination options</a:t>
+            </a:r>
+          </a:p>
+          <a:p>
+            <a:pPr lvl="1">
+              <a:lnSpc>
+                <a:spcPct val="150000"/>
+              </a:lnSpc>
+            </a:pPr>
+            <a:r>
+              <a:rPr lang="en-US" altLang="ko-KR" sz="1600" dirty="0"/>
+              <a:t>Carries optional information for destination node</a:t>
+            </a:r>
+          </a:p>
+          <a:p>
+            <a:pPr marL="0" indent="0">
+              <a:lnSpc>
+                <a:spcPct val="150000"/>
+              </a:lnSpc>
+              <a:buNone/>
+            </a:pPr>
+            <a:endParaRPr lang="en-US" altLang="ko-KR" sz="100" dirty="0"/>
+          </a:p>
+          <a:p>
+            <a:pPr lvl="1">
+              <a:lnSpc>
+                <a:spcPct val="150000"/>
+              </a:lnSpc>
+            </a:pPr>
+            <a:endParaRPr lang="en-US" altLang="ko-KR" sz="1600" dirty="0"/>
+          </a:p>
+          <a:p>
+            <a:pPr>
+              <a:lnSpc>
+                <a:spcPct val="150000"/>
+              </a:lnSpc>
+            </a:pPr>
+            <a:endParaRPr lang="en-US" altLang="ko-KR" sz="2000" dirty="0"/>
+          </a:p>
+        </p:txBody>
+      </p:sp>
     </p:spTree>
     <p:extLst>
       <p:ext uri="{BB962C8B-B14F-4D97-AF65-F5344CB8AC3E}">
-        <p14:creationId xmlns:p14="http://schemas.microsoft.com/office/powerpoint/2010/main" val="580920393"/>
+        <p14:creationId xmlns:p14="http://schemas.microsoft.com/office/powerpoint/2010/main" val="1595563862"/>
       </p:ext>
     </p:extLst>
   </p:cSld>
@@ -7093,7 +8342,7 @@
 </p:sld>
 </file>
 
-<file path=ppt/slides/slide5.xml><?xml version="1.0" encoding="utf-8"?>
+<file path=ppt/slides/slide22.xml><?xml version="1.0" encoding="utf-8"?>
 <p:sld xmlns:a="http://schemas.openxmlformats.org/drawingml/2006/main" xmlns:r="http://schemas.openxmlformats.org/officeDocument/2006/relationships" xmlns:p="http://schemas.openxmlformats.org/presentationml/2006/main">
   <p:cSld>
     <p:spTree>
@@ -7140,7 +8389,7 @@
           <a:p>
             <a:r>
               <a:rPr lang="en-US" altLang="ko-KR" sz="4000" b="1" dirty="0"/>
-              <a:t>Connectionless Operation</a:t>
+              <a:t>IPv6 Extension Headers</a:t>
             </a:r>
             <a:endParaRPr lang="ko-KR" altLang="en-US" sz="4000" b="1" dirty="0"/>
           </a:p>
@@ -7200,160 +8449,40 @@
           </a:p>
         </p:txBody>
       </p:sp>
-      <p:sp>
-        <p:nvSpPr>
-          <p:cNvPr id="7" name="내용 개체 틀 2">
-            <a:extLst>
-              <a:ext uri="{FF2B5EF4-FFF2-40B4-BE49-F238E27FC236}">
-                <a16:creationId xmlns:a16="http://schemas.microsoft.com/office/drawing/2014/main" id="{256D84BD-AEA0-00CE-BBC0-D05C86704D00}"/>
-              </a:ext>
-            </a:extLst>
-          </p:cNvPr>
-          <p:cNvSpPr>
-            <a:spLocks noGrp="1"/>
-          </p:cNvSpPr>
-          <p:nvPr>
-            <p:ph idx="1"/>
-          </p:nvPr>
-        </p:nvSpPr>
+      <p:pic>
+        <p:nvPicPr>
+          <p:cNvPr id="8" name="그림 7">
+            <a:extLst>
+              <a:ext uri="{FF2B5EF4-FFF2-40B4-BE49-F238E27FC236}">
+                <a16:creationId xmlns:a16="http://schemas.microsoft.com/office/drawing/2014/main" id="{32857CD1-E0ED-7923-4588-DAE4ECF80997}"/>
+              </a:ext>
+            </a:extLst>
+          </p:cNvPr>
+          <p:cNvPicPr>
+            <a:picLocks noChangeAspect="1"/>
+          </p:cNvPicPr>
+          <p:nvPr/>
+        </p:nvPicPr>
+        <p:blipFill>
+          <a:blip r:embed="rId3"/>
+          <a:stretch>
+            <a:fillRect/>
+          </a:stretch>
+        </p:blipFill>
         <p:spPr>
           <a:xfrm>
-            <a:off x="512472" y="1517119"/>
-            <a:ext cx="10515600" cy="4874537"/>
+            <a:off x="1980625" y="1398384"/>
+            <a:ext cx="8230749" cy="5268060"/>
           </a:xfrm>
+          <a:prstGeom prst="rect">
+            <a:avLst/>
+          </a:prstGeom>
         </p:spPr>
-        <p:txBody>
-          <a:bodyPr>
-            <a:normAutofit/>
-          </a:bodyPr>
-          <a:lstStyle/>
-          <a:p>
-            <a:pPr>
-              <a:lnSpc>
-                <a:spcPct val="150000"/>
-              </a:lnSpc>
-            </a:pPr>
-            <a:r>
-              <a:rPr lang="en-US" altLang="ko-KR" sz="2000" dirty="0"/>
-              <a:t>Internetworking involves connectionless operation at the level of the Internet Protocol</a:t>
-            </a:r>
-          </a:p>
-          <a:p>
-            <a:pPr>
-              <a:lnSpc>
-                <a:spcPct val="150000"/>
-              </a:lnSpc>
-            </a:pPr>
-            <a:r>
-              <a:rPr lang="en-US" altLang="ko-KR" sz="2000" dirty="0"/>
-              <a:t>IP provides a connectionless service</a:t>
-            </a:r>
-          </a:p>
-          <a:p>
-            <a:pPr lvl="1">
-              <a:lnSpc>
-                <a:spcPct val="150000"/>
-              </a:lnSpc>
-            </a:pPr>
-            <a:r>
-              <a:rPr lang="en-US" altLang="ko-KR" sz="1600" dirty="0"/>
-              <a:t>Initially developed for the DARPA Internet project</a:t>
-            </a:r>
-          </a:p>
-          <a:p>
-            <a:pPr lvl="1">
-              <a:lnSpc>
-                <a:spcPct val="150000"/>
-              </a:lnSpc>
-            </a:pPr>
-            <a:r>
-              <a:rPr lang="en-US" altLang="ko-KR" sz="1600" dirty="0"/>
-              <a:t>Protocol is needed to access a particular network</a:t>
-            </a:r>
-          </a:p>
-          <a:p>
-            <a:pPr>
-              <a:lnSpc>
-                <a:spcPct val="150000"/>
-              </a:lnSpc>
-            </a:pPr>
-            <a:r>
-              <a:rPr lang="en-US" altLang="ko-KR" sz="2000" dirty="0"/>
-              <a:t>Connectionless Internet facility</a:t>
-            </a:r>
-          </a:p>
-          <a:p>
-            <a:pPr lvl="1">
-              <a:lnSpc>
-                <a:spcPct val="150000"/>
-              </a:lnSpc>
-            </a:pPr>
-            <a:r>
-              <a:rPr lang="en-US" altLang="ko-KR" sz="1600" dirty="0"/>
-              <a:t>Is flexible</a:t>
-            </a:r>
-          </a:p>
-          <a:p>
-            <a:pPr lvl="1">
-              <a:lnSpc>
-                <a:spcPct val="150000"/>
-              </a:lnSpc>
-            </a:pPr>
-            <a:r>
-              <a:rPr lang="en-US" altLang="ko-KR" sz="1600" dirty="0"/>
-              <a:t>Can be made robust</a:t>
-            </a:r>
-          </a:p>
-          <a:p>
-            <a:pPr lvl="1">
-              <a:lnSpc>
-                <a:spcPct val="150000"/>
-              </a:lnSpc>
-            </a:pPr>
-            <a:r>
-              <a:rPr lang="en-US" altLang="ko-KR" sz="1600" dirty="0"/>
-              <a:t>Does not impose unnecessary overhead</a:t>
-            </a:r>
-          </a:p>
-          <a:p>
-            <a:pPr>
-              <a:lnSpc>
-                <a:spcPct val="150000"/>
-              </a:lnSpc>
-            </a:pPr>
-            <a:endParaRPr lang="en-US" altLang="ko-KR" sz="2000" dirty="0"/>
-          </a:p>
-          <a:p>
-            <a:pPr marL="0" indent="0">
-              <a:lnSpc>
-                <a:spcPct val="150000"/>
-              </a:lnSpc>
-              <a:buNone/>
-            </a:pPr>
-            <a:endParaRPr lang="en-US" altLang="ko-KR" sz="100" dirty="0"/>
-          </a:p>
-          <a:p>
-            <a:pPr lvl="1">
-              <a:lnSpc>
-                <a:spcPct val="150000"/>
-              </a:lnSpc>
-            </a:pPr>
-            <a:endParaRPr lang="en-US" altLang="ko-KR" sz="1600" dirty="0"/>
-          </a:p>
-          <a:p>
-            <a:pPr>
-              <a:lnSpc>
-                <a:spcPct val="150000"/>
-              </a:lnSpc>
-            </a:pPr>
-            <a:endParaRPr lang="en-US" altLang="ko-KR" sz="2000" dirty="0"/>
-          </a:p>
-        </p:txBody>
-      </p:sp>
+      </p:pic>
     </p:spTree>
     <p:extLst>
       <p:ext uri="{BB962C8B-B14F-4D97-AF65-F5344CB8AC3E}">
-        <p14:creationId xmlns:p14="http://schemas.microsoft.com/office/powerpoint/2010/main" val="3630954625"/>
+        <p14:creationId xmlns:p14="http://schemas.microsoft.com/office/powerpoint/2010/main" val="2517202524"/>
       </p:ext>
     </p:extLst>
   </p:cSld>
@@ -7363,7 +8492,7 @@
 </p:sld>
 </file>
 
-<file path=ppt/slides/slide6.xml><?xml version="1.0" encoding="utf-8"?>
+<file path=ppt/slides/slide23.xml><?xml version="1.0" encoding="utf-8"?>
 <p:sld xmlns:a="http://schemas.openxmlformats.org/drawingml/2006/main" xmlns:r="http://schemas.openxmlformats.org/officeDocument/2006/relationships" xmlns:p="http://schemas.openxmlformats.org/presentationml/2006/main">
   <p:cSld>
     <p:spTree>
@@ -7410,7 +8539,7 @@
           <a:p>
             <a:r>
               <a:rPr lang="en-US" altLang="ko-KR" sz="4000" b="1" dirty="0"/>
-              <a:t>IP Operation</a:t>
+              <a:t>Virtual Private Network (VPN)</a:t>
             </a:r>
             <a:endParaRPr lang="ko-KR" altLang="en-US" sz="4000" b="1" dirty="0"/>
           </a:p>
@@ -7470,40 +8599,149 @@
           </a:p>
         </p:txBody>
       </p:sp>
-      <p:pic>
-        <p:nvPicPr>
-          <p:cNvPr id="8" name="그림 7">
-            <a:extLst>
-              <a:ext uri="{FF2B5EF4-FFF2-40B4-BE49-F238E27FC236}">
-                <a16:creationId xmlns:a16="http://schemas.microsoft.com/office/drawing/2014/main" id="{84689C76-C5BE-9F1A-E77C-6949FF508A2E}"/>
-              </a:ext>
-            </a:extLst>
-          </p:cNvPr>
-          <p:cNvPicPr>
-            <a:picLocks noChangeAspect="1"/>
-          </p:cNvPicPr>
-          <p:nvPr/>
-        </p:nvPicPr>
-        <p:blipFill>
-          <a:blip r:embed="rId2"/>
-          <a:stretch>
-            <a:fillRect/>
-          </a:stretch>
-        </p:blipFill>
+      <p:sp>
+        <p:nvSpPr>
+          <p:cNvPr id="7" name="내용 개체 틀 2">
+            <a:extLst>
+              <a:ext uri="{FF2B5EF4-FFF2-40B4-BE49-F238E27FC236}">
+                <a16:creationId xmlns:a16="http://schemas.microsoft.com/office/drawing/2014/main" id="{256D84BD-AEA0-00CE-BBC0-D05C86704D00}"/>
+              </a:ext>
+            </a:extLst>
+          </p:cNvPr>
+          <p:cNvSpPr>
+            <a:spLocks noGrp="1"/>
+          </p:cNvSpPr>
+          <p:nvPr>
+            <p:ph idx="1"/>
+          </p:nvPr>
+        </p:nvSpPr>
         <p:spPr>
           <a:xfrm>
-            <a:off x="4307569" y="448732"/>
-            <a:ext cx="5168941" cy="6217712"/>
+            <a:off x="512472" y="1517119"/>
+            <a:ext cx="10515600" cy="5031165"/>
           </a:xfrm>
-          <a:prstGeom prst="rect">
-            <a:avLst/>
-          </a:prstGeom>
         </p:spPr>
-      </p:pic>
+        <p:txBody>
+          <a:bodyPr>
+            <a:normAutofit/>
+          </a:bodyPr>
+          <a:lstStyle/>
+          <a:p>
+            <a:pPr>
+              <a:lnSpc>
+                <a:spcPct val="150000"/>
+              </a:lnSpc>
+            </a:pPr>
+            <a:r>
+              <a:rPr lang="en-US" altLang="ko-KR" sz="2000" dirty="0"/>
+              <a:t>Set of computers interconnected using an unsecure network, as Internet</a:t>
+            </a:r>
+          </a:p>
+          <a:p>
+            <a:pPr lvl="1">
+              <a:lnSpc>
+                <a:spcPct val="150000"/>
+              </a:lnSpc>
+            </a:pPr>
+            <a:r>
+              <a:rPr lang="en-US" altLang="ko-KR" sz="1600" dirty="0"/>
+              <a:t>But they provide a secure channel between the organizations, much like as a private network</a:t>
+            </a:r>
+          </a:p>
+          <a:p>
+            <a:pPr>
+              <a:lnSpc>
+                <a:spcPct val="150000"/>
+              </a:lnSpc>
+            </a:pPr>
+            <a:r>
+              <a:rPr lang="en-US" altLang="ko-KR" sz="2000" dirty="0"/>
+              <a:t>Using encryption &amp; special protocols to provide security</a:t>
+            </a:r>
+          </a:p>
+          <a:p>
+            <a:pPr lvl="1">
+              <a:lnSpc>
+                <a:spcPct val="150000"/>
+              </a:lnSpc>
+            </a:pPr>
+            <a:r>
+              <a:rPr lang="en-US" altLang="ko-KR" sz="1600" dirty="0"/>
+              <a:t>Eavesdropping (cryptography)</a:t>
+            </a:r>
+          </a:p>
+          <a:p>
+            <a:pPr lvl="1">
+              <a:lnSpc>
+                <a:spcPct val="150000"/>
+              </a:lnSpc>
+            </a:pPr>
+            <a:r>
+              <a:rPr lang="en-US" altLang="ko-KR" sz="1600" dirty="0"/>
+              <a:t>Entry point for unauthorized users (authentication)</a:t>
+            </a:r>
+          </a:p>
+          <a:p>
+            <a:pPr>
+              <a:lnSpc>
+                <a:spcPct val="150000"/>
+              </a:lnSpc>
+            </a:pPr>
+            <a:r>
+              <a:rPr lang="en-US" altLang="ko-KR" sz="2000" dirty="0"/>
+              <a:t>Proprietary solutions are problematical</a:t>
+            </a:r>
+          </a:p>
+          <a:p>
+            <a:pPr lvl="1">
+              <a:lnSpc>
+                <a:spcPct val="150000"/>
+              </a:lnSpc>
+            </a:pPr>
+            <a:r>
+              <a:rPr lang="en-US" altLang="ko-KR" sz="1600" dirty="0"/>
+              <a:t>Hence, develop the </a:t>
+            </a:r>
+            <a:r>
+              <a:rPr lang="en-US" altLang="ko-KR" sz="1600" dirty="0" err="1"/>
+              <a:t>IPSec</a:t>
+            </a:r>
+            <a:r>
+              <a:rPr lang="en-US" altLang="ko-KR" sz="1600" dirty="0"/>
+              <a:t> standard</a:t>
+            </a:r>
+          </a:p>
+          <a:p>
+            <a:pPr marL="0" indent="0">
+              <a:lnSpc>
+                <a:spcPct val="150000"/>
+              </a:lnSpc>
+              <a:buNone/>
+            </a:pPr>
+            <a:endParaRPr lang="en-US" altLang="ko-KR" sz="100" dirty="0"/>
+          </a:p>
+          <a:p>
+            <a:pPr lvl="1">
+              <a:lnSpc>
+                <a:spcPct val="150000"/>
+              </a:lnSpc>
+            </a:pPr>
+            <a:endParaRPr lang="en-US" altLang="ko-KR" sz="1600" dirty="0"/>
+          </a:p>
+          <a:p>
+            <a:pPr>
+              <a:lnSpc>
+                <a:spcPct val="150000"/>
+              </a:lnSpc>
+            </a:pPr>
+            <a:endParaRPr lang="en-US" altLang="ko-KR" sz="2000" dirty="0"/>
+          </a:p>
+        </p:txBody>
+      </p:sp>
     </p:spTree>
     <p:extLst>
       <p:ext uri="{BB962C8B-B14F-4D97-AF65-F5344CB8AC3E}">
-        <p14:creationId xmlns:p14="http://schemas.microsoft.com/office/powerpoint/2010/main" val="1168635711"/>
+        <p14:creationId xmlns:p14="http://schemas.microsoft.com/office/powerpoint/2010/main" val="886824174"/>
       </p:ext>
     </p:extLst>
   </p:cSld>
@@ -7513,7 +8751,7 @@
 </p:sld>
 </file>
 
-<file path=ppt/slides/slide7.xml><?xml version="1.0" encoding="utf-8"?>
+<file path=ppt/slides/slide24.xml><?xml version="1.0" encoding="utf-8"?>
 <p:sld xmlns:a="http://schemas.openxmlformats.org/drawingml/2006/main" xmlns:r="http://schemas.openxmlformats.org/officeDocument/2006/relationships" xmlns:p="http://schemas.openxmlformats.org/presentationml/2006/main">
   <p:cSld>
     <p:spTree>
@@ -7560,7 +8798,7 @@
           <a:p>
             <a:r>
               <a:rPr lang="en-US" altLang="ko-KR" sz="4000" b="1" dirty="0"/>
-              <a:t>IP Design Issues</a:t>
+              <a:t>IPSEC</a:t>
             </a:r>
             <a:endParaRPr lang="ko-KR" altLang="en-US" sz="4000" b="1" dirty="0"/>
           </a:p>
@@ -7639,7 +8877,7 @@
         <p:spPr>
           <a:xfrm>
             <a:off x="512472" y="1517119"/>
-            <a:ext cx="10515600" cy="4874537"/>
+            <a:ext cx="10515600" cy="5031165"/>
           </a:xfrm>
         </p:spPr>
         <p:txBody>
@@ -7655,7 +8893,7 @@
             </a:pPr>
             <a:r>
               <a:rPr lang="en-US" altLang="ko-KR" sz="2000" dirty="0"/>
-              <a:t>Routing</a:t>
+              <a:t>RFC 1636 (1994) identified security need</a:t>
             </a:r>
           </a:p>
           <a:p>
@@ -7666,7 +8904,18 @@
             </a:pPr>
             <a:r>
               <a:rPr lang="en-US" altLang="ko-KR" sz="2000" dirty="0"/>
-              <a:t>Datagram lifetime</a:t>
+              <a:t>Encryption &amp; authentication to be IPv6</a:t>
+            </a:r>
+          </a:p>
+          <a:p>
+            <a:pPr lvl="1">
+              <a:lnSpc>
+                <a:spcPct val="150000"/>
+              </a:lnSpc>
+            </a:pPr>
+            <a:r>
+              <a:rPr lang="en-US" altLang="ko-KR" sz="1600" dirty="0"/>
+              <a:t>But designed also for use with current IPv4</a:t>
             </a:r>
           </a:p>
           <a:p>
@@ -7677,7 +8926,29 @@
             </a:pPr>
             <a:r>
               <a:rPr lang="en-US" altLang="ko-KR" sz="2000" dirty="0"/>
-              <a:t>Fragmentation and reassembly</a:t>
+              <a:t>Applications needing security include:</a:t>
+            </a:r>
+          </a:p>
+          <a:p>
+            <a:pPr lvl="1">
+              <a:lnSpc>
+                <a:spcPct val="150000"/>
+              </a:lnSpc>
+            </a:pPr>
+            <a:r>
+              <a:rPr lang="en-US" altLang="ko-KR" sz="1600" dirty="0"/>
+              <a:t>Branch office connectivity</a:t>
+            </a:r>
+          </a:p>
+          <a:p>
+            <a:pPr lvl="1">
+              <a:lnSpc>
+                <a:spcPct val="150000"/>
+              </a:lnSpc>
+            </a:pPr>
+            <a:r>
+              <a:rPr lang="en-US" altLang="ko-KR" sz="1600" dirty="0"/>
+              <a:t>Electronic commerce security</a:t>
             </a:r>
           </a:p>
           <a:p>
@@ -7688,8 +8959,58 @@
             </a:pPr>
             <a:r>
               <a:rPr lang="en-US" altLang="ko-KR" sz="2000" dirty="0"/>
-              <a:t>Error control</a:t>
-            </a:r>
+              <a:t>Benefits</a:t>
+            </a:r>
+          </a:p>
+          <a:p>
+            <a:pPr lvl="1">
+              <a:lnSpc>
+                <a:spcPct val="150000"/>
+              </a:lnSpc>
+            </a:pPr>
+            <a:r>
+              <a:rPr lang="en-US" altLang="ko-KR" sz="1600" dirty="0"/>
+              <a:t>Provides strong security for external traffic</a:t>
+            </a:r>
+          </a:p>
+          <a:p>
+            <a:pPr lvl="1">
+              <a:lnSpc>
+                <a:spcPct val="150000"/>
+              </a:lnSpc>
+            </a:pPr>
+            <a:r>
+              <a:rPr lang="en-US" altLang="ko-KR" sz="1600" dirty="0"/>
+              <a:t>Resistant to bypass</a:t>
+            </a:r>
+          </a:p>
+          <a:p>
+            <a:pPr lvl="1">
+              <a:lnSpc>
+                <a:spcPct val="150000"/>
+              </a:lnSpc>
+            </a:pPr>
+            <a:r>
+              <a:rPr lang="en-US" altLang="ko-KR" sz="1600" dirty="0"/>
+              <a:t>Can be transparent to applications as well as end users</a:t>
+            </a:r>
+          </a:p>
+          <a:p>
+            <a:pPr marL="0" indent="0">
+              <a:lnSpc>
+                <a:spcPct val="150000"/>
+              </a:lnSpc>
+              <a:buNone/>
+            </a:pPr>
+            <a:endParaRPr lang="en-US" altLang="ko-KR" sz="100" dirty="0"/>
+          </a:p>
+          <a:p>
+            <a:pPr lvl="1">
+              <a:lnSpc>
+                <a:spcPct val="150000"/>
+              </a:lnSpc>
+            </a:pPr>
+            <a:endParaRPr lang="en-US" altLang="ko-KR" sz="1600" dirty="0"/>
           </a:p>
           <a:p>
             <a:pPr>
@@ -7697,81 +9018,14 @@
                 <a:spcPct val="150000"/>
               </a:lnSpc>
             </a:pPr>
-            <a:r>
-              <a:rPr lang="en-US" altLang="ko-KR" sz="2000" dirty="0"/>
-              <a:t>Flow control</a:t>
-            </a:r>
-            <a:endParaRPr lang="en-US" altLang="ko-KR" sz="1600" dirty="0"/>
-          </a:p>
-          <a:p>
-            <a:pPr>
-              <a:lnSpc>
-                <a:spcPct val="150000"/>
-              </a:lnSpc>
-            </a:pPr>
             <a:endParaRPr lang="en-US" altLang="ko-KR" sz="2000" dirty="0"/>
           </a:p>
-          <a:p>
-            <a:pPr marL="0" indent="0">
-              <a:lnSpc>
-                <a:spcPct val="150000"/>
-              </a:lnSpc>
-              <a:buNone/>
-            </a:pPr>
-            <a:endParaRPr lang="en-US" altLang="ko-KR" sz="100" dirty="0"/>
-          </a:p>
-          <a:p>
-            <a:pPr lvl="1">
-              <a:lnSpc>
-                <a:spcPct val="150000"/>
-              </a:lnSpc>
-            </a:pPr>
-            <a:endParaRPr lang="en-US" altLang="ko-KR" sz="1600" dirty="0"/>
-          </a:p>
-          <a:p>
-            <a:pPr>
-              <a:lnSpc>
-                <a:spcPct val="150000"/>
-              </a:lnSpc>
-            </a:pPr>
-            <a:endParaRPr lang="en-US" altLang="ko-KR" sz="2000" dirty="0"/>
-          </a:p>
-        </p:txBody>
-      </p:sp>
-      <p:pic>
-        <p:nvPicPr>
-          <p:cNvPr id="5" name="그림 4">
-            <a:extLst>
-              <a:ext uri="{FF2B5EF4-FFF2-40B4-BE49-F238E27FC236}">
-                <a16:creationId xmlns:a16="http://schemas.microsoft.com/office/drawing/2014/main" id="{69799805-98DE-C7B7-5862-108F9ED5977B}"/>
-              </a:ext>
-            </a:extLst>
-          </p:cNvPr>
-          <p:cNvPicPr>
-            <a:picLocks noChangeAspect="1"/>
-          </p:cNvPicPr>
-          <p:nvPr/>
-        </p:nvPicPr>
-        <p:blipFill>
-          <a:blip r:embed="rId2"/>
-          <a:stretch>
-            <a:fillRect/>
-          </a:stretch>
-        </p:blipFill>
-        <p:spPr>
-          <a:xfrm>
-            <a:off x="5839775" y="333720"/>
-            <a:ext cx="4642920" cy="6190560"/>
-          </a:xfrm>
-          <a:prstGeom prst="rect">
-            <a:avLst/>
-          </a:prstGeom>
-        </p:spPr>
-      </p:pic>
+        </p:txBody>
+      </p:sp>
     </p:spTree>
     <p:extLst>
       <p:ext uri="{BB962C8B-B14F-4D97-AF65-F5344CB8AC3E}">
-        <p14:creationId xmlns:p14="http://schemas.microsoft.com/office/powerpoint/2010/main" val="2241150824"/>
+        <p14:creationId xmlns:p14="http://schemas.microsoft.com/office/powerpoint/2010/main" val="3282758921"/>
       </p:ext>
     </p:extLst>
   </p:cSld>
@@ -7781,7 +9035,7 @@
 </p:sld>
 </file>
 
-<file path=ppt/slides/slide8.xml><?xml version="1.0" encoding="utf-8"?>
+<file path=ppt/slides/slide25.xml><?xml version="1.0" encoding="utf-8"?>
 <p:sld xmlns:a="http://schemas.openxmlformats.org/drawingml/2006/main" xmlns:r="http://schemas.openxmlformats.org/officeDocument/2006/relationships" xmlns:p="http://schemas.openxmlformats.org/presentationml/2006/main">
   <p:cSld>
     <p:spTree>
@@ -7828,7 +9082,7 @@
           <a:p>
             <a:r>
               <a:rPr lang="en-US" altLang="ko-KR" sz="4000" b="1" dirty="0"/>
-              <a:t>Routing</a:t>
+              <a:t>IPSEC Function</a:t>
             </a:r>
             <a:endParaRPr lang="ko-KR" altLang="en-US" sz="4000" b="1" dirty="0"/>
           </a:p>
@@ -7907,7 +9161,7 @@
         <p:spPr>
           <a:xfrm>
             <a:off x="512472" y="1517119"/>
-            <a:ext cx="10515600" cy="4874537"/>
+            <a:ext cx="10515600" cy="5031165"/>
           </a:xfrm>
         </p:spPr>
         <p:txBody>
@@ -7923,7 +9177,7 @@
             </a:pPr>
             <a:r>
               <a:rPr lang="en-US" altLang="ko-KR" sz="2000" dirty="0"/>
-              <a:t>ES/router maintain routing tables</a:t>
+              <a:t>Authentication header</a:t>
             </a:r>
           </a:p>
           <a:p>
@@ -7934,7 +9188,18 @@
             </a:pPr>
             <a:r>
               <a:rPr lang="en-US" altLang="ko-KR" sz="1600" dirty="0"/>
-              <a:t>The table indicate next to which datagram is sent</a:t>
+              <a:t>For authentication only</a:t>
+            </a:r>
+          </a:p>
+          <a:p>
+            <a:pPr>
+              <a:lnSpc>
+                <a:spcPct val="150000"/>
+              </a:lnSpc>
+            </a:pPr>
+            <a:r>
+              <a:rPr lang="en-US" altLang="ko-KR" sz="2000" dirty="0"/>
+              <a:t>Encapsulating Security Payload (ESP)</a:t>
             </a:r>
           </a:p>
           <a:p>
@@ -7945,7 +9210,7 @@
             </a:pPr>
             <a:r>
               <a:rPr lang="en-US" altLang="ko-KR" sz="1600" dirty="0"/>
-              <a:t>It can be static or dynamic</a:t>
+              <a:t>For combined authentication/encryption</a:t>
             </a:r>
           </a:p>
           <a:p>
@@ -7956,7 +9221,7 @@
             </a:pPr>
             <a:r>
               <a:rPr lang="en-US" altLang="ko-KR" sz="2000" dirty="0"/>
-              <a:t>Router decides the next router to which the internet datagram should be sent : see next in detail</a:t>
+              <a:t>A key exchange function</a:t>
             </a:r>
           </a:p>
           <a:p>
@@ -7967,18 +9232,7 @@
             </a:pPr>
             <a:r>
               <a:rPr lang="en-US" altLang="ko-KR" sz="1600" dirty="0"/>
-              <a:t>Source routing : source specifies route to be followed and can be useful for security and priority</a:t>
-            </a:r>
-          </a:p>
-          <a:p>
-            <a:pPr lvl="1">
-              <a:lnSpc>
-                <a:spcPct val="150000"/>
-              </a:lnSpc>
-            </a:pPr>
-            <a:r>
-              <a:rPr lang="en-US" altLang="ko-KR" sz="1600" dirty="0"/>
-              <a:t>Route recording : each router appends its Internet address to a list of addresses in the datagram, useful for testing and debugging</a:t>
+              <a:t>Manual or automated</a:t>
             </a:r>
           </a:p>
           <a:p>
@@ -7987,7 +9241,11 @@
                 <a:spcPct val="150000"/>
               </a:lnSpc>
             </a:pPr>
-            <a:endParaRPr lang="en-US" altLang="ko-KR" sz="2000" dirty="0"/>
+            <a:r>
+              <a:rPr lang="en-US" altLang="ko-KR" sz="2000" dirty="0"/>
+              <a:t>VPNs usually need combined functions</a:t>
+            </a:r>
+            <a:endParaRPr lang="en-US" altLang="ko-KR" sz="1600" dirty="0"/>
           </a:p>
           <a:p>
             <a:pPr marL="0" indent="0">
@@ -8019,7 +9277,7 @@
     </p:spTree>
     <p:extLst>
       <p:ext uri="{BB962C8B-B14F-4D97-AF65-F5344CB8AC3E}">
-        <p14:creationId xmlns:p14="http://schemas.microsoft.com/office/powerpoint/2010/main" val="3539318399"/>
+        <p14:creationId xmlns:p14="http://schemas.microsoft.com/office/powerpoint/2010/main" val="2577404177"/>
       </p:ext>
     </p:extLst>
   </p:cSld>
@@ -8029,7 +9287,7 @@
 </p:sld>
 </file>
 
-<file path=ppt/slides/slide9.xml><?xml version="1.0" encoding="utf-8"?>
+<file path=ppt/slides/slide26.xml><?xml version="1.0" encoding="utf-8"?>
 <p:sld xmlns:a="http://schemas.openxmlformats.org/drawingml/2006/main" xmlns:r="http://schemas.openxmlformats.org/officeDocument/2006/relationships" xmlns:p="http://schemas.openxmlformats.org/presentationml/2006/main">
   <p:cSld>
     <p:spTree>
@@ -8076,7 +9334,7 @@
           <a:p>
             <a:r>
               <a:rPr lang="en-US" altLang="ko-KR" sz="4000" b="1" dirty="0"/>
-              <a:t>Datagram Lifetime</a:t>
+              <a:t>IPSEC Scenario : VPN</a:t>
             </a:r>
             <a:endParaRPr lang="ko-KR" altLang="en-US" sz="4000" b="1" dirty="0"/>
           </a:p>
@@ -8136,6 +9394,156 @@
           </a:p>
         </p:txBody>
       </p:sp>
+      <p:pic>
+        <p:nvPicPr>
+          <p:cNvPr id="8" name="그림 7">
+            <a:extLst>
+              <a:ext uri="{FF2B5EF4-FFF2-40B4-BE49-F238E27FC236}">
+                <a16:creationId xmlns:a16="http://schemas.microsoft.com/office/drawing/2014/main" id="{5D999A96-6905-6E20-6420-485F04767F0D}"/>
+              </a:ext>
+            </a:extLst>
+          </p:cNvPr>
+          <p:cNvPicPr>
+            <a:picLocks noChangeAspect="1"/>
+          </p:cNvPicPr>
+          <p:nvPr/>
+        </p:nvPicPr>
+        <p:blipFill>
+          <a:blip r:embed="rId3"/>
+          <a:stretch>
+            <a:fillRect/>
+          </a:stretch>
+        </p:blipFill>
+        <p:spPr>
+          <a:xfrm>
+            <a:off x="1676369" y="1252728"/>
+            <a:ext cx="8187805" cy="5495544"/>
+          </a:xfrm>
+          <a:prstGeom prst="rect">
+            <a:avLst/>
+          </a:prstGeom>
+        </p:spPr>
+      </p:pic>
+    </p:spTree>
+    <p:extLst>
+      <p:ext uri="{BB962C8B-B14F-4D97-AF65-F5344CB8AC3E}">
+        <p14:creationId xmlns:p14="http://schemas.microsoft.com/office/powerpoint/2010/main" val="1996000977"/>
+      </p:ext>
+    </p:extLst>
+  </p:cSld>
+  <p:clrMapOvr>
+    <a:masterClrMapping/>
+  </p:clrMapOvr>
+</p:sld>
+</file>
+
+<file path=ppt/slides/slide3.xml><?xml version="1.0" encoding="utf-8"?>
+<p:sld xmlns:a="http://schemas.openxmlformats.org/drawingml/2006/main" xmlns:r="http://schemas.openxmlformats.org/officeDocument/2006/relationships" xmlns:p="http://schemas.openxmlformats.org/presentationml/2006/main">
+  <p:cSld>
+    <p:spTree>
+      <p:nvGrpSpPr>
+        <p:cNvPr id="1" name=""/>
+        <p:cNvGrpSpPr/>
+        <p:nvPr/>
+      </p:nvGrpSpPr>
+      <p:grpSpPr>
+        <a:xfrm>
+          <a:off x="0" y="0"/>
+          <a:ext cx="0" cy="0"/>
+          <a:chOff x="0" y="0"/>
+          <a:chExt cx="0" cy="0"/>
+        </a:xfrm>
+      </p:grpSpPr>
+      <p:sp>
+        <p:nvSpPr>
+          <p:cNvPr id="2" name="제목 1">
+            <a:extLst>
+              <a:ext uri="{FF2B5EF4-FFF2-40B4-BE49-F238E27FC236}">
+                <a16:creationId xmlns:a16="http://schemas.microsoft.com/office/drawing/2014/main" id="{97E51B44-8461-7B96-2388-D852A6FF27A0}"/>
+              </a:ext>
+            </a:extLst>
+          </p:cNvPr>
+          <p:cNvSpPr>
+            <a:spLocks noGrp="1"/>
+          </p:cNvSpPr>
+          <p:nvPr>
+            <p:ph type="title"/>
+          </p:nvPr>
+        </p:nvSpPr>
+        <p:spPr>
+          <a:xfrm>
+            <a:off x="512472" y="191556"/>
+            <a:ext cx="10515600" cy="1325563"/>
+          </a:xfrm>
+        </p:spPr>
+        <p:txBody>
+          <a:bodyPr>
+            <a:normAutofit/>
+          </a:bodyPr>
+          <a:lstStyle/>
+          <a:p>
+            <a:r>
+              <a:rPr lang="en-US" altLang="ko-KR" sz="4000" b="1" dirty="0"/>
+              <a:t>Subnets and Subnet Masks</a:t>
+            </a:r>
+            <a:endParaRPr lang="ko-KR" altLang="en-US" sz="4000" b="1" dirty="0"/>
+          </a:p>
+        </p:txBody>
+      </p:sp>
+      <p:sp>
+        <p:nvSpPr>
+          <p:cNvPr id="3" name="직사각형 2">
+            <a:extLst>
+              <a:ext uri="{FF2B5EF4-FFF2-40B4-BE49-F238E27FC236}">
+                <a16:creationId xmlns:a16="http://schemas.microsoft.com/office/drawing/2014/main" id="{C81F88F5-6FF0-189D-1A5B-554E99B98DDF}"/>
+              </a:ext>
+            </a:extLst>
+          </p:cNvPr>
+          <p:cNvSpPr>
+            <a:spLocks noGrp="1" noRot="1" noMove="1" noResize="1" noEditPoints="1" noAdjustHandles="1" noChangeArrowheads="1" noChangeShapeType="1"/>
+          </p:cNvSpPr>
+          <p:nvPr/>
+        </p:nvSpPr>
+        <p:spPr>
+          <a:xfrm>
+            <a:off x="91127" y="804943"/>
+            <a:ext cx="280416" cy="49394"/>
+          </a:xfrm>
+          <a:prstGeom prst="rect">
+            <a:avLst/>
+          </a:prstGeom>
+          <a:solidFill>
+            <a:schemeClr val="accent2"/>
+          </a:solidFill>
+          <a:ln>
+            <a:noFill/>
+          </a:ln>
+        </p:spPr>
+        <p:style>
+          <a:lnRef idx="2">
+            <a:schemeClr val="accent1">
+              <a:shade val="50000"/>
+            </a:schemeClr>
+          </a:lnRef>
+          <a:fillRef idx="1">
+            <a:schemeClr val="accent1"/>
+          </a:fillRef>
+          <a:effectRef idx="0">
+            <a:schemeClr val="accent1"/>
+          </a:effectRef>
+          <a:fontRef idx="minor">
+            <a:schemeClr val="lt1"/>
+          </a:fontRef>
+        </p:style>
+        <p:txBody>
+          <a:bodyPr rtlCol="0" anchor="ctr"/>
+          <a:lstStyle/>
+          <a:p>
+            <a:pPr algn="ctr"/>
+            <a:endParaRPr lang="ko-KR" altLang="en-US"/>
+          </a:p>
+        </p:txBody>
+      </p:sp>
       <p:sp>
         <p:nvSpPr>
           <p:cNvPr id="7" name="내용 개체 틀 2">
@@ -8155,7 +9563,7 @@
         <p:spPr>
           <a:xfrm>
             <a:off x="512472" y="1517119"/>
-            <a:ext cx="10515600" cy="4874537"/>
+            <a:ext cx="10515600" cy="5249441"/>
           </a:xfrm>
         </p:spPr>
         <p:txBody>
@@ -8171,7 +9579,18 @@
             </a:pPr>
             <a:r>
               <a:rPr lang="en-US" altLang="ko-KR" sz="2000" dirty="0"/>
-              <a:t>Datagrams could loop indefinitely, possibly with making use of incorrect routing information</a:t>
+              <a:t>Aims to save the IP addresses by sharing an address with a set of physical networks</a:t>
+            </a:r>
+          </a:p>
+          <a:p>
+            <a:pPr>
+              <a:lnSpc>
+                <a:spcPct val="150000"/>
+              </a:lnSpc>
+            </a:pPr>
+            <a:r>
+              <a:rPr lang="en-US" altLang="ko-KR" sz="2000" dirty="0"/>
+              <a:t>Allows arbitrary complexity within an organization</a:t>
             </a:r>
           </a:p>
           <a:p>
@@ -8182,7 +9601,7 @@
             </a:pPr>
             <a:r>
               <a:rPr lang="en-US" altLang="ko-KR" sz="1600" dirty="0"/>
-              <a:t>Consumes resources</a:t>
+              <a:t>Insulate overall Internet from growth of network numbers and routing complexity</a:t>
             </a:r>
           </a:p>
           <a:p>
@@ -8193,7 +9612,7 @@
             </a:pPr>
             <a:r>
               <a:rPr lang="en-US" altLang="ko-KR" sz="1600" dirty="0"/>
-              <a:t>IP may need upper bound on lifetime of a datagram</a:t>
+              <a:t>Site looks to rest of internet like single network</a:t>
             </a:r>
           </a:p>
           <a:p>
@@ -8204,7 +9623,7 @@
             </a:pPr>
             <a:r>
               <a:rPr lang="en-US" altLang="ko-KR" sz="2000" dirty="0"/>
-              <a:t>IP lifetime</a:t>
+              <a:t>Each LAN assigned subnet number</a:t>
             </a:r>
           </a:p>
           <a:p>
@@ -8215,7 +9634,7 @@
             </a:pPr>
             <a:r>
               <a:rPr lang="en-US" altLang="ko-KR" sz="1600" dirty="0"/>
-              <a:t>Specified in lifetime, so Time to Live (8 bits), TTL in IP header</a:t>
+              <a:t>Host portion of address partitioned into subnet # and host #</a:t>
             </a:r>
           </a:p>
           <a:p>
@@ -8226,30 +9645,43 @@
             </a:pPr>
             <a:r>
               <a:rPr lang="en-US" altLang="ko-KR" sz="1600" dirty="0"/>
-              <a:t>Initially, it is assigned in the sender’s OS, as 64 or 128</a:t>
-            </a:r>
-          </a:p>
-          <a:p>
-            <a:pPr lvl="1">
-              <a:lnSpc>
-                <a:spcPct val="150000"/>
-              </a:lnSpc>
-            </a:pPr>
+              <a:t>Local routers route within </a:t>
+            </a:r>
+            <a:r>
+              <a:rPr lang="en-US" altLang="ko-KR" sz="1600" dirty="0" err="1"/>
+              <a:t>subnetted</a:t>
+            </a:r>
             <a:r>
               <a:rPr lang="en-US" altLang="ko-KR" sz="1600" dirty="0"/>
-              <a:t>Every router that processes a datagram must decreases the TTL by at least one, so the TTL is similar to a hop count</a:t>
-            </a:r>
-          </a:p>
-          <a:p>
-            <a:pPr lvl="1">
-              <a:lnSpc>
-                <a:spcPct val="150000"/>
-              </a:lnSpc>
-            </a:pPr>
-            <a:r>
-              <a:rPr lang="en-US" altLang="ko-KR" sz="1600" dirty="0"/>
-              <a:t>In addition, the router decrease the time, in seconds, that a datagram is stayed in the router</a:t>
-            </a:r>
+              <a:t> network</a:t>
+            </a:r>
+          </a:p>
+          <a:p>
+            <a:pPr>
+              <a:lnSpc>
+                <a:spcPct val="150000"/>
+              </a:lnSpc>
+            </a:pPr>
+            <a:r>
+              <a:rPr lang="en-US" altLang="ko-KR" sz="2000" dirty="0"/>
+              <a:t>Subnet mask indicates which bits are subnet number and which are host number</a:t>
+            </a:r>
+          </a:p>
+          <a:p>
+            <a:pPr>
+              <a:lnSpc>
+                <a:spcPct val="150000"/>
+              </a:lnSpc>
+            </a:pPr>
+            <a:endParaRPr lang="en-US" altLang="ko-KR" sz="1600" dirty="0"/>
+          </a:p>
+          <a:p>
+            <a:pPr>
+              <a:lnSpc>
+                <a:spcPct val="150000"/>
+              </a:lnSpc>
+            </a:pPr>
+            <a:endParaRPr lang="en-US" altLang="ko-KR" sz="1600" dirty="0"/>
           </a:p>
           <a:p>
             <a:pPr>
@@ -8289,7 +9721,1323 @@
     </p:spTree>
     <p:extLst>
       <p:ext uri="{BB962C8B-B14F-4D97-AF65-F5344CB8AC3E}">
-        <p14:creationId xmlns:p14="http://schemas.microsoft.com/office/powerpoint/2010/main" val="379999021"/>
+        <p14:creationId xmlns:p14="http://schemas.microsoft.com/office/powerpoint/2010/main" val="3592794578"/>
+      </p:ext>
+    </p:extLst>
+  </p:cSld>
+  <p:clrMapOvr>
+    <a:masterClrMapping/>
+  </p:clrMapOvr>
+</p:sld>
+</file>
+
+<file path=ppt/slides/slide4.xml><?xml version="1.0" encoding="utf-8"?>
+<p:sld xmlns:a="http://schemas.openxmlformats.org/drawingml/2006/main" xmlns:r="http://schemas.openxmlformats.org/officeDocument/2006/relationships" xmlns:p="http://schemas.openxmlformats.org/presentationml/2006/main">
+  <p:cSld>
+    <p:spTree>
+      <p:nvGrpSpPr>
+        <p:cNvPr id="1" name=""/>
+        <p:cNvGrpSpPr/>
+        <p:nvPr/>
+      </p:nvGrpSpPr>
+      <p:grpSpPr>
+        <a:xfrm>
+          <a:off x="0" y="0"/>
+          <a:ext cx="0" cy="0"/>
+          <a:chOff x="0" y="0"/>
+          <a:chExt cx="0" cy="0"/>
+        </a:xfrm>
+      </p:grpSpPr>
+      <p:sp>
+        <p:nvSpPr>
+          <p:cNvPr id="2" name="제목 1">
+            <a:extLst>
+              <a:ext uri="{FF2B5EF4-FFF2-40B4-BE49-F238E27FC236}">
+                <a16:creationId xmlns:a16="http://schemas.microsoft.com/office/drawing/2014/main" id="{97E51B44-8461-7B96-2388-D852A6FF27A0}"/>
+              </a:ext>
+            </a:extLst>
+          </p:cNvPr>
+          <p:cNvSpPr>
+            <a:spLocks noGrp="1"/>
+          </p:cNvSpPr>
+          <p:nvPr>
+            <p:ph type="title"/>
+          </p:nvPr>
+        </p:nvSpPr>
+        <p:spPr>
+          <a:xfrm>
+            <a:off x="512472" y="191556"/>
+            <a:ext cx="10515600" cy="1325563"/>
+          </a:xfrm>
+        </p:spPr>
+        <p:txBody>
+          <a:bodyPr>
+            <a:normAutofit/>
+          </a:bodyPr>
+          <a:lstStyle/>
+          <a:p>
+            <a:r>
+              <a:rPr lang="en-US" altLang="ko-KR" sz="4000" b="1" dirty="0"/>
+              <a:t>IP Addresses and Subnet Masks</a:t>
+            </a:r>
+            <a:endParaRPr lang="ko-KR" altLang="en-US" sz="4000" b="1" dirty="0"/>
+          </a:p>
+        </p:txBody>
+      </p:sp>
+      <p:sp>
+        <p:nvSpPr>
+          <p:cNvPr id="3" name="직사각형 2">
+            <a:extLst>
+              <a:ext uri="{FF2B5EF4-FFF2-40B4-BE49-F238E27FC236}">
+                <a16:creationId xmlns:a16="http://schemas.microsoft.com/office/drawing/2014/main" id="{C81F88F5-6FF0-189D-1A5B-554E99B98DDF}"/>
+              </a:ext>
+            </a:extLst>
+          </p:cNvPr>
+          <p:cNvSpPr>
+            <a:spLocks noGrp="1" noRot="1" noMove="1" noResize="1" noEditPoints="1" noAdjustHandles="1" noChangeArrowheads="1" noChangeShapeType="1"/>
+          </p:cNvSpPr>
+          <p:nvPr/>
+        </p:nvSpPr>
+        <p:spPr>
+          <a:xfrm>
+            <a:off x="91127" y="804943"/>
+            <a:ext cx="280416" cy="49394"/>
+          </a:xfrm>
+          <a:prstGeom prst="rect">
+            <a:avLst/>
+          </a:prstGeom>
+          <a:solidFill>
+            <a:schemeClr val="accent2"/>
+          </a:solidFill>
+          <a:ln>
+            <a:noFill/>
+          </a:ln>
+        </p:spPr>
+        <p:style>
+          <a:lnRef idx="2">
+            <a:schemeClr val="accent1">
+              <a:shade val="50000"/>
+            </a:schemeClr>
+          </a:lnRef>
+          <a:fillRef idx="1">
+            <a:schemeClr val="accent1"/>
+          </a:fillRef>
+          <a:effectRef idx="0">
+            <a:schemeClr val="accent1"/>
+          </a:effectRef>
+          <a:fontRef idx="minor">
+            <a:schemeClr val="lt1"/>
+          </a:fontRef>
+        </p:style>
+        <p:txBody>
+          <a:bodyPr rtlCol="0" anchor="ctr"/>
+          <a:lstStyle/>
+          <a:p>
+            <a:pPr algn="ctr"/>
+            <a:endParaRPr lang="ko-KR" altLang="en-US"/>
+          </a:p>
+        </p:txBody>
+      </p:sp>
+      <p:pic>
+        <p:nvPicPr>
+          <p:cNvPr id="8" name="그림 7">
+            <a:extLst>
+              <a:ext uri="{FF2B5EF4-FFF2-40B4-BE49-F238E27FC236}">
+                <a16:creationId xmlns:a16="http://schemas.microsoft.com/office/drawing/2014/main" id="{BC4111D0-40DF-AD5A-5093-AB060E3360C5}"/>
+              </a:ext>
+            </a:extLst>
+          </p:cNvPr>
+          <p:cNvPicPr>
+            <a:picLocks noChangeAspect="1"/>
+          </p:cNvPicPr>
+          <p:nvPr/>
+        </p:nvPicPr>
+        <p:blipFill>
+          <a:blip r:embed="rId2"/>
+          <a:stretch>
+            <a:fillRect/>
+          </a:stretch>
+        </p:blipFill>
+        <p:spPr>
+          <a:xfrm>
+            <a:off x="2115630" y="1409569"/>
+            <a:ext cx="7309283" cy="5256875"/>
+          </a:xfrm>
+          <a:prstGeom prst="rect">
+            <a:avLst/>
+          </a:prstGeom>
+        </p:spPr>
+      </p:pic>
+    </p:spTree>
+    <p:extLst>
+      <p:ext uri="{BB962C8B-B14F-4D97-AF65-F5344CB8AC3E}">
+        <p14:creationId xmlns:p14="http://schemas.microsoft.com/office/powerpoint/2010/main" val="2196192032"/>
+      </p:ext>
+    </p:extLst>
+  </p:cSld>
+  <p:clrMapOvr>
+    <a:masterClrMapping/>
+  </p:clrMapOvr>
+</p:sld>
+</file>
+
+<file path=ppt/slides/slide5.xml><?xml version="1.0" encoding="utf-8"?>
+<p:sld xmlns:a="http://schemas.openxmlformats.org/drawingml/2006/main" xmlns:r="http://schemas.openxmlformats.org/officeDocument/2006/relationships" xmlns:p="http://schemas.openxmlformats.org/presentationml/2006/main">
+  <p:cSld>
+    <p:spTree>
+      <p:nvGrpSpPr>
+        <p:cNvPr id="1" name=""/>
+        <p:cNvGrpSpPr/>
+        <p:nvPr/>
+      </p:nvGrpSpPr>
+      <p:grpSpPr>
+        <a:xfrm>
+          <a:off x="0" y="0"/>
+          <a:ext cx="0" cy="0"/>
+          <a:chOff x="0" y="0"/>
+          <a:chExt cx="0" cy="0"/>
+        </a:xfrm>
+      </p:grpSpPr>
+      <p:sp>
+        <p:nvSpPr>
+          <p:cNvPr id="2" name="제목 1">
+            <a:extLst>
+              <a:ext uri="{FF2B5EF4-FFF2-40B4-BE49-F238E27FC236}">
+                <a16:creationId xmlns:a16="http://schemas.microsoft.com/office/drawing/2014/main" id="{97E51B44-8461-7B96-2388-D852A6FF27A0}"/>
+              </a:ext>
+            </a:extLst>
+          </p:cNvPr>
+          <p:cNvSpPr>
+            <a:spLocks noGrp="1"/>
+          </p:cNvSpPr>
+          <p:nvPr>
+            <p:ph type="title"/>
+          </p:nvPr>
+        </p:nvSpPr>
+        <p:spPr>
+          <a:xfrm>
+            <a:off x="512472" y="191556"/>
+            <a:ext cx="10515600" cy="1325563"/>
+          </a:xfrm>
+        </p:spPr>
+        <p:txBody>
+          <a:bodyPr>
+            <a:normAutofit/>
+          </a:bodyPr>
+          <a:lstStyle/>
+          <a:p>
+            <a:r>
+              <a:rPr lang="en-US" altLang="ko-KR" sz="4000" b="1" dirty="0"/>
+              <a:t>An Example : Routing Using Subnets</a:t>
+            </a:r>
+            <a:endParaRPr lang="ko-KR" altLang="en-US" sz="4000" b="1" dirty="0"/>
+          </a:p>
+        </p:txBody>
+      </p:sp>
+      <p:sp>
+        <p:nvSpPr>
+          <p:cNvPr id="3" name="직사각형 2">
+            <a:extLst>
+              <a:ext uri="{FF2B5EF4-FFF2-40B4-BE49-F238E27FC236}">
+                <a16:creationId xmlns:a16="http://schemas.microsoft.com/office/drawing/2014/main" id="{C81F88F5-6FF0-189D-1A5B-554E99B98DDF}"/>
+              </a:ext>
+            </a:extLst>
+          </p:cNvPr>
+          <p:cNvSpPr>
+            <a:spLocks noGrp="1" noRot="1" noMove="1" noResize="1" noEditPoints="1" noAdjustHandles="1" noChangeArrowheads="1" noChangeShapeType="1"/>
+          </p:cNvSpPr>
+          <p:nvPr/>
+        </p:nvSpPr>
+        <p:spPr>
+          <a:xfrm>
+            <a:off x="91127" y="804943"/>
+            <a:ext cx="280416" cy="49394"/>
+          </a:xfrm>
+          <a:prstGeom prst="rect">
+            <a:avLst/>
+          </a:prstGeom>
+          <a:solidFill>
+            <a:schemeClr val="accent2"/>
+          </a:solidFill>
+          <a:ln>
+            <a:noFill/>
+          </a:ln>
+        </p:spPr>
+        <p:style>
+          <a:lnRef idx="2">
+            <a:schemeClr val="accent1">
+              <a:shade val="50000"/>
+            </a:schemeClr>
+          </a:lnRef>
+          <a:fillRef idx="1">
+            <a:schemeClr val="accent1"/>
+          </a:fillRef>
+          <a:effectRef idx="0">
+            <a:schemeClr val="accent1"/>
+          </a:effectRef>
+          <a:fontRef idx="minor">
+            <a:schemeClr val="lt1"/>
+          </a:fontRef>
+        </p:style>
+        <p:txBody>
+          <a:bodyPr rtlCol="0" anchor="ctr"/>
+          <a:lstStyle/>
+          <a:p>
+            <a:pPr algn="ctr"/>
+            <a:endParaRPr lang="ko-KR" altLang="en-US"/>
+          </a:p>
+        </p:txBody>
+      </p:sp>
+      <p:pic>
+        <p:nvPicPr>
+          <p:cNvPr id="5" name="그림 4">
+            <a:extLst>
+              <a:ext uri="{FF2B5EF4-FFF2-40B4-BE49-F238E27FC236}">
+                <a16:creationId xmlns:a16="http://schemas.microsoft.com/office/drawing/2014/main" id="{22760870-41DA-A13F-DE11-F995EA600864}"/>
+              </a:ext>
+            </a:extLst>
+          </p:cNvPr>
+          <p:cNvPicPr>
+            <a:picLocks noChangeAspect="1"/>
+          </p:cNvPicPr>
+          <p:nvPr/>
+        </p:nvPicPr>
+        <p:blipFill>
+          <a:blip r:embed="rId2"/>
+          <a:stretch>
+            <a:fillRect/>
+          </a:stretch>
+        </p:blipFill>
+        <p:spPr>
+          <a:xfrm>
+            <a:off x="2412851" y="1367326"/>
+            <a:ext cx="6714841" cy="5334469"/>
+          </a:xfrm>
+          <a:prstGeom prst="rect">
+            <a:avLst/>
+          </a:prstGeom>
+        </p:spPr>
+      </p:pic>
+    </p:spTree>
+    <p:extLst>
+      <p:ext uri="{BB962C8B-B14F-4D97-AF65-F5344CB8AC3E}">
+        <p14:creationId xmlns:p14="http://schemas.microsoft.com/office/powerpoint/2010/main" val="3585917860"/>
+      </p:ext>
+    </p:extLst>
+  </p:cSld>
+  <p:clrMapOvr>
+    <a:masterClrMapping/>
+  </p:clrMapOvr>
+</p:sld>
+</file>
+
+<file path=ppt/slides/slide6.xml><?xml version="1.0" encoding="utf-8"?>
+<p:sld xmlns:a="http://schemas.openxmlformats.org/drawingml/2006/main" xmlns:r="http://schemas.openxmlformats.org/officeDocument/2006/relationships" xmlns:p="http://schemas.openxmlformats.org/presentationml/2006/main">
+  <p:cSld>
+    <p:spTree>
+      <p:nvGrpSpPr>
+        <p:cNvPr id="1" name=""/>
+        <p:cNvGrpSpPr/>
+        <p:nvPr/>
+      </p:nvGrpSpPr>
+      <p:grpSpPr>
+        <a:xfrm>
+          <a:off x="0" y="0"/>
+          <a:ext cx="0" cy="0"/>
+          <a:chOff x="0" y="0"/>
+          <a:chExt cx="0" cy="0"/>
+        </a:xfrm>
+      </p:grpSpPr>
+      <p:sp>
+        <p:nvSpPr>
+          <p:cNvPr id="2" name="제목 1">
+            <a:extLst>
+              <a:ext uri="{FF2B5EF4-FFF2-40B4-BE49-F238E27FC236}">
+                <a16:creationId xmlns:a16="http://schemas.microsoft.com/office/drawing/2014/main" id="{97E51B44-8461-7B96-2388-D852A6FF27A0}"/>
+              </a:ext>
+            </a:extLst>
+          </p:cNvPr>
+          <p:cNvSpPr>
+            <a:spLocks noGrp="1"/>
+          </p:cNvSpPr>
+          <p:nvPr>
+            <p:ph type="title"/>
+          </p:nvPr>
+        </p:nvSpPr>
+        <p:spPr>
+          <a:xfrm>
+            <a:off x="512472" y="191556"/>
+            <a:ext cx="10515600" cy="1325563"/>
+          </a:xfrm>
+        </p:spPr>
+        <p:txBody>
+          <a:bodyPr>
+            <a:normAutofit/>
+          </a:bodyPr>
+          <a:lstStyle/>
+          <a:p>
+            <a:r>
+              <a:rPr lang="en-US" altLang="ko-KR" sz="4000" b="1" dirty="0"/>
+              <a:t>Mapping IP Addresses to the DL</a:t>
+            </a:r>
+            <a:endParaRPr lang="ko-KR" altLang="en-US" sz="4000" b="1" dirty="0"/>
+          </a:p>
+        </p:txBody>
+      </p:sp>
+      <p:sp>
+        <p:nvSpPr>
+          <p:cNvPr id="3" name="직사각형 2">
+            <a:extLst>
+              <a:ext uri="{FF2B5EF4-FFF2-40B4-BE49-F238E27FC236}">
+                <a16:creationId xmlns:a16="http://schemas.microsoft.com/office/drawing/2014/main" id="{C81F88F5-6FF0-189D-1A5B-554E99B98DDF}"/>
+              </a:ext>
+            </a:extLst>
+          </p:cNvPr>
+          <p:cNvSpPr>
+            <a:spLocks noGrp="1" noRot="1" noMove="1" noResize="1" noEditPoints="1" noAdjustHandles="1" noChangeArrowheads="1" noChangeShapeType="1"/>
+          </p:cNvSpPr>
+          <p:nvPr/>
+        </p:nvSpPr>
+        <p:spPr>
+          <a:xfrm>
+            <a:off x="91127" y="804943"/>
+            <a:ext cx="280416" cy="49394"/>
+          </a:xfrm>
+          <a:prstGeom prst="rect">
+            <a:avLst/>
+          </a:prstGeom>
+          <a:solidFill>
+            <a:schemeClr val="accent2"/>
+          </a:solidFill>
+          <a:ln>
+            <a:noFill/>
+          </a:ln>
+        </p:spPr>
+        <p:style>
+          <a:lnRef idx="2">
+            <a:schemeClr val="accent1">
+              <a:shade val="50000"/>
+            </a:schemeClr>
+          </a:lnRef>
+          <a:fillRef idx="1">
+            <a:schemeClr val="accent1"/>
+          </a:fillRef>
+          <a:effectRef idx="0">
+            <a:schemeClr val="accent1"/>
+          </a:effectRef>
+          <a:fontRef idx="minor">
+            <a:schemeClr val="lt1"/>
+          </a:fontRef>
+        </p:style>
+        <p:txBody>
+          <a:bodyPr rtlCol="0" anchor="ctr"/>
+          <a:lstStyle/>
+          <a:p>
+            <a:pPr algn="ctr"/>
+            <a:endParaRPr lang="ko-KR" altLang="en-US"/>
+          </a:p>
+        </p:txBody>
+      </p:sp>
+      <p:sp>
+        <p:nvSpPr>
+          <p:cNvPr id="7" name="내용 개체 틀 2">
+            <a:extLst>
+              <a:ext uri="{FF2B5EF4-FFF2-40B4-BE49-F238E27FC236}">
+                <a16:creationId xmlns:a16="http://schemas.microsoft.com/office/drawing/2014/main" id="{256D84BD-AEA0-00CE-BBC0-D05C86704D00}"/>
+              </a:ext>
+            </a:extLst>
+          </p:cNvPr>
+          <p:cNvSpPr>
+            <a:spLocks noGrp="1"/>
+          </p:cNvSpPr>
+          <p:nvPr>
+            <p:ph idx="1"/>
+          </p:nvPr>
+        </p:nvSpPr>
+        <p:spPr>
+          <a:xfrm>
+            <a:off x="512472" y="1517119"/>
+            <a:ext cx="10515600" cy="5249441"/>
+          </a:xfrm>
+        </p:spPr>
+        <p:txBody>
+          <a:bodyPr>
+            <a:normAutofit/>
+          </a:bodyPr>
+          <a:lstStyle/>
+          <a:p>
+            <a:pPr>
+              <a:lnSpc>
+                <a:spcPct val="150000"/>
+              </a:lnSpc>
+            </a:pPr>
+            <a:r>
+              <a:rPr lang="en-US" altLang="ko-KR" sz="2000" dirty="0"/>
+              <a:t>Consider an Ethernet(IEEE802.3) LAN running IP</a:t>
+            </a:r>
+          </a:p>
+          <a:p>
+            <a:pPr lvl="1">
+              <a:lnSpc>
+                <a:spcPct val="150000"/>
+              </a:lnSpc>
+            </a:pPr>
+            <a:r>
+              <a:rPr lang="en-US" altLang="ko-KR" sz="1600" dirty="0"/>
+              <a:t>Recall data link layer has it’s own 48-bit addresses</a:t>
+            </a:r>
+          </a:p>
+          <a:p>
+            <a:pPr lvl="1">
+              <a:lnSpc>
+                <a:spcPct val="150000"/>
+              </a:lnSpc>
+            </a:pPr>
+            <a:r>
+              <a:rPr lang="en-US" altLang="ko-KR" sz="1600" dirty="0"/>
+              <a:t>Network layer provide it’s own 32-bit IP address space</a:t>
+            </a:r>
+          </a:p>
+          <a:p>
+            <a:pPr lvl="1">
+              <a:lnSpc>
+                <a:spcPct val="150000"/>
+              </a:lnSpc>
+            </a:pPr>
+            <a:r>
+              <a:rPr lang="en-US" altLang="ko-KR" sz="1600" dirty="0"/>
+              <a:t>Data link layer knows nothing about IP addresses</a:t>
+            </a:r>
+          </a:p>
+          <a:p>
+            <a:pPr>
+              <a:lnSpc>
+                <a:spcPct val="150000"/>
+              </a:lnSpc>
+            </a:pPr>
+            <a:r>
+              <a:rPr lang="en-US" altLang="ko-KR" sz="2000" dirty="0"/>
+              <a:t>How do these two sets of addresses get mapped?</a:t>
+            </a:r>
+          </a:p>
+          <a:p>
+            <a:pPr lvl="1">
+              <a:lnSpc>
+                <a:spcPct val="150000"/>
+              </a:lnSpc>
+            </a:pPr>
+            <a:r>
+              <a:rPr lang="en-US" altLang="ko-KR" sz="1600" dirty="0"/>
+              <a:t>ARP(Address Resolution Protocol, RFC 826) build a query message and broadcast it</a:t>
+            </a:r>
+          </a:p>
+          <a:p>
+            <a:pPr lvl="1">
+              <a:lnSpc>
+                <a:spcPct val="150000"/>
+              </a:lnSpc>
+            </a:pPr>
+            <a:r>
+              <a:rPr lang="en-US" altLang="ko-KR" sz="1600" dirty="0"/>
+              <a:t>All hosts in the network receive it and one says “that’s me!”</a:t>
+            </a:r>
+          </a:p>
+          <a:p>
+            <a:pPr>
+              <a:lnSpc>
+                <a:spcPct val="150000"/>
+              </a:lnSpc>
+            </a:pPr>
+            <a:endParaRPr lang="en-US" altLang="ko-KR" sz="1600" dirty="0"/>
+          </a:p>
+          <a:p>
+            <a:pPr>
+              <a:lnSpc>
+                <a:spcPct val="150000"/>
+              </a:lnSpc>
+            </a:pPr>
+            <a:endParaRPr lang="en-US" altLang="ko-KR" sz="1600" dirty="0"/>
+          </a:p>
+          <a:p>
+            <a:pPr>
+              <a:lnSpc>
+                <a:spcPct val="150000"/>
+              </a:lnSpc>
+            </a:pPr>
+            <a:endParaRPr lang="en-US" altLang="ko-KR" sz="2000" dirty="0"/>
+          </a:p>
+          <a:p>
+            <a:pPr marL="0" indent="0">
+              <a:lnSpc>
+                <a:spcPct val="150000"/>
+              </a:lnSpc>
+              <a:buNone/>
+            </a:pPr>
+            <a:endParaRPr lang="en-US" altLang="ko-KR" sz="100" dirty="0"/>
+          </a:p>
+          <a:p>
+            <a:pPr lvl="1">
+              <a:lnSpc>
+                <a:spcPct val="150000"/>
+              </a:lnSpc>
+            </a:pPr>
+            <a:endParaRPr lang="en-US" altLang="ko-KR" sz="1600" dirty="0"/>
+          </a:p>
+          <a:p>
+            <a:pPr>
+              <a:lnSpc>
+                <a:spcPct val="150000"/>
+              </a:lnSpc>
+            </a:pPr>
+            <a:endParaRPr lang="en-US" altLang="ko-KR" sz="2000" dirty="0"/>
+          </a:p>
+        </p:txBody>
+      </p:sp>
+      <p:pic>
+        <p:nvPicPr>
+          <p:cNvPr id="5" name="그림 4">
+            <a:extLst>
+              <a:ext uri="{FF2B5EF4-FFF2-40B4-BE49-F238E27FC236}">
+                <a16:creationId xmlns:a16="http://schemas.microsoft.com/office/drawing/2014/main" id="{08435979-21F2-70E4-84D1-1DCC12BDF5CA}"/>
+              </a:ext>
+            </a:extLst>
+          </p:cNvPr>
+          <p:cNvPicPr>
+            <a:picLocks noChangeAspect="1"/>
+          </p:cNvPicPr>
+          <p:nvPr/>
+        </p:nvPicPr>
+        <p:blipFill>
+          <a:blip r:embed="rId2"/>
+          <a:stretch>
+            <a:fillRect/>
+          </a:stretch>
+        </p:blipFill>
+        <p:spPr>
+          <a:xfrm>
+            <a:off x="1531573" y="5064504"/>
+            <a:ext cx="5617662" cy="1601940"/>
+          </a:xfrm>
+          <a:prstGeom prst="rect">
+            <a:avLst/>
+          </a:prstGeom>
+        </p:spPr>
+      </p:pic>
+    </p:spTree>
+    <p:extLst>
+      <p:ext uri="{BB962C8B-B14F-4D97-AF65-F5344CB8AC3E}">
+        <p14:creationId xmlns:p14="http://schemas.microsoft.com/office/powerpoint/2010/main" val="3540162158"/>
+      </p:ext>
+    </p:extLst>
+  </p:cSld>
+  <p:clrMapOvr>
+    <a:masterClrMapping/>
+  </p:clrMapOvr>
+</p:sld>
+</file>
+
+<file path=ppt/slides/slide7.xml><?xml version="1.0" encoding="utf-8"?>
+<p:sld xmlns:a="http://schemas.openxmlformats.org/drawingml/2006/main" xmlns:r="http://schemas.openxmlformats.org/officeDocument/2006/relationships" xmlns:p="http://schemas.openxmlformats.org/presentationml/2006/main">
+  <p:cSld>
+    <p:spTree>
+      <p:nvGrpSpPr>
+        <p:cNvPr id="1" name=""/>
+        <p:cNvGrpSpPr/>
+        <p:nvPr/>
+      </p:nvGrpSpPr>
+      <p:grpSpPr>
+        <a:xfrm>
+          <a:off x="0" y="0"/>
+          <a:ext cx="0" cy="0"/>
+          <a:chOff x="0" y="0"/>
+          <a:chExt cx="0" cy="0"/>
+        </a:xfrm>
+      </p:grpSpPr>
+      <p:sp>
+        <p:nvSpPr>
+          <p:cNvPr id="2" name="제목 1">
+            <a:extLst>
+              <a:ext uri="{FF2B5EF4-FFF2-40B4-BE49-F238E27FC236}">
+                <a16:creationId xmlns:a16="http://schemas.microsoft.com/office/drawing/2014/main" id="{97E51B44-8461-7B96-2388-D852A6FF27A0}"/>
+              </a:ext>
+            </a:extLst>
+          </p:cNvPr>
+          <p:cNvSpPr>
+            <a:spLocks noGrp="1"/>
+          </p:cNvSpPr>
+          <p:nvPr>
+            <p:ph type="title"/>
+          </p:nvPr>
+        </p:nvSpPr>
+        <p:spPr>
+          <a:xfrm>
+            <a:off x="512472" y="191556"/>
+            <a:ext cx="10515600" cy="1325563"/>
+          </a:xfrm>
+        </p:spPr>
+        <p:txBody>
+          <a:bodyPr>
+            <a:normAutofit/>
+          </a:bodyPr>
+          <a:lstStyle/>
+          <a:p>
+            <a:r>
+              <a:rPr lang="en-US" altLang="ko-KR" sz="4000" b="1" dirty="0"/>
+              <a:t>Address Resolution Protocol (ARP)</a:t>
+            </a:r>
+            <a:endParaRPr lang="ko-KR" altLang="en-US" sz="4000" b="1" dirty="0"/>
+          </a:p>
+        </p:txBody>
+      </p:sp>
+      <p:sp>
+        <p:nvSpPr>
+          <p:cNvPr id="3" name="직사각형 2">
+            <a:extLst>
+              <a:ext uri="{FF2B5EF4-FFF2-40B4-BE49-F238E27FC236}">
+                <a16:creationId xmlns:a16="http://schemas.microsoft.com/office/drawing/2014/main" id="{C81F88F5-6FF0-189D-1A5B-554E99B98DDF}"/>
+              </a:ext>
+            </a:extLst>
+          </p:cNvPr>
+          <p:cNvSpPr>
+            <a:spLocks noGrp="1" noRot="1" noMove="1" noResize="1" noEditPoints="1" noAdjustHandles="1" noChangeArrowheads="1" noChangeShapeType="1"/>
+          </p:cNvSpPr>
+          <p:nvPr/>
+        </p:nvSpPr>
+        <p:spPr>
+          <a:xfrm>
+            <a:off x="91127" y="804943"/>
+            <a:ext cx="280416" cy="49394"/>
+          </a:xfrm>
+          <a:prstGeom prst="rect">
+            <a:avLst/>
+          </a:prstGeom>
+          <a:solidFill>
+            <a:schemeClr val="accent2"/>
+          </a:solidFill>
+          <a:ln>
+            <a:noFill/>
+          </a:ln>
+        </p:spPr>
+        <p:style>
+          <a:lnRef idx="2">
+            <a:schemeClr val="accent1">
+              <a:shade val="50000"/>
+            </a:schemeClr>
+          </a:lnRef>
+          <a:fillRef idx="1">
+            <a:schemeClr val="accent1"/>
+          </a:fillRef>
+          <a:effectRef idx="0">
+            <a:schemeClr val="accent1"/>
+          </a:effectRef>
+          <a:fontRef idx="minor">
+            <a:schemeClr val="lt1"/>
+          </a:fontRef>
+        </p:style>
+        <p:txBody>
+          <a:bodyPr rtlCol="0" anchor="ctr"/>
+          <a:lstStyle/>
+          <a:p>
+            <a:pPr algn="ctr"/>
+            <a:endParaRPr lang="ko-KR" altLang="en-US"/>
+          </a:p>
+        </p:txBody>
+      </p:sp>
+      <p:sp>
+        <p:nvSpPr>
+          <p:cNvPr id="7" name="내용 개체 틀 2">
+            <a:extLst>
+              <a:ext uri="{FF2B5EF4-FFF2-40B4-BE49-F238E27FC236}">
+                <a16:creationId xmlns:a16="http://schemas.microsoft.com/office/drawing/2014/main" id="{256D84BD-AEA0-00CE-BBC0-D05C86704D00}"/>
+              </a:ext>
+            </a:extLst>
+          </p:cNvPr>
+          <p:cNvSpPr>
+            <a:spLocks noGrp="1"/>
+          </p:cNvSpPr>
+          <p:nvPr>
+            <p:ph idx="1"/>
+          </p:nvPr>
+        </p:nvSpPr>
+        <p:spPr>
+          <a:xfrm>
+            <a:off x="512472" y="1517119"/>
+            <a:ext cx="10515600" cy="5249441"/>
+          </a:xfrm>
+        </p:spPr>
+        <p:txBody>
+          <a:bodyPr>
+            <a:normAutofit/>
+          </a:bodyPr>
+          <a:lstStyle/>
+          <a:p>
+            <a:pPr>
+              <a:lnSpc>
+                <a:spcPct val="150000"/>
+              </a:lnSpc>
+            </a:pPr>
+            <a:r>
+              <a:rPr lang="en-US" altLang="ko-KR" sz="2000" dirty="0"/>
+              <a:t>ARP is a part of the physical network system</a:t>
+            </a:r>
+          </a:p>
+          <a:p>
+            <a:pPr lvl="1">
+              <a:lnSpc>
+                <a:spcPct val="150000"/>
+              </a:lnSpc>
+            </a:pPr>
+            <a:r>
+              <a:rPr lang="en-US" altLang="ko-KR" sz="1600" dirty="0"/>
+              <a:t>But it is not a part of the IP</a:t>
+            </a:r>
+          </a:p>
+          <a:p>
+            <a:pPr>
+              <a:lnSpc>
+                <a:spcPct val="150000"/>
+              </a:lnSpc>
+            </a:pPr>
+            <a:r>
+              <a:rPr lang="en-US" altLang="ko-KR" sz="2000" dirty="0"/>
+              <a:t>ARP is a low-level protocol that hides the underlying network physical addressing</a:t>
+            </a:r>
+          </a:p>
+          <a:p>
+            <a:pPr lvl="1">
+              <a:lnSpc>
+                <a:spcPct val="150000"/>
+              </a:lnSpc>
+            </a:pPr>
+            <a:r>
+              <a:rPr lang="en-US" altLang="ko-KR" sz="1600" dirty="0"/>
+              <a:t>And permits a machine to assign an arbitrary IP address</a:t>
+            </a:r>
+          </a:p>
+          <a:p>
+            <a:pPr>
+              <a:lnSpc>
+                <a:spcPct val="150000"/>
+              </a:lnSpc>
+            </a:pPr>
+            <a:r>
+              <a:rPr lang="en-US" altLang="ko-KR" sz="2000" dirty="0"/>
+              <a:t>Now, the broadcasting is too expensive, how can it be solved?</a:t>
+            </a:r>
+          </a:p>
+          <a:p>
+            <a:pPr lvl="1">
+              <a:lnSpc>
+                <a:spcPct val="150000"/>
+              </a:lnSpc>
+            </a:pPr>
+            <a:r>
+              <a:rPr lang="en-US" altLang="ko-KR" sz="1600" dirty="0"/>
+              <a:t>When a host receives an ARP reply, it saves the sender’s IP address and its physical address in its cache for successive lookups</a:t>
+            </a:r>
+          </a:p>
+          <a:p>
+            <a:pPr>
+              <a:lnSpc>
+                <a:spcPct val="150000"/>
+              </a:lnSpc>
+            </a:pPr>
+            <a:r>
+              <a:rPr lang="en-US" altLang="ko-KR" sz="2000" dirty="0"/>
+              <a:t>Is it be possible more refinement?</a:t>
+            </a:r>
+          </a:p>
+          <a:p>
+            <a:pPr lvl="1">
+              <a:lnSpc>
+                <a:spcPct val="150000"/>
+              </a:lnSpc>
+            </a:pPr>
+            <a:r>
+              <a:rPr lang="en-US" altLang="ko-KR" sz="1600" dirty="0"/>
+              <a:t>The sender’s IP-to-physical address binding is included in every ARP broadcast; receivers update the binding in their cache</a:t>
+            </a:r>
+          </a:p>
+          <a:p>
+            <a:pPr>
+              <a:lnSpc>
+                <a:spcPct val="150000"/>
+              </a:lnSpc>
+            </a:pPr>
+            <a:endParaRPr lang="en-US" altLang="ko-KR" sz="1600" dirty="0"/>
+          </a:p>
+          <a:p>
+            <a:pPr>
+              <a:lnSpc>
+                <a:spcPct val="150000"/>
+              </a:lnSpc>
+            </a:pPr>
+            <a:endParaRPr lang="en-US" altLang="ko-KR" sz="1600" dirty="0"/>
+          </a:p>
+          <a:p>
+            <a:pPr>
+              <a:lnSpc>
+                <a:spcPct val="150000"/>
+              </a:lnSpc>
+            </a:pPr>
+            <a:endParaRPr lang="en-US" altLang="ko-KR" sz="2000" dirty="0"/>
+          </a:p>
+          <a:p>
+            <a:pPr marL="0" indent="0">
+              <a:lnSpc>
+                <a:spcPct val="150000"/>
+              </a:lnSpc>
+              <a:buNone/>
+            </a:pPr>
+            <a:endParaRPr lang="en-US" altLang="ko-KR" sz="100" dirty="0"/>
+          </a:p>
+          <a:p>
+            <a:pPr lvl="1">
+              <a:lnSpc>
+                <a:spcPct val="150000"/>
+              </a:lnSpc>
+            </a:pPr>
+            <a:endParaRPr lang="en-US" altLang="ko-KR" sz="1600" dirty="0"/>
+          </a:p>
+          <a:p>
+            <a:pPr>
+              <a:lnSpc>
+                <a:spcPct val="150000"/>
+              </a:lnSpc>
+            </a:pPr>
+            <a:endParaRPr lang="en-US" altLang="ko-KR" sz="2000" dirty="0"/>
+          </a:p>
+        </p:txBody>
+      </p:sp>
+    </p:spTree>
+    <p:extLst>
+      <p:ext uri="{BB962C8B-B14F-4D97-AF65-F5344CB8AC3E}">
+        <p14:creationId xmlns:p14="http://schemas.microsoft.com/office/powerpoint/2010/main" val="1307730583"/>
+      </p:ext>
+    </p:extLst>
+  </p:cSld>
+  <p:clrMapOvr>
+    <a:masterClrMapping/>
+  </p:clrMapOvr>
+</p:sld>
+</file>
+
+<file path=ppt/slides/slide8.xml><?xml version="1.0" encoding="utf-8"?>
+<p:sld xmlns:a="http://schemas.openxmlformats.org/drawingml/2006/main" xmlns:r="http://schemas.openxmlformats.org/officeDocument/2006/relationships" xmlns:p="http://schemas.openxmlformats.org/presentationml/2006/main">
+  <p:cSld>
+    <p:spTree>
+      <p:nvGrpSpPr>
+        <p:cNvPr id="1" name=""/>
+        <p:cNvGrpSpPr/>
+        <p:nvPr/>
+      </p:nvGrpSpPr>
+      <p:grpSpPr>
+        <a:xfrm>
+          <a:off x="0" y="0"/>
+          <a:ext cx="0" cy="0"/>
+          <a:chOff x="0" y="0"/>
+          <a:chExt cx="0" cy="0"/>
+        </a:xfrm>
+      </p:grpSpPr>
+      <p:sp>
+        <p:nvSpPr>
+          <p:cNvPr id="2" name="제목 1">
+            <a:extLst>
+              <a:ext uri="{FF2B5EF4-FFF2-40B4-BE49-F238E27FC236}">
+                <a16:creationId xmlns:a16="http://schemas.microsoft.com/office/drawing/2014/main" id="{97E51B44-8461-7B96-2388-D852A6FF27A0}"/>
+              </a:ext>
+            </a:extLst>
+          </p:cNvPr>
+          <p:cNvSpPr>
+            <a:spLocks noGrp="1"/>
+          </p:cNvSpPr>
+          <p:nvPr>
+            <p:ph type="title"/>
+          </p:nvPr>
+        </p:nvSpPr>
+        <p:spPr>
+          <a:xfrm>
+            <a:off x="512472" y="191556"/>
+            <a:ext cx="10515600" cy="1325563"/>
+          </a:xfrm>
+        </p:spPr>
+        <p:txBody>
+          <a:bodyPr>
+            <a:normAutofit/>
+          </a:bodyPr>
+          <a:lstStyle/>
+          <a:p>
+            <a:r>
+              <a:rPr lang="en-US" altLang="ko-KR" sz="4000" b="1" dirty="0"/>
+              <a:t>Table Driven IP Routing</a:t>
+            </a:r>
+            <a:endParaRPr lang="ko-KR" altLang="en-US" sz="4000" b="1" dirty="0"/>
+          </a:p>
+        </p:txBody>
+      </p:sp>
+      <p:sp>
+        <p:nvSpPr>
+          <p:cNvPr id="3" name="직사각형 2">
+            <a:extLst>
+              <a:ext uri="{FF2B5EF4-FFF2-40B4-BE49-F238E27FC236}">
+                <a16:creationId xmlns:a16="http://schemas.microsoft.com/office/drawing/2014/main" id="{C81F88F5-6FF0-189D-1A5B-554E99B98DDF}"/>
+              </a:ext>
+            </a:extLst>
+          </p:cNvPr>
+          <p:cNvSpPr>
+            <a:spLocks noGrp="1" noRot="1" noMove="1" noResize="1" noEditPoints="1" noAdjustHandles="1" noChangeArrowheads="1" noChangeShapeType="1"/>
+          </p:cNvSpPr>
+          <p:nvPr/>
+        </p:nvSpPr>
+        <p:spPr>
+          <a:xfrm>
+            <a:off x="91127" y="804943"/>
+            <a:ext cx="280416" cy="49394"/>
+          </a:xfrm>
+          <a:prstGeom prst="rect">
+            <a:avLst/>
+          </a:prstGeom>
+          <a:solidFill>
+            <a:schemeClr val="accent2"/>
+          </a:solidFill>
+          <a:ln>
+            <a:noFill/>
+          </a:ln>
+        </p:spPr>
+        <p:style>
+          <a:lnRef idx="2">
+            <a:schemeClr val="accent1">
+              <a:shade val="50000"/>
+            </a:schemeClr>
+          </a:lnRef>
+          <a:fillRef idx="1">
+            <a:schemeClr val="accent1"/>
+          </a:fillRef>
+          <a:effectRef idx="0">
+            <a:schemeClr val="accent1"/>
+          </a:effectRef>
+          <a:fontRef idx="minor">
+            <a:schemeClr val="lt1"/>
+          </a:fontRef>
+        </p:style>
+        <p:txBody>
+          <a:bodyPr rtlCol="0" anchor="ctr"/>
+          <a:lstStyle/>
+          <a:p>
+            <a:pPr algn="ctr"/>
+            <a:endParaRPr lang="ko-KR" altLang="en-US"/>
+          </a:p>
+        </p:txBody>
+      </p:sp>
+      <p:sp>
+        <p:nvSpPr>
+          <p:cNvPr id="7" name="내용 개체 틀 2">
+            <a:extLst>
+              <a:ext uri="{FF2B5EF4-FFF2-40B4-BE49-F238E27FC236}">
+                <a16:creationId xmlns:a16="http://schemas.microsoft.com/office/drawing/2014/main" id="{256D84BD-AEA0-00CE-BBC0-D05C86704D00}"/>
+              </a:ext>
+            </a:extLst>
+          </p:cNvPr>
+          <p:cNvSpPr>
+            <a:spLocks noGrp="1"/>
+          </p:cNvSpPr>
+          <p:nvPr>
+            <p:ph idx="1"/>
+          </p:nvPr>
+        </p:nvSpPr>
+        <p:spPr>
+          <a:xfrm>
+            <a:off x="512472" y="1517119"/>
+            <a:ext cx="10515600" cy="5249441"/>
+          </a:xfrm>
+        </p:spPr>
+        <p:txBody>
+          <a:bodyPr>
+            <a:normAutofit/>
+          </a:bodyPr>
+          <a:lstStyle/>
+          <a:p>
+            <a:pPr>
+              <a:lnSpc>
+                <a:spcPct val="150000"/>
+              </a:lnSpc>
+            </a:pPr>
+            <a:r>
+              <a:rPr lang="en-US" altLang="ko-KR" sz="2000" dirty="0"/>
+              <a:t>IP routing employs an routing table on host and router</a:t>
+            </a:r>
+          </a:p>
+          <a:p>
+            <a:pPr lvl="1">
+              <a:lnSpc>
+                <a:spcPct val="150000"/>
+              </a:lnSpc>
+            </a:pPr>
+            <a:r>
+              <a:rPr lang="en-US" altLang="ko-KR" sz="1600" dirty="0"/>
+              <a:t>The routing table contains information about the possible destinations and how to reach them</a:t>
+            </a:r>
+          </a:p>
+          <a:p>
+            <a:pPr lvl="1">
+              <a:lnSpc>
+                <a:spcPct val="150000"/>
+              </a:lnSpc>
+            </a:pPr>
+            <a:r>
+              <a:rPr lang="en-US" altLang="ko-KR" sz="1600" dirty="0"/>
+              <a:t>IP consults the table to decide where to send the datagram</a:t>
+            </a:r>
+          </a:p>
+          <a:p>
+            <a:pPr>
+              <a:lnSpc>
+                <a:spcPct val="150000"/>
+              </a:lnSpc>
+            </a:pPr>
+            <a:r>
+              <a:rPr lang="en-US" altLang="ko-KR" sz="2000" dirty="0"/>
+              <a:t>Then, what information should be kept in routing tables?</a:t>
+            </a:r>
+          </a:p>
+          <a:p>
+            <a:pPr lvl="1">
+              <a:lnSpc>
+                <a:spcPct val="150000"/>
+              </a:lnSpc>
+            </a:pPr>
+            <a:r>
+              <a:rPr lang="en-US" altLang="ko-KR" sz="1600" dirty="0"/>
+              <a:t>Minimal information principle : keep network prefix only</a:t>
+            </a:r>
+          </a:p>
+          <a:p>
+            <a:pPr lvl="1">
+              <a:lnSpc>
+                <a:spcPct val="150000"/>
+              </a:lnSpc>
+            </a:pPr>
+            <a:r>
+              <a:rPr lang="en-US" altLang="ko-KR" sz="1600" dirty="0"/>
+              <a:t>Information hiding principle : specifies one step along the path from the router to a destination</a:t>
+            </a:r>
+          </a:p>
+          <a:p>
+            <a:pPr lvl="1">
+              <a:lnSpc>
+                <a:spcPct val="150000"/>
+              </a:lnSpc>
+            </a:pPr>
+            <a:r>
+              <a:rPr lang="en-US" altLang="ko-KR" sz="1600" dirty="0"/>
+              <a:t>Default routing : if no route appears in the table, the routing routines send the datagram to a default router</a:t>
+            </a:r>
+          </a:p>
+          <a:p>
+            <a:pPr>
+              <a:lnSpc>
+                <a:spcPct val="150000"/>
+              </a:lnSpc>
+            </a:pPr>
+            <a:endParaRPr lang="en-US" altLang="ko-KR" sz="1600" dirty="0"/>
+          </a:p>
+          <a:p>
+            <a:pPr>
+              <a:lnSpc>
+                <a:spcPct val="150000"/>
+              </a:lnSpc>
+            </a:pPr>
+            <a:endParaRPr lang="en-US" altLang="ko-KR" sz="1600" dirty="0"/>
+          </a:p>
+          <a:p>
+            <a:pPr>
+              <a:lnSpc>
+                <a:spcPct val="150000"/>
+              </a:lnSpc>
+            </a:pPr>
+            <a:endParaRPr lang="en-US" altLang="ko-KR" sz="2000" dirty="0"/>
+          </a:p>
+          <a:p>
+            <a:pPr marL="0" indent="0">
+              <a:lnSpc>
+                <a:spcPct val="150000"/>
+              </a:lnSpc>
+              <a:buNone/>
+            </a:pPr>
+            <a:endParaRPr lang="en-US" altLang="ko-KR" sz="100" dirty="0"/>
+          </a:p>
+          <a:p>
+            <a:pPr lvl="1">
+              <a:lnSpc>
+                <a:spcPct val="150000"/>
+              </a:lnSpc>
+            </a:pPr>
+            <a:endParaRPr lang="en-US" altLang="ko-KR" sz="1600" dirty="0"/>
+          </a:p>
+          <a:p>
+            <a:pPr>
+              <a:lnSpc>
+                <a:spcPct val="150000"/>
+              </a:lnSpc>
+            </a:pPr>
+            <a:endParaRPr lang="en-US" altLang="ko-KR" sz="2000" dirty="0"/>
+          </a:p>
+        </p:txBody>
+      </p:sp>
+    </p:spTree>
+    <p:extLst>
+      <p:ext uri="{BB962C8B-B14F-4D97-AF65-F5344CB8AC3E}">
+        <p14:creationId xmlns:p14="http://schemas.microsoft.com/office/powerpoint/2010/main" val="152597293"/>
+      </p:ext>
+    </p:extLst>
+  </p:cSld>
+  <p:clrMapOvr>
+    <a:masterClrMapping/>
+  </p:clrMapOvr>
+</p:sld>
+</file>
+
+<file path=ppt/slides/slide9.xml><?xml version="1.0" encoding="utf-8"?>
+<p:sld xmlns:a="http://schemas.openxmlformats.org/drawingml/2006/main" xmlns:r="http://schemas.openxmlformats.org/officeDocument/2006/relationships" xmlns:p="http://schemas.openxmlformats.org/presentationml/2006/main">
+  <p:cSld>
+    <p:spTree>
+      <p:nvGrpSpPr>
+        <p:cNvPr id="1" name=""/>
+        <p:cNvGrpSpPr/>
+        <p:nvPr/>
+      </p:nvGrpSpPr>
+      <p:grpSpPr>
+        <a:xfrm>
+          <a:off x="0" y="0"/>
+          <a:ext cx="0" cy="0"/>
+          <a:chOff x="0" y="0"/>
+          <a:chExt cx="0" cy="0"/>
+        </a:xfrm>
+      </p:grpSpPr>
+      <p:sp>
+        <p:nvSpPr>
+          <p:cNvPr id="2" name="제목 1">
+            <a:extLst>
+              <a:ext uri="{FF2B5EF4-FFF2-40B4-BE49-F238E27FC236}">
+                <a16:creationId xmlns:a16="http://schemas.microsoft.com/office/drawing/2014/main" id="{97E51B44-8461-7B96-2388-D852A6FF27A0}"/>
+              </a:ext>
+            </a:extLst>
+          </p:cNvPr>
+          <p:cNvSpPr>
+            <a:spLocks noGrp="1"/>
+          </p:cNvSpPr>
+          <p:nvPr>
+            <p:ph type="title"/>
+          </p:nvPr>
+        </p:nvSpPr>
+        <p:spPr>
+          <a:xfrm>
+            <a:off x="512472" y="191556"/>
+            <a:ext cx="10515600" cy="1325563"/>
+          </a:xfrm>
+        </p:spPr>
+        <p:txBody>
+          <a:bodyPr>
+            <a:normAutofit/>
+          </a:bodyPr>
+          <a:lstStyle/>
+          <a:p>
+            <a:r>
+              <a:rPr lang="en-US" altLang="ko-KR" sz="4000" b="1" dirty="0"/>
+              <a:t>Table Driven IP Routing (An Example)</a:t>
+            </a:r>
+            <a:endParaRPr lang="ko-KR" altLang="en-US" sz="4000" b="1" dirty="0"/>
+          </a:p>
+        </p:txBody>
+      </p:sp>
+      <p:sp>
+        <p:nvSpPr>
+          <p:cNvPr id="3" name="직사각형 2">
+            <a:extLst>
+              <a:ext uri="{FF2B5EF4-FFF2-40B4-BE49-F238E27FC236}">
+                <a16:creationId xmlns:a16="http://schemas.microsoft.com/office/drawing/2014/main" id="{C81F88F5-6FF0-189D-1A5B-554E99B98DDF}"/>
+              </a:ext>
+            </a:extLst>
+          </p:cNvPr>
+          <p:cNvSpPr>
+            <a:spLocks noGrp="1" noRot="1" noMove="1" noResize="1" noEditPoints="1" noAdjustHandles="1" noChangeArrowheads="1" noChangeShapeType="1"/>
+          </p:cNvSpPr>
+          <p:nvPr/>
+        </p:nvSpPr>
+        <p:spPr>
+          <a:xfrm>
+            <a:off x="91127" y="804943"/>
+            <a:ext cx="280416" cy="49394"/>
+          </a:xfrm>
+          <a:prstGeom prst="rect">
+            <a:avLst/>
+          </a:prstGeom>
+          <a:solidFill>
+            <a:schemeClr val="accent2"/>
+          </a:solidFill>
+          <a:ln>
+            <a:noFill/>
+          </a:ln>
+        </p:spPr>
+        <p:style>
+          <a:lnRef idx="2">
+            <a:schemeClr val="accent1">
+              <a:shade val="50000"/>
+            </a:schemeClr>
+          </a:lnRef>
+          <a:fillRef idx="1">
+            <a:schemeClr val="accent1"/>
+          </a:fillRef>
+          <a:effectRef idx="0">
+            <a:schemeClr val="accent1"/>
+          </a:effectRef>
+          <a:fontRef idx="minor">
+            <a:schemeClr val="lt1"/>
+          </a:fontRef>
+        </p:style>
+        <p:txBody>
+          <a:bodyPr rtlCol="0" anchor="ctr"/>
+          <a:lstStyle/>
+          <a:p>
+            <a:pPr algn="ctr"/>
+            <a:endParaRPr lang="ko-KR" altLang="en-US"/>
+          </a:p>
+        </p:txBody>
+      </p:sp>
+      <p:pic>
+        <p:nvPicPr>
+          <p:cNvPr id="8" name="그림 7">
+            <a:extLst>
+              <a:ext uri="{FF2B5EF4-FFF2-40B4-BE49-F238E27FC236}">
+                <a16:creationId xmlns:a16="http://schemas.microsoft.com/office/drawing/2014/main" id="{380FC9E6-8223-92FA-E2BF-B1BA3726654B}"/>
+              </a:ext>
+            </a:extLst>
+          </p:cNvPr>
+          <p:cNvPicPr>
+            <a:picLocks noChangeAspect="1"/>
+          </p:cNvPicPr>
+          <p:nvPr/>
+        </p:nvPicPr>
+        <p:blipFill>
+          <a:blip r:embed="rId2"/>
+          <a:stretch>
+            <a:fillRect/>
+          </a:stretch>
+        </p:blipFill>
+        <p:spPr>
+          <a:xfrm>
+            <a:off x="1678713" y="1674673"/>
+            <a:ext cx="8183117" cy="4810796"/>
+          </a:xfrm>
+          <a:prstGeom prst="rect">
+            <a:avLst/>
+          </a:prstGeom>
+        </p:spPr>
+      </p:pic>
+    </p:spTree>
+    <p:extLst>
+      <p:ext uri="{BB962C8B-B14F-4D97-AF65-F5344CB8AC3E}">
+        <p14:creationId xmlns:p14="http://schemas.microsoft.com/office/powerpoint/2010/main" val="1197139801"/>
       </p:ext>
     </p:extLst>
   </p:cSld>
